--- a/doc/images/score-p-overview.pptx
+++ b/doc/images/score-p-overview.pptx
@@ -104,6 +104,11 @@
       </a:defRPr>
     </a:lvl9pPr>
   </p:defaultTextStyle>
+  <p:extLst>
+    <p:ext uri="{EFAFB233-063F-42B5-8137-9DF3F51BA10A}">
+      <p15:sldGuideLst xmlns:p15="http://schemas.microsoft.com/office/powerpoint/2012/main"/>
+    </p:ext>
+  </p:extLst>
 </p:presentation>
 </file>
 
@@ -238,7 +243,7 @@
           <a:p>
             <a:fld id="{B805A886-7B5C-4891-93D1-29873BD06F24}" type="datetimeFigureOut">
               <a:rPr lang="de-DE" smtClean="0"/>
-              <a:t>01.07.2014</a:t>
+              <a:t>17.12.2014</a:t>
             </a:fld>
             <a:endParaRPr lang="de-DE"/>
           </a:p>
@@ -408,7 +413,7 @@
           <a:p>
             <a:fld id="{B805A886-7B5C-4891-93D1-29873BD06F24}" type="datetimeFigureOut">
               <a:rPr lang="de-DE" smtClean="0"/>
-              <a:t>01.07.2014</a:t>
+              <a:t>17.12.2014</a:t>
             </a:fld>
             <a:endParaRPr lang="de-DE"/>
           </a:p>
@@ -588,7 +593,7 @@
           <a:p>
             <a:fld id="{B805A886-7B5C-4891-93D1-29873BD06F24}" type="datetimeFigureOut">
               <a:rPr lang="de-DE" smtClean="0"/>
-              <a:t>01.07.2014</a:t>
+              <a:t>17.12.2014</a:t>
             </a:fld>
             <a:endParaRPr lang="de-DE"/>
           </a:p>
@@ -758,7 +763,7 @@
           <a:p>
             <a:fld id="{B805A886-7B5C-4891-93D1-29873BD06F24}" type="datetimeFigureOut">
               <a:rPr lang="de-DE" smtClean="0"/>
-              <a:t>01.07.2014</a:t>
+              <a:t>17.12.2014</a:t>
             </a:fld>
             <a:endParaRPr lang="de-DE"/>
           </a:p>
@@ -1002,7 +1007,7 @@
           <a:p>
             <a:fld id="{B805A886-7B5C-4891-93D1-29873BD06F24}" type="datetimeFigureOut">
               <a:rPr lang="de-DE" smtClean="0"/>
-              <a:t>01.07.2014</a:t>
+              <a:t>17.12.2014</a:t>
             </a:fld>
             <a:endParaRPr lang="de-DE"/>
           </a:p>
@@ -1234,7 +1239,7 @@
           <a:p>
             <a:fld id="{B805A886-7B5C-4891-93D1-29873BD06F24}" type="datetimeFigureOut">
               <a:rPr lang="de-DE" smtClean="0"/>
-              <a:t>01.07.2014</a:t>
+              <a:t>17.12.2014</a:t>
             </a:fld>
             <a:endParaRPr lang="de-DE"/>
           </a:p>
@@ -1601,7 +1606,7 @@
           <a:p>
             <a:fld id="{B805A886-7B5C-4891-93D1-29873BD06F24}" type="datetimeFigureOut">
               <a:rPr lang="de-DE" smtClean="0"/>
-              <a:t>01.07.2014</a:t>
+              <a:t>17.12.2014</a:t>
             </a:fld>
             <a:endParaRPr lang="de-DE"/>
           </a:p>
@@ -1719,7 +1724,7 @@
           <a:p>
             <a:fld id="{B805A886-7B5C-4891-93D1-29873BD06F24}" type="datetimeFigureOut">
               <a:rPr lang="de-DE" smtClean="0"/>
-              <a:t>01.07.2014</a:t>
+              <a:t>17.12.2014</a:t>
             </a:fld>
             <a:endParaRPr lang="de-DE"/>
           </a:p>
@@ -1814,7 +1819,7 @@
           <a:p>
             <a:fld id="{B805A886-7B5C-4891-93D1-29873BD06F24}" type="datetimeFigureOut">
               <a:rPr lang="de-DE" smtClean="0"/>
-              <a:t>01.07.2014</a:t>
+              <a:t>17.12.2014</a:t>
             </a:fld>
             <a:endParaRPr lang="de-DE"/>
           </a:p>
@@ -2091,7 +2096,7 @@
           <a:p>
             <a:fld id="{B805A886-7B5C-4891-93D1-29873BD06F24}" type="datetimeFigureOut">
               <a:rPr lang="de-DE" smtClean="0"/>
-              <a:t>01.07.2014</a:t>
+              <a:t>17.12.2014</a:t>
             </a:fld>
             <a:endParaRPr lang="de-DE"/>
           </a:p>
@@ -2348,7 +2353,7 @@
           <a:p>
             <a:fld id="{B805A886-7B5C-4891-93D1-29873BD06F24}" type="datetimeFigureOut">
               <a:rPr lang="de-DE" smtClean="0"/>
-              <a:t>01.07.2014</a:t>
+              <a:t>17.12.2014</a:t>
             </a:fld>
             <a:endParaRPr lang="de-DE"/>
           </a:p>
@@ -2561,7 +2566,7 @@
           <a:p>
             <a:fld id="{B805A886-7B5C-4891-93D1-29873BD06F24}" type="datetimeFigureOut">
               <a:rPr lang="de-DE" smtClean="0"/>
-              <a:t>01.07.2014</a:t>
+              <a:t>17.12.2014</a:t>
             </a:fld>
             <a:endParaRPr lang="de-DE"/>
           </a:p>
@@ -3189,11 +3194,6 @@
                 </a:rPr>
                 <a:t>Application</a:t>
               </a:r>
-              <a:endParaRPr lang="en-US" sz="2000" dirty="0">
-                <a:latin typeface="Arial" pitchFamily="34"/>
-                <a:ea typeface="Arial Unicode MS" pitchFamily="2"/>
-                <a:cs typeface="Arial" pitchFamily="34"/>
-              </a:endParaRPr>
             </a:p>
           </p:txBody>
         </p:sp>
@@ -5744,7 +5744,29 @@
                   <a:ea typeface="Arial Unicode MS" pitchFamily="2"/>
                   <a:cs typeface="Tahoma" pitchFamily="2"/>
                 </a:rPr>
-                <a:t>(CUDA)</a:t>
+                <a:t>(</a:t>
+              </a:r>
+              <a:r>
+                <a:rPr lang="en-US" sz="1200" smtClean="0">
+                  <a:solidFill>
+                    <a:srgbClr val="FFFFFF"/>
+                  </a:solidFill>
+                  <a:latin typeface="Arial" pitchFamily="34"/>
+                  <a:ea typeface="Arial Unicode MS" pitchFamily="2"/>
+                  <a:cs typeface="Tahoma" pitchFamily="2"/>
+                </a:rPr>
+                <a:t>CUDA, OpenCL</a:t>
+              </a:r>
+              <a:r>
+                <a:rPr lang="en-US" sz="1200" dirty="0" smtClean="0">
+                  <a:solidFill>
+                    <a:srgbClr val="FFFFFF"/>
+                  </a:solidFill>
+                  <a:latin typeface="Arial" pitchFamily="34"/>
+                  <a:ea typeface="Arial Unicode MS" pitchFamily="2"/>
+                  <a:cs typeface="Tahoma" pitchFamily="2"/>
+                </a:rPr>
+                <a:t>)</a:t>
               </a:r>
               <a:endParaRPr lang="en-US" sz="1200" dirty="0">
                 <a:solidFill>
@@ -5965,29 +5987,7 @@
                   <a:ea typeface="Arial Unicode MS" pitchFamily="2"/>
                   <a:cs typeface="Tahoma" pitchFamily="2"/>
                 </a:rPr>
-                <a:t>Score-P </a:t>
-              </a:r>
-              <a:r>
-                <a:rPr lang="en-US" sz="2000" dirty="0">
-                  <a:solidFill>
-                    <a:srgbClr val="000000"/>
-                  </a:solidFill>
-                  <a:latin typeface="Arial" pitchFamily="34"/>
-                  <a:ea typeface="Arial Unicode MS" pitchFamily="2"/>
-                  <a:cs typeface="Tahoma" pitchFamily="2"/>
-                </a:rPr>
-                <a:t>measurement </a:t>
-              </a:r>
-              <a:r>
-                <a:rPr lang="en-US" sz="2000" dirty="0">
-                  <a:solidFill>
-                    <a:srgbClr val="000000"/>
-                  </a:solidFill>
-                  <a:latin typeface="Arial" pitchFamily="34"/>
-                  <a:ea typeface="Arial Unicode MS" pitchFamily="2"/>
-                  <a:cs typeface="Tahoma" pitchFamily="2"/>
-                </a:rPr>
-                <a:t>infrastructure</a:t>
+                <a:t>Score-P measurement infrastructure</a:t>
               </a:r>
               <a:endParaRPr lang="en-US" sz="2000" dirty="0">
                 <a:solidFill>
@@ -6423,14 +6423,6 @@
                 </a:rPr>
                 <a:t>User instrumentation</a:t>
               </a:r>
-              <a:endParaRPr lang="en-US" sz="1200" dirty="0">
-                <a:solidFill>
-                  <a:srgbClr val="FFFFFF"/>
-                </a:solidFill>
-                <a:latin typeface="Arial" pitchFamily="34"/>
-                <a:ea typeface="Arial Unicode MS" pitchFamily="2"/>
-                <a:cs typeface="Tahoma" pitchFamily="2"/>
-              </a:endParaRPr>
             </a:p>
           </p:txBody>
         </p:sp>
@@ -8569,14 +8561,6 @@
                 </a:rPr>
                 <a:t>(MPI, SHMEM)</a:t>
               </a:r>
-              <a:endParaRPr lang="en-US" sz="1200" dirty="0">
-                <a:solidFill>
-                  <a:srgbClr val="FFFFFF"/>
-                </a:solidFill>
-                <a:latin typeface="Arial" pitchFamily="34"/>
-                <a:ea typeface="Arial Unicode MS" pitchFamily="2"/>
-                <a:cs typeface="Tahoma" pitchFamily="2"/>
-              </a:endParaRPr>
             </a:p>
           </p:txBody>
         </p:sp>
@@ -9102,14 +9086,6 @@
                 </a:rPr>
                 <a:t>)</a:t>
               </a:r>
-              <a:endParaRPr lang="en-US" sz="1200" dirty="0">
-                <a:solidFill>
-                  <a:srgbClr val="FFFFFF"/>
-                </a:solidFill>
-                <a:latin typeface="Arial" pitchFamily="34"/>
-                <a:ea typeface="Arial Unicode MS" pitchFamily="2"/>
-                <a:cs typeface="Tahoma" pitchFamily="2"/>
-              </a:endParaRPr>
             </a:p>
           </p:txBody>
         </p:sp>
@@ -9538,14 +9514,6 @@
                 </a:rPr>
                 <a:t>Source code instrumentation</a:t>
               </a:r>
-              <a:endParaRPr lang="en-US" sz="1200" dirty="0">
-                <a:solidFill>
-                  <a:srgbClr val="FFFFFF"/>
-                </a:solidFill>
-                <a:latin typeface="Arial" pitchFamily="34"/>
-                <a:ea typeface="Arial Unicode MS" pitchFamily="2"/>
-                <a:cs typeface="Tahoma" pitchFamily="2"/>
-              </a:endParaRPr>
             </a:p>
           </p:txBody>
         </p:sp>
@@ -9759,14 +9727,6 @@
                 </a:rPr>
                 <a:t>CUBE</a:t>
               </a:r>
-              <a:endParaRPr lang="en-US" dirty="0">
-                <a:solidFill>
-                  <a:srgbClr val="FFFFFF"/>
-                </a:solidFill>
-                <a:latin typeface="Arial" pitchFamily="34"/>
-                <a:ea typeface="Arial Unicode MS" pitchFamily="2"/>
-                <a:cs typeface="Tahoma" pitchFamily="2"/>
-              </a:endParaRPr>
             </a:p>
           </p:txBody>
         </p:sp>

--- a/doc/images/score-p-overview.pptx
+++ b/doc/images/score-p-overview.pptx
@@ -106,7 +106,7 @@
   </p:defaultTextStyle>
   <p:extLst>
     <p:ext uri="{EFAFB233-063F-42B5-8137-9DF3F51BA10A}">
-      <p15:sldGuideLst xmlns:p15="http://schemas.microsoft.com/office/powerpoint/2012/main"/>
+      <p15:sldGuideLst xmlns:p15="http://schemas.microsoft.com/office/powerpoint/2012/main" xmlns=""/>
     </p:ext>
   </p:extLst>
 </p:presentation>
@@ -243,7 +243,7 @@
           <a:p>
             <a:fld id="{B805A886-7B5C-4891-93D1-29873BD06F24}" type="datetimeFigureOut">
               <a:rPr lang="de-DE" smtClean="0"/>
-              <a:t>17.12.2014</a:t>
+              <a:t>09.12.2015</a:t>
             </a:fld>
             <a:endParaRPr lang="de-DE"/>
           </a:p>
@@ -285,7 +285,7 @@
           <a:p>
             <a:fld id="{C3FA991F-5CFE-4265-BA0A-3C6CB9B1C845}" type="slidenum">
               <a:rPr lang="de-DE" smtClean="0"/>
-              <a:t>‹Nr.›</a:t>
+              <a:t>‹#›</a:t>
             </a:fld>
             <a:endParaRPr lang="de-DE"/>
           </a:p>
@@ -413,7 +413,7 @@
           <a:p>
             <a:fld id="{B805A886-7B5C-4891-93D1-29873BD06F24}" type="datetimeFigureOut">
               <a:rPr lang="de-DE" smtClean="0"/>
-              <a:t>17.12.2014</a:t>
+              <a:t>09.12.2015</a:t>
             </a:fld>
             <a:endParaRPr lang="de-DE"/>
           </a:p>
@@ -455,7 +455,7 @@
           <a:p>
             <a:fld id="{C3FA991F-5CFE-4265-BA0A-3C6CB9B1C845}" type="slidenum">
               <a:rPr lang="de-DE" smtClean="0"/>
-              <a:t>‹Nr.›</a:t>
+              <a:t>‹#›</a:t>
             </a:fld>
             <a:endParaRPr lang="de-DE"/>
           </a:p>
@@ -593,7 +593,7 @@
           <a:p>
             <a:fld id="{B805A886-7B5C-4891-93D1-29873BD06F24}" type="datetimeFigureOut">
               <a:rPr lang="de-DE" smtClean="0"/>
-              <a:t>17.12.2014</a:t>
+              <a:t>09.12.2015</a:t>
             </a:fld>
             <a:endParaRPr lang="de-DE"/>
           </a:p>
@@ -635,7 +635,7 @@
           <a:p>
             <a:fld id="{C3FA991F-5CFE-4265-BA0A-3C6CB9B1C845}" type="slidenum">
               <a:rPr lang="de-DE" smtClean="0"/>
-              <a:t>‹Nr.›</a:t>
+              <a:t>‹#›</a:t>
             </a:fld>
             <a:endParaRPr lang="de-DE"/>
           </a:p>
@@ -763,7 +763,7 @@
           <a:p>
             <a:fld id="{B805A886-7B5C-4891-93D1-29873BD06F24}" type="datetimeFigureOut">
               <a:rPr lang="de-DE" smtClean="0"/>
-              <a:t>17.12.2014</a:t>
+              <a:t>09.12.2015</a:t>
             </a:fld>
             <a:endParaRPr lang="de-DE"/>
           </a:p>
@@ -805,7 +805,7 @@
           <a:p>
             <a:fld id="{C3FA991F-5CFE-4265-BA0A-3C6CB9B1C845}" type="slidenum">
               <a:rPr lang="de-DE" smtClean="0"/>
-              <a:t>‹Nr.›</a:t>
+              <a:t>‹#›</a:t>
             </a:fld>
             <a:endParaRPr lang="de-DE"/>
           </a:p>
@@ -1007,7 +1007,7 @@
           <a:p>
             <a:fld id="{B805A886-7B5C-4891-93D1-29873BD06F24}" type="datetimeFigureOut">
               <a:rPr lang="de-DE" smtClean="0"/>
-              <a:t>17.12.2014</a:t>
+              <a:t>09.12.2015</a:t>
             </a:fld>
             <a:endParaRPr lang="de-DE"/>
           </a:p>
@@ -1049,7 +1049,7 @@
           <a:p>
             <a:fld id="{C3FA991F-5CFE-4265-BA0A-3C6CB9B1C845}" type="slidenum">
               <a:rPr lang="de-DE" smtClean="0"/>
-              <a:t>‹Nr.›</a:t>
+              <a:t>‹#›</a:t>
             </a:fld>
             <a:endParaRPr lang="de-DE"/>
           </a:p>
@@ -1239,7 +1239,7 @@
           <a:p>
             <a:fld id="{B805A886-7B5C-4891-93D1-29873BD06F24}" type="datetimeFigureOut">
               <a:rPr lang="de-DE" smtClean="0"/>
-              <a:t>17.12.2014</a:t>
+              <a:t>09.12.2015</a:t>
             </a:fld>
             <a:endParaRPr lang="de-DE"/>
           </a:p>
@@ -1281,7 +1281,7 @@
           <a:p>
             <a:fld id="{C3FA991F-5CFE-4265-BA0A-3C6CB9B1C845}" type="slidenum">
               <a:rPr lang="de-DE" smtClean="0"/>
-              <a:t>‹Nr.›</a:t>
+              <a:t>‹#›</a:t>
             </a:fld>
             <a:endParaRPr lang="de-DE"/>
           </a:p>
@@ -1606,7 +1606,7 @@
           <a:p>
             <a:fld id="{B805A886-7B5C-4891-93D1-29873BD06F24}" type="datetimeFigureOut">
               <a:rPr lang="de-DE" smtClean="0"/>
-              <a:t>17.12.2014</a:t>
+              <a:t>09.12.2015</a:t>
             </a:fld>
             <a:endParaRPr lang="de-DE"/>
           </a:p>
@@ -1648,7 +1648,7 @@
           <a:p>
             <a:fld id="{C3FA991F-5CFE-4265-BA0A-3C6CB9B1C845}" type="slidenum">
               <a:rPr lang="de-DE" smtClean="0"/>
-              <a:t>‹Nr.›</a:t>
+              <a:t>‹#›</a:t>
             </a:fld>
             <a:endParaRPr lang="de-DE"/>
           </a:p>
@@ -1724,7 +1724,7 @@
           <a:p>
             <a:fld id="{B805A886-7B5C-4891-93D1-29873BD06F24}" type="datetimeFigureOut">
               <a:rPr lang="de-DE" smtClean="0"/>
-              <a:t>17.12.2014</a:t>
+              <a:t>09.12.2015</a:t>
             </a:fld>
             <a:endParaRPr lang="de-DE"/>
           </a:p>
@@ -1766,7 +1766,7 @@
           <a:p>
             <a:fld id="{C3FA991F-5CFE-4265-BA0A-3C6CB9B1C845}" type="slidenum">
               <a:rPr lang="de-DE" smtClean="0"/>
-              <a:t>‹Nr.›</a:t>
+              <a:t>‹#›</a:t>
             </a:fld>
             <a:endParaRPr lang="de-DE"/>
           </a:p>
@@ -1819,7 +1819,7 @@
           <a:p>
             <a:fld id="{B805A886-7B5C-4891-93D1-29873BD06F24}" type="datetimeFigureOut">
               <a:rPr lang="de-DE" smtClean="0"/>
-              <a:t>17.12.2014</a:t>
+              <a:t>09.12.2015</a:t>
             </a:fld>
             <a:endParaRPr lang="de-DE"/>
           </a:p>
@@ -1861,7 +1861,7 @@
           <a:p>
             <a:fld id="{C3FA991F-5CFE-4265-BA0A-3C6CB9B1C845}" type="slidenum">
               <a:rPr lang="de-DE" smtClean="0"/>
-              <a:t>‹Nr.›</a:t>
+              <a:t>‹#›</a:t>
             </a:fld>
             <a:endParaRPr lang="de-DE"/>
           </a:p>
@@ -2096,7 +2096,7 @@
           <a:p>
             <a:fld id="{B805A886-7B5C-4891-93D1-29873BD06F24}" type="datetimeFigureOut">
               <a:rPr lang="de-DE" smtClean="0"/>
-              <a:t>17.12.2014</a:t>
+              <a:t>09.12.2015</a:t>
             </a:fld>
             <a:endParaRPr lang="de-DE"/>
           </a:p>
@@ -2138,7 +2138,7 @@
           <a:p>
             <a:fld id="{C3FA991F-5CFE-4265-BA0A-3C6CB9B1C845}" type="slidenum">
               <a:rPr lang="de-DE" smtClean="0"/>
-              <a:t>‹Nr.›</a:t>
+              <a:t>‹#›</a:t>
             </a:fld>
             <a:endParaRPr lang="de-DE"/>
           </a:p>
@@ -2353,7 +2353,7 @@
           <a:p>
             <a:fld id="{B805A886-7B5C-4891-93D1-29873BD06F24}" type="datetimeFigureOut">
               <a:rPr lang="de-DE" smtClean="0"/>
-              <a:t>17.12.2014</a:t>
+              <a:t>09.12.2015</a:t>
             </a:fld>
             <a:endParaRPr lang="de-DE"/>
           </a:p>
@@ -2395,7 +2395,7 @@
           <a:p>
             <a:fld id="{C3FA991F-5CFE-4265-BA0A-3C6CB9B1C845}" type="slidenum">
               <a:rPr lang="de-DE" smtClean="0"/>
-              <a:t>‹Nr.›</a:t>
+              <a:t>‹#›</a:t>
             </a:fld>
             <a:endParaRPr lang="de-DE"/>
           </a:p>
@@ -2566,7 +2566,7 @@
           <a:p>
             <a:fld id="{B805A886-7B5C-4891-93D1-29873BD06F24}" type="datetimeFigureOut">
               <a:rPr lang="de-DE" smtClean="0"/>
-              <a:t>17.12.2014</a:t>
+              <a:t>09.12.2015</a:t>
             </a:fld>
             <a:endParaRPr lang="de-DE"/>
           </a:p>
@@ -2644,7 +2644,7 @@
           <a:p>
             <a:fld id="{C3FA991F-5CFE-4265-BA0A-3C6CB9B1C845}" type="slidenum">
               <a:rPr lang="de-DE" smtClean="0"/>
-              <a:t>‹Nr.›</a:t>
+              <a:t>‹#›</a:t>
             </a:fld>
             <a:endParaRPr lang="de-DE"/>
           </a:p>
@@ -5747,7 +5747,7 @@
                 <a:t>(</a:t>
               </a:r>
               <a:r>
-                <a:rPr lang="en-US" sz="1200" smtClean="0">
+                <a:rPr lang="en-US" sz="1200" dirty="0" smtClean="0">
                   <a:solidFill>
                     <a:srgbClr val="FFFFFF"/>
                   </a:solidFill>
@@ -5755,18 +5755,7 @@
                   <a:ea typeface="Arial Unicode MS" pitchFamily="2"/>
                   <a:cs typeface="Tahoma" pitchFamily="2"/>
                 </a:rPr>
-                <a:t>CUDA, OpenCL</a:t>
-              </a:r>
-              <a:r>
-                <a:rPr lang="en-US" sz="1200" dirty="0" smtClean="0">
-                  <a:solidFill>
-                    <a:srgbClr val="FFFFFF"/>
-                  </a:solidFill>
-                  <a:latin typeface="Arial" pitchFamily="34"/>
-                  <a:ea typeface="Arial Unicode MS" pitchFamily="2"/>
-                  <a:cs typeface="Tahoma" pitchFamily="2"/>
-                </a:rPr>
-                <a:t>)</a:t>
+                <a:t>CUDA, OpenCL)</a:t>
               </a:r>
               <a:endParaRPr lang="en-US" sz="1200" dirty="0">
                 <a:solidFill>
@@ -7801,7 +7790,7 @@
                 <a:defRPr/>
               </a:pPr>
               <a:r>
-                <a:rPr lang="en-US" sz="1600" dirty="0">
+                <a:rPr lang="en-US" sz="1200" dirty="0">
                   <a:solidFill>
                     <a:srgbClr val="FFFFFF"/>
                   </a:solidFill>
@@ -7812,7 +7801,7 @@
                 <a:t>Hardware counter (PAPI, </a:t>
               </a:r>
               <a:r>
-                <a:rPr lang="en-US" sz="1600" dirty="0" err="1">
+                <a:rPr lang="en-US" sz="1200" dirty="0" err="1" smtClean="0">
                   <a:solidFill>
                     <a:srgbClr val="FFFFFF"/>
                   </a:solidFill>
@@ -7823,7 +7812,7 @@
                 <a:t>rusage</a:t>
               </a:r>
               <a:r>
-                <a:rPr lang="en-US" sz="1600" dirty="0">
+                <a:rPr lang="en-US" sz="1200" dirty="0" smtClean="0">
                   <a:solidFill>
                     <a:srgbClr val="FFFFFF"/>
                   </a:solidFill>
@@ -7831,8 +7820,16 @@
                   <a:ea typeface="Arial Unicode MS" pitchFamily="2"/>
                   <a:cs typeface="Tahoma" pitchFamily="2"/>
                 </a:rPr>
-                <a:t>)</a:t>
+                <a:t>, PERF, plugins)</a:t>
               </a:r>
+              <a:endParaRPr lang="en-US" sz="1200" dirty="0">
+                <a:solidFill>
+                  <a:srgbClr val="FFFFFF"/>
+                </a:solidFill>
+                <a:latin typeface="Arial" pitchFamily="34"/>
+                <a:ea typeface="Arial Unicode MS" pitchFamily="2"/>
+                <a:cs typeface="Tahoma" pitchFamily="2"/>
+              </a:endParaRPr>
             </a:p>
           </p:txBody>
         </p:sp>
@@ -10872,7 +10869,7 @@
   <a:extraClrSchemeLst/>
   <a:extLst>
     <a:ext uri="{05A4C25C-085E-4340-85A3-A5531E510DB2}">
-      <thm15:themeFamily xmlns:thm15="http://schemas.microsoft.com/office/thememl/2012/main" name="Office Theme" id="{62F939B6-93AF-4DB8-9C6B-D6C7DFDC589F}" vid="{4A3C46E8-61CC-4603-A589-7422A47A8E4A}"/>
+      <thm15:themeFamily xmlns:thm15="http://schemas.microsoft.com/office/thememl/2012/main" xmlns="" name="Office Theme" id="{62F939B6-93AF-4DB8-9C6B-D6C7DFDC589F}" vid="{4A3C46E8-61CC-4603-A589-7422A47A8E4A}"/>
     </a:ext>
   </a:extLst>
 </a:theme>

--- a/doc/images/score-p-overview.pptx
+++ b/doc/images/score-p-overview.pptx
@@ -106,7 +106,18 @@
   </p:defaultTextStyle>
   <p:extLst>
     <p:ext uri="{EFAFB233-063F-42B5-8137-9DF3F51BA10A}">
-      <p15:sldGuideLst xmlns:p15="http://schemas.microsoft.com/office/powerpoint/2012/main" xmlns=""/>
+      <p15:sldGuideLst xmlns:p15="http://schemas.microsoft.com/office/powerpoint/2012/main">
+        <p15:guide id="1" orient="horz" pos="2160">
+          <p15:clr>
+            <a:srgbClr val="A4A3A4"/>
+          </p15:clr>
+        </p15:guide>
+        <p15:guide id="2" pos="2880">
+          <p15:clr>
+            <a:srgbClr val="A4A3A4"/>
+          </p15:clr>
+        </p15:guide>
+      </p15:sldGuideLst>
     </p:ext>
   </p:extLst>
 </p:presentation>
@@ -243,7 +254,7 @@
           <a:p>
             <a:fld id="{B805A886-7B5C-4891-93D1-29873BD06F24}" type="datetimeFigureOut">
               <a:rPr lang="de-DE" smtClean="0"/>
-              <a:t>11.04.2016</a:t>
+              <a:t>23.05.2016</a:t>
             </a:fld>
             <a:endParaRPr lang="de-DE"/>
           </a:p>
@@ -413,7 +424,7 @@
           <a:p>
             <a:fld id="{B805A886-7B5C-4891-93D1-29873BD06F24}" type="datetimeFigureOut">
               <a:rPr lang="de-DE" smtClean="0"/>
-              <a:t>11.04.2016</a:t>
+              <a:t>23.05.2016</a:t>
             </a:fld>
             <a:endParaRPr lang="de-DE"/>
           </a:p>
@@ -593,7 +604,7 @@
           <a:p>
             <a:fld id="{B805A886-7B5C-4891-93D1-29873BD06F24}" type="datetimeFigureOut">
               <a:rPr lang="de-DE" smtClean="0"/>
-              <a:t>11.04.2016</a:t>
+              <a:t>23.05.2016</a:t>
             </a:fld>
             <a:endParaRPr lang="de-DE"/>
           </a:p>
@@ -763,7 +774,7 @@
           <a:p>
             <a:fld id="{B805A886-7B5C-4891-93D1-29873BD06F24}" type="datetimeFigureOut">
               <a:rPr lang="de-DE" smtClean="0"/>
-              <a:t>11.04.2016</a:t>
+              <a:t>23.05.2016</a:t>
             </a:fld>
             <a:endParaRPr lang="de-DE"/>
           </a:p>
@@ -1007,7 +1018,7 @@
           <a:p>
             <a:fld id="{B805A886-7B5C-4891-93D1-29873BD06F24}" type="datetimeFigureOut">
               <a:rPr lang="de-DE" smtClean="0"/>
-              <a:t>11.04.2016</a:t>
+              <a:t>23.05.2016</a:t>
             </a:fld>
             <a:endParaRPr lang="de-DE"/>
           </a:p>
@@ -1239,7 +1250,7 @@
           <a:p>
             <a:fld id="{B805A886-7B5C-4891-93D1-29873BD06F24}" type="datetimeFigureOut">
               <a:rPr lang="de-DE" smtClean="0"/>
-              <a:t>11.04.2016</a:t>
+              <a:t>23.05.2016</a:t>
             </a:fld>
             <a:endParaRPr lang="de-DE"/>
           </a:p>
@@ -1606,7 +1617,7 @@
           <a:p>
             <a:fld id="{B805A886-7B5C-4891-93D1-29873BD06F24}" type="datetimeFigureOut">
               <a:rPr lang="de-DE" smtClean="0"/>
-              <a:t>11.04.2016</a:t>
+              <a:t>23.05.2016</a:t>
             </a:fld>
             <a:endParaRPr lang="de-DE"/>
           </a:p>
@@ -1724,7 +1735,7 @@
           <a:p>
             <a:fld id="{B805A886-7B5C-4891-93D1-29873BD06F24}" type="datetimeFigureOut">
               <a:rPr lang="de-DE" smtClean="0"/>
-              <a:t>11.04.2016</a:t>
+              <a:t>23.05.2016</a:t>
             </a:fld>
             <a:endParaRPr lang="de-DE"/>
           </a:p>
@@ -1819,7 +1830,7 @@
           <a:p>
             <a:fld id="{B805A886-7B5C-4891-93D1-29873BD06F24}" type="datetimeFigureOut">
               <a:rPr lang="de-DE" smtClean="0"/>
-              <a:t>11.04.2016</a:t>
+              <a:t>23.05.2016</a:t>
             </a:fld>
             <a:endParaRPr lang="de-DE"/>
           </a:p>
@@ -2096,7 +2107,7 @@
           <a:p>
             <a:fld id="{B805A886-7B5C-4891-93D1-29873BD06F24}" type="datetimeFigureOut">
               <a:rPr lang="de-DE" smtClean="0"/>
-              <a:t>11.04.2016</a:t>
+              <a:t>23.05.2016</a:t>
             </a:fld>
             <a:endParaRPr lang="de-DE"/>
           </a:p>
@@ -2353,7 +2364,7 @@
           <a:p>
             <a:fld id="{B805A886-7B5C-4891-93D1-29873BD06F24}" type="datetimeFigureOut">
               <a:rPr lang="de-DE" smtClean="0"/>
-              <a:t>11.04.2016</a:t>
+              <a:t>23.05.2016</a:t>
             </a:fld>
             <a:endParaRPr lang="de-DE"/>
           </a:p>
@@ -2566,7 +2577,7 @@
           <a:p>
             <a:fld id="{B805A886-7B5C-4891-93D1-29873BD06F24}" type="datetimeFigureOut">
               <a:rPr lang="de-DE" smtClean="0"/>
-              <a:t>11.04.2016</a:t>
+              <a:t>23.05.2016</a:t>
             </a:fld>
             <a:endParaRPr lang="de-DE"/>
           </a:p>
@@ -5523,8 +5534,8 @@
           </p:nvSpPr>
           <p:spPr bwMode="auto">
             <a:xfrm>
-              <a:off x="3794946" y="4990718"/>
-              <a:ext cx="1566000" cy="648000"/>
+              <a:off x="3794946" y="4990717"/>
+              <a:ext cx="1566000" cy="733090"/>
             </a:xfrm>
             <a:custGeom>
               <a:avLst/>
@@ -5755,7 +5766,51 @@
                   <a:ea typeface="Arial Unicode MS" pitchFamily="2"/>
                   <a:cs typeface="Tahoma" pitchFamily="2"/>
                 </a:rPr>
-                <a:t>CUDA, OpenCL)</a:t>
+                <a:t>CUDA, </a:t>
+              </a:r>
+              <a:r>
+                <a:rPr lang="en-US" sz="1200" dirty="0" err="1" smtClean="0">
+                  <a:solidFill>
+                    <a:srgbClr val="FFFFFF"/>
+                  </a:solidFill>
+                  <a:latin typeface="Arial" pitchFamily="34"/>
+                  <a:ea typeface="Arial Unicode MS" pitchFamily="2"/>
+                  <a:cs typeface="Tahoma" pitchFamily="2"/>
+                </a:rPr>
+                <a:t>OpenCL</a:t>
+              </a:r>
+              <a:r>
+                <a:rPr lang="en-US" sz="1200" dirty="0" smtClean="0">
+                  <a:solidFill>
+                    <a:srgbClr val="FFFFFF"/>
+                  </a:solidFill>
+                  <a:latin typeface="Arial" pitchFamily="34"/>
+                  <a:ea typeface="Arial Unicode MS" pitchFamily="2"/>
+                  <a:cs typeface="Tahoma" pitchFamily="2"/>
+                </a:rPr>
+                <a:t>, </a:t>
+              </a:r>
+              <a:r>
+                <a:rPr lang="en-US" sz="1200" dirty="0" err="1" smtClean="0">
+                  <a:solidFill>
+                    <a:srgbClr val="FFFFFF"/>
+                  </a:solidFill>
+                  <a:latin typeface="Arial" pitchFamily="34"/>
+                  <a:ea typeface="Arial Unicode MS" pitchFamily="2"/>
+                  <a:cs typeface="Tahoma" pitchFamily="2"/>
+                </a:rPr>
+                <a:t>OpenACC</a:t>
+              </a:r>
+              <a:r>
+                <a:rPr lang="en-US" sz="1200" dirty="0" smtClean="0">
+                  <a:solidFill>
+                    <a:srgbClr val="FFFFFF"/>
+                  </a:solidFill>
+                  <a:latin typeface="Arial" pitchFamily="34"/>
+                  <a:ea typeface="Arial Unicode MS" pitchFamily="2"/>
+                  <a:cs typeface="Tahoma" pitchFamily="2"/>
+                </a:rPr>
+                <a:t>)</a:t>
               </a:r>
               <a:endParaRPr lang="en-US" sz="1200" dirty="0">
                 <a:solidFill>
@@ -6210,8 +6265,8 @@
           </p:nvSpPr>
           <p:spPr bwMode="auto">
             <a:xfrm>
-              <a:off x="7053889" y="4990718"/>
-              <a:ext cx="1566000" cy="648000"/>
+              <a:off x="7053889" y="4990717"/>
+              <a:ext cx="1566000" cy="733090"/>
             </a:xfrm>
             <a:custGeom>
               <a:avLst/>
@@ -8020,8 +8075,8 @@
           </p:nvSpPr>
           <p:spPr bwMode="auto">
             <a:xfrm>
-              <a:off x="533660" y="4990718"/>
-              <a:ext cx="1566000" cy="648000"/>
+              <a:off x="533660" y="4990717"/>
+              <a:ext cx="1566000" cy="733090"/>
             </a:xfrm>
             <a:custGeom>
               <a:avLst/>
@@ -8501,8 +8556,8 @@
           </p:nvSpPr>
           <p:spPr bwMode="auto">
             <a:xfrm>
-              <a:off x="2164303" y="4990718"/>
-              <a:ext cx="1566000" cy="648000"/>
+              <a:off x="2164303" y="4990717"/>
+              <a:ext cx="1566000" cy="733090"/>
             </a:xfrm>
             <a:custGeom>
               <a:avLst/>
@@ -8994,8 +9049,8 @@
           </p:nvSpPr>
           <p:spPr bwMode="auto">
             <a:xfrm>
-              <a:off x="5423250" y="4990718"/>
-              <a:ext cx="1566000" cy="648000"/>
+              <a:off x="5423250" y="4990717"/>
+              <a:ext cx="1566000" cy="733090"/>
             </a:xfrm>
             <a:custGeom>
               <a:avLst/>
@@ -10853,7 +10908,7 @@
   <a:extraClrSchemeLst/>
   <a:extLst>
     <a:ext uri="{05A4C25C-085E-4340-85A3-A5531E510DB2}">
-      <thm15:themeFamily xmlns:thm15="http://schemas.microsoft.com/office/thememl/2012/main" xmlns="" name="Office Theme" id="{62F939B6-93AF-4DB8-9C6B-D6C7DFDC589F}" vid="{4A3C46E8-61CC-4603-A589-7422A47A8E4A}"/>
+      <thm15:themeFamily xmlns:thm15="http://schemas.microsoft.com/office/thememl/2012/main" name="Office Theme" id="{62F939B6-93AF-4DB8-9C6B-D6C7DFDC589F}" vid="{4A3C46E8-61CC-4603-A589-7422A47A8E4A}"/>
     </a:ext>
   </a:extLst>
 </a:theme>

--- a/doc/images/score-p-overview.pptx
+++ b/doc/images/score-p-overview.pptx
@@ -254,7 +254,7 @@
           <a:p>
             <a:fld id="{B805A886-7B5C-4891-93D1-29873BD06F24}" type="datetimeFigureOut">
               <a:rPr lang="de-DE" smtClean="0"/>
-              <a:t>23.05.2016</a:t>
+              <a:t>17.07.2019</a:t>
             </a:fld>
             <a:endParaRPr lang="de-DE"/>
           </a:p>
@@ -424,7 +424,7 @@
           <a:p>
             <a:fld id="{B805A886-7B5C-4891-93D1-29873BD06F24}" type="datetimeFigureOut">
               <a:rPr lang="de-DE" smtClean="0"/>
-              <a:t>23.05.2016</a:t>
+              <a:t>17.07.2019</a:t>
             </a:fld>
             <a:endParaRPr lang="de-DE"/>
           </a:p>
@@ -604,7 +604,7 @@
           <a:p>
             <a:fld id="{B805A886-7B5C-4891-93D1-29873BD06F24}" type="datetimeFigureOut">
               <a:rPr lang="de-DE" smtClean="0"/>
-              <a:t>23.05.2016</a:t>
+              <a:t>17.07.2019</a:t>
             </a:fld>
             <a:endParaRPr lang="de-DE"/>
           </a:p>
@@ -774,7 +774,7 @@
           <a:p>
             <a:fld id="{B805A886-7B5C-4891-93D1-29873BD06F24}" type="datetimeFigureOut">
               <a:rPr lang="de-DE" smtClean="0"/>
-              <a:t>23.05.2016</a:t>
+              <a:t>17.07.2019</a:t>
             </a:fld>
             <a:endParaRPr lang="de-DE"/>
           </a:p>
@@ -1018,7 +1018,7 @@
           <a:p>
             <a:fld id="{B805A886-7B5C-4891-93D1-29873BD06F24}" type="datetimeFigureOut">
               <a:rPr lang="de-DE" smtClean="0"/>
-              <a:t>23.05.2016</a:t>
+              <a:t>17.07.2019</a:t>
             </a:fld>
             <a:endParaRPr lang="de-DE"/>
           </a:p>
@@ -1250,7 +1250,7 @@
           <a:p>
             <a:fld id="{B805A886-7B5C-4891-93D1-29873BD06F24}" type="datetimeFigureOut">
               <a:rPr lang="de-DE" smtClean="0"/>
-              <a:t>23.05.2016</a:t>
+              <a:t>17.07.2019</a:t>
             </a:fld>
             <a:endParaRPr lang="de-DE"/>
           </a:p>
@@ -1617,7 +1617,7 @@
           <a:p>
             <a:fld id="{B805A886-7B5C-4891-93D1-29873BD06F24}" type="datetimeFigureOut">
               <a:rPr lang="de-DE" smtClean="0"/>
-              <a:t>23.05.2016</a:t>
+              <a:t>17.07.2019</a:t>
             </a:fld>
             <a:endParaRPr lang="de-DE"/>
           </a:p>
@@ -1735,7 +1735,7 @@
           <a:p>
             <a:fld id="{B805A886-7B5C-4891-93D1-29873BD06F24}" type="datetimeFigureOut">
               <a:rPr lang="de-DE" smtClean="0"/>
-              <a:t>23.05.2016</a:t>
+              <a:t>17.07.2019</a:t>
             </a:fld>
             <a:endParaRPr lang="de-DE"/>
           </a:p>
@@ -1830,7 +1830,7 @@
           <a:p>
             <a:fld id="{B805A886-7B5C-4891-93D1-29873BD06F24}" type="datetimeFigureOut">
               <a:rPr lang="de-DE" smtClean="0"/>
-              <a:t>23.05.2016</a:t>
+              <a:t>17.07.2019</a:t>
             </a:fld>
             <a:endParaRPr lang="de-DE"/>
           </a:p>
@@ -2107,7 +2107,7 @@
           <a:p>
             <a:fld id="{B805A886-7B5C-4891-93D1-29873BD06F24}" type="datetimeFigureOut">
               <a:rPr lang="de-DE" smtClean="0"/>
-              <a:t>23.05.2016</a:t>
+              <a:t>17.07.2019</a:t>
             </a:fld>
             <a:endParaRPr lang="de-DE"/>
           </a:p>
@@ -2364,7 +2364,7 @@
           <a:p>
             <a:fld id="{B805A886-7B5C-4891-93D1-29873BD06F24}" type="datetimeFigureOut">
               <a:rPr lang="de-DE" smtClean="0"/>
-              <a:t>23.05.2016</a:t>
+              <a:t>17.07.2019</a:t>
             </a:fld>
             <a:endParaRPr lang="de-DE"/>
           </a:p>
@@ -2577,7 +2577,7 @@
           <a:p>
             <a:fld id="{B805A886-7B5C-4891-93D1-29873BD06F24}" type="datetimeFigureOut">
               <a:rPr lang="de-DE" smtClean="0"/>
-              <a:t>23.05.2016</a:t>
+              <a:t>17.07.2019</a:t>
             </a:fld>
             <a:endParaRPr lang="de-DE"/>
           </a:p>
@@ -2984,7 +2984,7 @@
       </p:grpSpPr>
       <p:grpSp>
         <p:nvGrpSpPr>
-          <p:cNvPr id="72" name="Gruppieren 71"/>
+          <p:cNvPr id="3" name="Gruppieren 2"/>
           <p:cNvGrpSpPr/>
           <p:nvPr/>
         </p:nvGrpSpPr>
@@ -2992,8 +2992,8 @@
           <a:xfrm>
             <a:off x="78314" y="592667"/>
             <a:ext cx="8987376" cy="5672666"/>
-            <a:chOff x="428906" y="813954"/>
-            <a:chExt cx="8286192" cy="5230092"/>
+            <a:chOff x="78314" y="592667"/>
+            <a:chExt cx="8987376" cy="5672666"/>
           </a:xfrm>
         </p:grpSpPr>
         <p:sp>
@@ -3004,8 +3004,8 @@
           </p:nvSpPr>
           <p:spPr>
             <a:xfrm>
-              <a:off x="428908" y="2864706"/>
-              <a:ext cx="8281987" cy="3179340"/>
+              <a:off x="78316" y="2816955"/>
+              <a:ext cx="8982815" cy="3448378"/>
             </a:xfrm>
             <a:custGeom>
               <a:avLst/>
@@ -3216,8 +3216,8 @@
           </p:nvSpPr>
           <p:spPr>
             <a:xfrm>
-              <a:off x="428908" y="827943"/>
-              <a:ext cx="1242793" cy="533400"/>
+              <a:off x="78316" y="607840"/>
+              <a:ext cx="1347959" cy="578537"/>
             </a:xfrm>
             <a:custGeom>
               <a:avLst/>
@@ -3437,8 +3437,8 @@
           </p:nvSpPr>
           <p:spPr>
             <a:xfrm>
-              <a:off x="1836489" y="827943"/>
-              <a:ext cx="1243891" cy="533400"/>
+              <a:off x="1605008" y="607840"/>
+              <a:ext cx="1349150" cy="578537"/>
             </a:xfrm>
             <a:custGeom>
               <a:avLst/>
@@ -3658,8 +3658,8 @@
           </p:nvSpPr>
           <p:spPr>
             <a:xfrm>
-              <a:off x="7471207" y="827943"/>
-              <a:ext cx="1243891" cy="533400"/>
+              <a:off x="7716540" y="607840"/>
+              <a:ext cx="1349150" cy="578537"/>
             </a:xfrm>
             <a:custGeom>
               <a:avLst/>
@@ -3871,8 +3871,8 @@
           </p:nvSpPr>
           <p:spPr>
             <a:xfrm>
-              <a:off x="4653847" y="827943"/>
-              <a:ext cx="1243891" cy="533400"/>
+              <a:off x="4660773" y="607840"/>
+              <a:ext cx="1349150" cy="578537"/>
             </a:xfrm>
             <a:custGeom>
               <a:avLst/>
@@ -4084,8 +4084,8 @@
           </p:nvSpPr>
           <p:spPr>
             <a:xfrm>
-              <a:off x="895522" y="1425845"/>
-              <a:ext cx="455613" cy="533400"/>
+              <a:off x="584415" y="1256337"/>
+              <a:ext cx="494167" cy="578537"/>
             </a:xfrm>
             <a:custGeom>
               <a:avLst>
@@ -4323,8 +4323,8 @@
           </p:nvSpPr>
           <p:spPr bwMode="auto">
             <a:xfrm>
-              <a:off x="2195145" y="1437543"/>
-              <a:ext cx="457200" cy="533400"/>
+              <a:off x="1994014" y="1269025"/>
+              <a:ext cx="495889" cy="578537"/>
             </a:xfrm>
             <a:custGeom>
               <a:avLst>
@@ -4562,8 +4562,8 @@
           </p:nvSpPr>
           <p:spPr bwMode="auto">
             <a:xfrm>
-              <a:off x="3949456" y="1414494"/>
-              <a:ext cx="457200" cy="533400"/>
+              <a:off x="3896776" y="1244025"/>
+              <a:ext cx="495889" cy="578537"/>
             </a:xfrm>
             <a:custGeom>
               <a:avLst>
@@ -4801,8 +4801,8 @@
           </p:nvSpPr>
           <p:spPr>
             <a:xfrm>
-              <a:off x="5020070" y="1435833"/>
-              <a:ext cx="455612" cy="533400"/>
+              <a:off x="5057986" y="1267170"/>
+              <a:ext cx="494166" cy="578537"/>
             </a:xfrm>
             <a:custGeom>
               <a:avLst>
@@ -5040,8 +5040,8 @@
           </p:nvSpPr>
           <p:spPr bwMode="auto">
             <a:xfrm>
-              <a:off x="4399768" y="3991354"/>
-              <a:ext cx="356356" cy="932881"/>
+              <a:off x="5165889" y="4043278"/>
+              <a:ext cx="386511" cy="1011822"/>
             </a:xfrm>
             <a:custGeom>
               <a:avLst>
@@ -5287,8 +5287,8 @@
           </p:nvSpPr>
           <p:spPr bwMode="auto">
             <a:xfrm>
-              <a:off x="7658711" y="3987938"/>
-              <a:ext cx="356356" cy="932881"/>
+              <a:off x="8059865" y="4043278"/>
+              <a:ext cx="386511" cy="1011822"/>
             </a:xfrm>
             <a:custGeom>
               <a:avLst>
@@ -5534,8 +5534,8 @@
           </p:nvSpPr>
           <p:spPr bwMode="auto">
             <a:xfrm>
-              <a:off x="3794946" y="4990717"/>
-              <a:ext cx="1566000" cy="733090"/>
+              <a:off x="3205365" y="5122871"/>
+              <a:ext cx="1418603" cy="795125"/>
             </a:xfrm>
             <a:custGeom>
               <a:avLst/>
@@ -5831,8 +5831,8 @@
           </p:nvSpPr>
           <p:spPr bwMode="auto">
             <a:xfrm>
-              <a:off x="645338" y="3123470"/>
-              <a:ext cx="7849120" cy="816545"/>
+              <a:off x="313061" y="3097616"/>
+              <a:ext cx="8513319" cy="885642"/>
             </a:xfrm>
             <a:custGeom>
               <a:avLst/>
@@ -6052,8 +6052,8 @@
           </p:nvSpPr>
           <p:spPr bwMode="auto">
             <a:xfrm>
-              <a:off x="428906" y="2032857"/>
-              <a:ext cx="2651472" cy="533400"/>
+              <a:off x="78314" y="1914714"/>
+              <a:ext cx="2875842" cy="578537"/>
             </a:xfrm>
             <a:custGeom>
               <a:avLst/>
@@ -6265,8 +6265,8 @@
           </p:nvSpPr>
           <p:spPr bwMode="auto">
             <a:xfrm>
-              <a:off x="7053889" y="4990717"/>
-              <a:ext cx="1566000" cy="733090"/>
+              <a:off x="7543820" y="5122871"/>
+              <a:ext cx="1418603" cy="795125"/>
             </a:xfrm>
             <a:custGeom>
               <a:avLst/>
@@ -6406,8 +6406,8 @@
           </p:nvSpPr>
           <p:spPr bwMode="auto">
             <a:xfrm>
-              <a:off x="3949456" y="2032855"/>
-              <a:ext cx="2584800" cy="533400"/>
+              <a:off x="3896776" y="1914712"/>
+              <a:ext cx="2803528" cy="578537"/>
             </a:xfrm>
             <a:custGeom>
               <a:avLst/>
@@ -6640,8 +6640,8 @@
           </p:nvSpPr>
           <p:spPr bwMode="auto">
             <a:xfrm>
-              <a:off x="1526838" y="2607531"/>
-              <a:ext cx="455613" cy="474662"/>
+              <a:off x="1269154" y="2538018"/>
+              <a:ext cx="494167" cy="514828"/>
             </a:xfrm>
             <a:custGeom>
               <a:avLst>
@@ -6879,8 +6879,8 @@
           </p:nvSpPr>
           <p:spPr bwMode="auto">
             <a:xfrm>
-              <a:off x="5014847" y="2607531"/>
-              <a:ext cx="454025" cy="474662"/>
+              <a:off x="5052321" y="2538018"/>
+              <a:ext cx="492445" cy="514828"/>
             </a:xfrm>
             <a:custGeom>
               <a:avLst>
@@ -7118,8 +7118,8 @@
           </p:nvSpPr>
           <p:spPr>
             <a:xfrm>
-              <a:off x="7864549" y="1428283"/>
-              <a:ext cx="457200" cy="1406525"/>
+              <a:off x="8143167" y="1258981"/>
+              <a:ext cx="495889" cy="1525546"/>
             </a:xfrm>
             <a:custGeom>
               <a:avLst>
@@ -7368,8 +7368,8 @@
           </p:nvSpPr>
           <p:spPr bwMode="auto">
             <a:xfrm>
-              <a:off x="7053890" y="2918358"/>
-              <a:ext cx="1368152" cy="533400"/>
+              <a:off x="7263909" y="2875147"/>
+              <a:ext cx="1483926" cy="578537"/>
             </a:xfrm>
             <a:custGeom>
               <a:avLst/>
@@ -7581,8 +7581,8 @@
           </p:nvSpPr>
           <p:spPr bwMode="auto">
             <a:xfrm>
-              <a:off x="1138481" y="3991351"/>
-              <a:ext cx="356358" cy="936056"/>
+              <a:off x="2271909" y="4041556"/>
+              <a:ext cx="386513" cy="1015266"/>
             </a:xfrm>
             <a:custGeom>
               <a:avLst>
@@ -7828,8 +7828,8 @@
           </p:nvSpPr>
           <p:spPr bwMode="auto">
             <a:xfrm>
-              <a:off x="2769124" y="3991354"/>
-              <a:ext cx="356358" cy="934939"/>
+              <a:off x="3718899" y="4042162"/>
+              <a:ext cx="386513" cy="1014054"/>
             </a:xfrm>
             <a:custGeom>
               <a:avLst>
@@ -8075,8 +8075,8 @@
           </p:nvSpPr>
           <p:spPr bwMode="auto">
             <a:xfrm>
-              <a:off x="533660" y="4990717"/>
-              <a:ext cx="1566000" cy="733090"/>
+              <a:off x="313061" y="5122871"/>
+              <a:ext cx="1418603" cy="795125"/>
             </a:xfrm>
             <a:custGeom>
               <a:avLst/>
@@ -8309,8 +8309,8 @@
           </p:nvSpPr>
           <p:spPr bwMode="auto">
             <a:xfrm>
-              <a:off x="6028072" y="3994337"/>
-              <a:ext cx="356356" cy="932881"/>
+              <a:off x="6612877" y="4043278"/>
+              <a:ext cx="386511" cy="1011822"/>
             </a:xfrm>
             <a:custGeom>
               <a:avLst>
@@ -8556,8 +8556,8 @@
           </p:nvSpPr>
           <p:spPr bwMode="auto">
             <a:xfrm>
-              <a:off x="2164303" y="4990717"/>
-              <a:ext cx="1566000" cy="733090"/>
+              <a:off x="1759213" y="5122871"/>
+              <a:ext cx="1418603" cy="795125"/>
             </a:xfrm>
             <a:custGeom>
               <a:avLst/>
@@ -8828,229 +8828,14 @@
         </p:sp>
         <p:sp>
           <p:nvSpPr>
-            <p:cNvPr id="64" name="Rectangle 4"/>
-            <p:cNvSpPr/>
-            <p:nvPr/>
-          </p:nvSpPr>
-          <p:spPr>
-            <a:xfrm>
-              <a:off x="645338" y="4314188"/>
-              <a:ext cx="6216454" cy="418951"/>
-            </a:xfrm>
-            <a:custGeom>
-              <a:avLst/>
-              <a:gdLst>
-                <a:gd name="f0" fmla="val 0"/>
-                <a:gd name="f1" fmla="val 21600"/>
-              </a:gdLst>
-              <a:ahLst/>
-              <a:cxnLst>
-                <a:cxn ang="3cd4">
-                  <a:pos x="hc" y="t"/>
-                </a:cxn>
-                <a:cxn ang="0">
-                  <a:pos x="r" y="vc"/>
-                </a:cxn>
-                <a:cxn ang="cd4">
-                  <a:pos x="hc" y="b"/>
-                </a:cxn>
-                <a:cxn ang="cd2">
-                  <a:pos x="l" y="vc"/>
-                </a:cxn>
-              </a:cxnLst>
-              <a:rect l="l" t="t" r="r" b="b"/>
-              <a:pathLst>
-                <a:path w="21600" h="21600">
-                  <a:moveTo>
-                    <a:pt x="f0" y="f0"/>
-                  </a:moveTo>
-                  <a:lnTo>
-                    <a:pt x="f1" y="f0"/>
-                  </a:lnTo>
-                  <a:lnTo>
-                    <a:pt x="f1" y="f1"/>
-                  </a:lnTo>
-                  <a:lnTo>
-                    <a:pt x="f0" y="f1"/>
-                  </a:lnTo>
-                  <a:lnTo>
-                    <a:pt x="f0" y="f0"/>
-                  </a:lnTo>
-                  <a:close/>
-                </a:path>
-              </a:pathLst>
-            </a:custGeom>
-            <a:solidFill>
-              <a:srgbClr val="8EB4E3">
-                <a:alpha val="75000"/>
-              </a:srgbClr>
-            </a:solidFill>
-            <a:ln w="0">
-              <a:noFill/>
-              <a:prstDash val="solid"/>
-            </a:ln>
-          </p:spPr>
-          <p:txBody>
-            <a:bodyPr lIns="90000" tIns="45000" rIns="90000" bIns="45000" anchor="ctr" anchorCtr="1" compatLnSpc="0"/>
-            <a:lstStyle>
-              <a:defPPr>
-                <a:defRPr lang="en-US"/>
-              </a:defPPr>
-              <a:lvl1pPr algn="l" rtl="0" fontAlgn="base">
-                <a:spcBef>
-                  <a:spcPct val="0"/>
-                </a:spcBef>
-                <a:spcAft>
-                  <a:spcPct val="0"/>
-                </a:spcAft>
-                <a:defRPr kern="1200">
-                  <a:solidFill>
-                    <a:schemeClr val="tx1"/>
-                  </a:solidFill>
-                  <a:latin typeface="Arial" pitchFamily="34" charset="0"/>
-                  <a:ea typeface="ＭＳ Ｐゴシック" pitchFamily="34" charset="-128"/>
-                  <a:cs typeface="+mn-cs"/>
-                </a:defRPr>
-              </a:lvl1pPr>
-              <a:lvl2pPr marL="457200" algn="l" rtl="0" fontAlgn="base">
-                <a:spcBef>
-                  <a:spcPct val="0"/>
-                </a:spcBef>
-                <a:spcAft>
-                  <a:spcPct val="0"/>
-                </a:spcAft>
-                <a:defRPr kern="1200">
-                  <a:solidFill>
-                    <a:schemeClr val="tx1"/>
-                  </a:solidFill>
-                  <a:latin typeface="Arial" pitchFamily="34" charset="0"/>
-                  <a:ea typeface="ＭＳ Ｐゴシック" pitchFamily="34" charset="-128"/>
-                  <a:cs typeface="+mn-cs"/>
-                </a:defRPr>
-              </a:lvl2pPr>
-              <a:lvl3pPr marL="914400" algn="l" rtl="0" fontAlgn="base">
-                <a:spcBef>
-                  <a:spcPct val="0"/>
-                </a:spcBef>
-                <a:spcAft>
-                  <a:spcPct val="0"/>
-                </a:spcAft>
-                <a:defRPr kern="1200">
-                  <a:solidFill>
-                    <a:schemeClr val="tx1"/>
-                  </a:solidFill>
-                  <a:latin typeface="Arial" pitchFamily="34" charset="0"/>
-                  <a:ea typeface="ＭＳ Ｐゴシック" pitchFamily="34" charset="-128"/>
-                  <a:cs typeface="+mn-cs"/>
-                </a:defRPr>
-              </a:lvl3pPr>
-              <a:lvl4pPr marL="1371600" algn="l" rtl="0" fontAlgn="base">
-                <a:spcBef>
-                  <a:spcPct val="0"/>
-                </a:spcBef>
-                <a:spcAft>
-                  <a:spcPct val="0"/>
-                </a:spcAft>
-                <a:defRPr kern="1200">
-                  <a:solidFill>
-                    <a:schemeClr val="tx1"/>
-                  </a:solidFill>
-                  <a:latin typeface="Arial" pitchFamily="34" charset="0"/>
-                  <a:ea typeface="ＭＳ Ｐゴシック" pitchFamily="34" charset="-128"/>
-                  <a:cs typeface="+mn-cs"/>
-                </a:defRPr>
-              </a:lvl4pPr>
-              <a:lvl5pPr marL="1828800" algn="l" rtl="0" fontAlgn="base">
-                <a:spcBef>
-                  <a:spcPct val="0"/>
-                </a:spcBef>
-                <a:spcAft>
-                  <a:spcPct val="0"/>
-                </a:spcAft>
-                <a:defRPr kern="1200">
-                  <a:solidFill>
-                    <a:schemeClr val="tx1"/>
-                  </a:solidFill>
-                  <a:latin typeface="Arial" pitchFamily="34" charset="0"/>
-                  <a:ea typeface="ＭＳ Ｐゴシック" pitchFamily="34" charset="-128"/>
-                  <a:cs typeface="+mn-cs"/>
-                </a:defRPr>
-              </a:lvl5pPr>
-              <a:lvl6pPr marL="2286000" algn="l" defTabSz="914400" rtl="0" eaLnBrk="1" latinLnBrk="0" hangingPunct="1">
-                <a:defRPr kern="1200">
-                  <a:solidFill>
-                    <a:schemeClr val="tx1"/>
-                  </a:solidFill>
-                  <a:latin typeface="Arial" pitchFamily="34" charset="0"/>
-                  <a:ea typeface="ＭＳ Ｐゴシック" pitchFamily="34" charset="-128"/>
-                  <a:cs typeface="+mn-cs"/>
-                </a:defRPr>
-              </a:lvl6pPr>
-              <a:lvl7pPr marL="2743200" algn="l" defTabSz="914400" rtl="0" eaLnBrk="1" latinLnBrk="0" hangingPunct="1">
-                <a:defRPr kern="1200">
-                  <a:solidFill>
-                    <a:schemeClr val="tx1"/>
-                  </a:solidFill>
-                  <a:latin typeface="Arial" pitchFamily="34" charset="0"/>
-                  <a:ea typeface="ＭＳ Ｐゴシック" pitchFamily="34" charset="-128"/>
-                  <a:cs typeface="+mn-cs"/>
-                </a:defRPr>
-              </a:lvl7pPr>
-              <a:lvl8pPr marL="3200400" algn="l" defTabSz="914400" rtl="0" eaLnBrk="1" latinLnBrk="0" hangingPunct="1">
-                <a:defRPr kern="1200">
-                  <a:solidFill>
-                    <a:schemeClr val="tx1"/>
-                  </a:solidFill>
-                  <a:latin typeface="Arial" pitchFamily="34" charset="0"/>
-                  <a:ea typeface="ＭＳ Ｐゴシック" pitchFamily="34" charset="-128"/>
-                  <a:cs typeface="+mn-cs"/>
-                </a:defRPr>
-              </a:lvl8pPr>
-              <a:lvl9pPr marL="3657600" algn="l" defTabSz="914400" rtl="0" eaLnBrk="1" latinLnBrk="0" hangingPunct="1">
-                <a:defRPr kern="1200">
-                  <a:solidFill>
-                    <a:schemeClr val="tx1"/>
-                  </a:solidFill>
-                  <a:latin typeface="Arial" pitchFamily="34" charset="0"/>
-                  <a:ea typeface="ＭＳ Ｐゴシック" pitchFamily="34" charset="-128"/>
-                  <a:cs typeface="+mn-cs"/>
-                </a:defRPr>
-              </a:lvl9pPr>
-            </a:lstStyle>
-            <a:p>
-              <a:pPr algn="ctr">
-                <a:spcBef>
-                  <a:spcPts val="0"/>
-                </a:spcBef>
-                <a:spcAft>
-                  <a:spcPts val="0"/>
-                </a:spcAft>
-                <a:defRPr/>
-              </a:pPr>
-              <a:r>
-                <a:rPr lang="en-US" sz="2000" dirty="0">
-                  <a:solidFill>
-                    <a:srgbClr val="000000"/>
-                  </a:solidFill>
-                  <a:latin typeface="Arial" pitchFamily="34"/>
-                  <a:ea typeface="Arial Unicode MS" pitchFamily="2"/>
-                  <a:cs typeface="Arial" pitchFamily="34"/>
-                </a:rPr>
-                <a:t>Instrumentation wrapper</a:t>
-              </a:r>
-            </a:p>
-          </p:txBody>
-        </p:sp>
-        <p:sp>
-          <p:nvSpPr>
             <p:cNvPr id="65" name="Rectangle 34"/>
             <p:cNvSpPr/>
             <p:nvPr/>
           </p:nvSpPr>
           <p:spPr bwMode="auto">
             <a:xfrm>
-              <a:off x="5423250" y="4990717"/>
-              <a:ext cx="1566000" cy="733090"/>
+              <a:off x="6097669" y="5122871"/>
+              <a:ext cx="1418603" cy="795125"/>
             </a:xfrm>
             <a:custGeom>
               <a:avLst/>
@@ -9314,8 +9099,8 @@
           </p:nvSpPr>
           <p:spPr>
             <a:xfrm>
-              <a:off x="3245168" y="827943"/>
-              <a:ext cx="1243891" cy="533400"/>
+              <a:off x="3132890" y="607840"/>
+              <a:ext cx="1349150" cy="578537"/>
             </a:xfrm>
             <a:custGeom>
               <a:avLst/>
@@ -9527,8 +9312,8 @@
           </p:nvGrpSpPr>
           <p:grpSpPr>
             <a:xfrm>
-              <a:off x="6062526" y="813954"/>
-              <a:ext cx="1243891" cy="576064"/>
+              <a:off x="6188655" y="592667"/>
+              <a:ext cx="1349150" cy="624811"/>
               <a:chOff x="9228783" y="2492896"/>
               <a:chExt cx="1440160" cy="576064"/>
             </a:xfrm>
@@ -9922,8 +9707,8 @@
           </p:nvSpPr>
           <p:spPr bwMode="auto">
             <a:xfrm rot="7134194">
-              <a:off x="3201336" y="1423252"/>
-              <a:ext cx="457200" cy="680814"/>
+              <a:off x="3085349" y="1253524"/>
+              <a:ext cx="495889" cy="738425"/>
             </a:xfrm>
             <a:custGeom>
               <a:avLst>
@@ -10161,8 +9946,8 @@
           </p:nvSpPr>
           <p:spPr>
             <a:xfrm>
-              <a:off x="6033400" y="1427311"/>
-              <a:ext cx="455612" cy="533400"/>
+              <a:off x="6157065" y="1257927"/>
+              <a:ext cx="494166" cy="578537"/>
             </a:xfrm>
             <a:custGeom>
               <a:avLst>
@@ -10400,8 +10185,8 @@
           </p:nvSpPr>
           <p:spPr bwMode="auto">
             <a:xfrm>
-              <a:off x="503218" y="3175912"/>
-              <a:ext cx="2149129" cy="407787"/>
+              <a:off x="158914" y="3154496"/>
+              <a:ext cx="2330990" cy="442294"/>
             </a:xfrm>
             <a:prstGeom prst="homePlate">
               <a:avLst/>
@@ -10636,6 +10421,764 @@
                 <a:ea typeface="Arial Unicode MS" pitchFamily="2"/>
                 <a:cs typeface="Tahoma" pitchFamily="2"/>
               </a:endParaRPr>
+            </a:p>
+          </p:txBody>
+        </p:sp>
+        <p:sp>
+          <p:nvSpPr>
+            <p:cNvPr id="58" name="Rectangle 32"/>
+            <p:cNvSpPr/>
+            <p:nvPr/>
+          </p:nvSpPr>
+          <p:spPr bwMode="auto">
+            <a:xfrm>
+              <a:off x="4651517" y="5122871"/>
+              <a:ext cx="1418603" cy="795125"/>
+            </a:xfrm>
+            <a:custGeom>
+              <a:avLst/>
+              <a:gdLst>
+                <a:gd name="f0" fmla="val 0"/>
+                <a:gd name="f1" fmla="val 21600"/>
+              </a:gdLst>
+              <a:ahLst/>
+              <a:cxnLst>
+                <a:cxn ang="3cd4">
+                  <a:pos x="hc" y="t"/>
+                </a:cxn>
+                <a:cxn ang="0">
+                  <a:pos x="r" y="vc"/>
+                </a:cxn>
+                <a:cxn ang="cd4">
+                  <a:pos x="hc" y="b"/>
+                </a:cxn>
+                <a:cxn ang="cd2">
+                  <a:pos x="l" y="vc"/>
+                </a:cxn>
+              </a:cxnLst>
+              <a:rect l="l" t="t" r="r" b="b"/>
+              <a:pathLst>
+                <a:path w="21600" h="21600">
+                  <a:moveTo>
+                    <a:pt x="f0" y="f0"/>
+                  </a:moveTo>
+                  <a:lnTo>
+                    <a:pt x="f1" y="f0"/>
+                  </a:lnTo>
+                  <a:lnTo>
+                    <a:pt x="f1" y="f1"/>
+                  </a:lnTo>
+                  <a:lnTo>
+                    <a:pt x="f0" y="f1"/>
+                  </a:lnTo>
+                  <a:lnTo>
+                    <a:pt x="f0" y="f0"/>
+                  </a:lnTo>
+                  <a:close/>
+                </a:path>
+              </a:pathLst>
+            </a:custGeom>
+            <a:solidFill>
+              <a:srgbClr val="008000"/>
+            </a:solidFill>
+            <a:ln w="9360">
+              <a:noFill/>
+              <a:prstDash val="solid"/>
+            </a:ln>
+          </p:spPr>
+          <p:txBody>
+            <a:bodyPr lIns="90000" tIns="45000" rIns="90000" bIns="45000" anchor="ctr" compatLnSpc="0"/>
+            <a:lstStyle>
+              <a:defPPr>
+                <a:defRPr lang="en-US"/>
+              </a:defPPr>
+              <a:lvl1pPr algn="l" rtl="0" fontAlgn="base">
+                <a:spcBef>
+                  <a:spcPct val="0"/>
+                </a:spcBef>
+                <a:spcAft>
+                  <a:spcPct val="0"/>
+                </a:spcAft>
+                <a:defRPr kern="1200">
+                  <a:solidFill>
+                    <a:schemeClr val="tx1"/>
+                  </a:solidFill>
+                  <a:latin typeface="Arial" pitchFamily="34" charset="0"/>
+                  <a:ea typeface="ＭＳ Ｐゴシック" pitchFamily="34" charset="-128"/>
+                  <a:cs typeface="+mn-cs"/>
+                </a:defRPr>
+              </a:lvl1pPr>
+              <a:lvl2pPr marL="457200" algn="l" rtl="0" fontAlgn="base">
+                <a:spcBef>
+                  <a:spcPct val="0"/>
+                </a:spcBef>
+                <a:spcAft>
+                  <a:spcPct val="0"/>
+                </a:spcAft>
+                <a:defRPr kern="1200">
+                  <a:solidFill>
+                    <a:schemeClr val="tx1"/>
+                  </a:solidFill>
+                  <a:latin typeface="Arial" pitchFamily="34" charset="0"/>
+                  <a:ea typeface="ＭＳ Ｐゴシック" pitchFamily="34" charset="-128"/>
+                  <a:cs typeface="+mn-cs"/>
+                </a:defRPr>
+              </a:lvl2pPr>
+              <a:lvl3pPr marL="914400" algn="l" rtl="0" fontAlgn="base">
+                <a:spcBef>
+                  <a:spcPct val="0"/>
+                </a:spcBef>
+                <a:spcAft>
+                  <a:spcPct val="0"/>
+                </a:spcAft>
+                <a:defRPr kern="1200">
+                  <a:solidFill>
+                    <a:schemeClr val="tx1"/>
+                  </a:solidFill>
+                  <a:latin typeface="Arial" pitchFamily="34" charset="0"/>
+                  <a:ea typeface="ＭＳ Ｐゴシック" pitchFamily="34" charset="-128"/>
+                  <a:cs typeface="+mn-cs"/>
+                </a:defRPr>
+              </a:lvl3pPr>
+              <a:lvl4pPr marL="1371600" algn="l" rtl="0" fontAlgn="base">
+                <a:spcBef>
+                  <a:spcPct val="0"/>
+                </a:spcBef>
+                <a:spcAft>
+                  <a:spcPct val="0"/>
+                </a:spcAft>
+                <a:defRPr kern="1200">
+                  <a:solidFill>
+                    <a:schemeClr val="tx1"/>
+                  </a:solidFill>
+                  <a:latin typeface="Arial" pitchFamily="34" charset="0"/>
+                  <a:ea typeface="ＭＳ Ｐゴシック" pitchFamily="34" charset="-128"/>
+                  <a:cs typeface="+mn-cs"/>
+                </a:defRPr>
+              </a:lvl4pPr>
+              <a:lvl5pPr marL="1828800" algn="l" rtl="0" fontAlgn="base">
+                <a:spcBef>
+                  <a:spcPct val="0"/>
+                </a:spcBef>
+                <a:spcAft>
+                  <a:spcPct val="0"/>
+                </a:spcAft>
+                <a:defRPr kern="1200">
+                  <a:solidFill>
+                    <a:schemeClr val="tx1"/>
+                  </a:solidFill>
+                  <a:latin typeface="Arial" pitchFamily="34" charset="0"/>
+                  <a:ea typeface="ＭＳ Ｐゴシック" pitchFamily="34" charset="-128"/>
+                  <a:cs typeface="+mn-cs"/>
+                </a:defRPr>
+              </a:lvl5pPr>
+              <a:lvl6pPr marL="2286000" algn="l" defTabSz="914400" rtl="0" eaLnBrk="1" latinLnBrk="0" hangingPunct="1">
+                <a:defRPr kern="1200">
+                  <a:solidFill>
+                    <a:schemeClr val="tx1"/>
+                  </a:solidFill>
+                  <a:latin typeface="Arial" pitchFamily="34" charset="0"/>
+                  <a:ea typeface="ＭＳ Ｐゴシック" pitchFamily="34" charset="-128"/>
+                  <a:cs typeface="+mn-cs"/>
+                </a:defRPr>
+              </a:lvl6pPr>
+              <a:lvl7pPr marL="2743200" algn="l" defTabSz="914400" rtl="0" eaLnBrk="1" latinLnBrk="0" hangingPunct="1">
+                <a:defRPr kern="1200">
+                  <a:solidFill>
+                    <a:schemeClr val="tx1"/>
+                  </a:solidFill>
+                  <a:latin typeface="Arial" pitchFamily="34" charset="0"/>
+                  <a:ea typeface="ＭＳ Ｐゴシック" pitchFamily="34" charset="-128"/>
+                  <a:cs typeface="+mn-cs"/>
+                </a:defRPr>
+              </a:lvl7pPr>
+              <a:lvl8pPr marL="3200400" algn="l" defTabSz="914400" rtl="0" eaLnBrk="1" latinLnBrk="0" hangingPunct="1">
+                <a:defRPr kern="1200">
+                  <a:solidFill>
+                    <a:schemeClr val="tx1"/>
+                  </a:solidFill>
+                  <a:latin typeface="Arial" pitchFamily="34" charset="0"/>
+                  <a:ea typeface="ＭＳ Ｐゴシック" pitchFamily="34" charset="-128"/>
+                  <a:cs typeface="+mn-cs"/>
+                </a:defRPr>
+              </a:lvl8pPr>
+              <a:lvl9pPr marL="3657600" algn="l" defTabSz="914400" rtl="0" eaLnBrk="1" latinLnBrk="0" hangingPunct="1">
+                <a:defRPr kern="1200">
+                  <a:solidFill>
+                    <a:schemeClr val="tx1"/>
+                  </a:solidFill>
+                  <a:latin typeface="Arial" pitchFamily="34" charset="0"/>
+                  <a:ea typeface="ＭＳ Ｐゴシック" pitchFamily="34" charset="-128"/>
+                  <a:cs typeface="+mn-cs"/>
+                </a:defRPr>
+              </a:lvl9pPr>
+            </a:lstStyle>
+            <a:p>
+              <a:pPr algn="ctr">
+                <a:spcBef>
+                  <a:spcPts val="0"/>
+                </a:spcBef>
+                <a:spcAft>
+                  <a:spcPts val="0"/>
+                </a:spcAft>
+                <a:defRPr/>
+              </a:pPr>
+              <a:r>
+                <a:rPr lang="en-US" sz="1200" dirty="0" smtClean="0">
+                  <a:solidFill>
+                    <a:srgbClr val="FFFFFF"/>
+                  </a:solidFill>
+                  <a:latin typeface="Arial" pitchFamily="34"/>
+                  <a:ea typeface="Arial Unicode MS" pitchFamily="2"/>
+                  <a:cs typeface="Tahoma" pitchFamily="2"/>
+                </a:rPr>
+                <a:t>I/O Activity Recording</a:t>
+              </a:r>
+              <a:r>
+                <a:rPr lang="en-US" sz="1200" dirty="0">
+                  <a:solidFill>
+                    <a:srgbClr val="FFFFFF"/>
+                  </a:solidFill>
+                  <a:latin typeface="Arial" pitchFamily="34"/>
+                  <a:ea typeface="Arial Unicode MS" pitchFamily="2"/>
+                  <a:cs typeface="Tahoma" pitchFamily="2"/>
+                </a:rPr>
+                <a:t/>
+              </a:r>
+              <a:br>
+                <a:rPr lang="en-US" sz="1200" dirty="0">
+                  <a:solidFill>
+                    <a:srgbClr val="FFFFFF"/>
+                  </a:solidFill>
+                  <a:latin typeface="Arial" pitchFamily="34"/>
+                  <a:ea typeface="Arial Unicode MS" pitchFamily="2"/>
+                  <a:cs typeface="Tahoma" pitchFamily="2"/>
+                </a:rPr>
+              </a:br>
+              <a:r>
+                <a:rPr lang="en-US" sz="1200" dirty="0" smtClean="0">
+                  <a:solidFill>
+                    <a:srgbClr val="FFFFFF"/>
+                  </a:solidFill>
+                  <a:latin typeface="Arial" pitchFamily="34"/>
+                  <a:ea typeface="Arial Unicode MS" pitchFamily="2"/>
+                  <a:cs typeface="Tahoma" pitchFamily="2"/>
+                </a:rPr>
+                <a:t>(</a:t>
+              </a:r>
+              <a:r>
+                <a:rPr lang="en-US" sz="1200" dirty="0" err="1" smtClean="0">
+                  <a:solidFill>
+                    <a:srgbClr val="FFFFFF"/>
+                  </a:solidFill>
+                  <a:latin typeface="Arial" pitchFamily="34"/>
+                  <a:ea typeface="Arial Unicode MS" pitchFamily="2"/>
+                  <a:cs typeface="Tahoma" pitchFamily="2"/>
+                </a:rPr>
+                <a:t>Posix</a:t>
+              </a:r>
+              <a:r>
+                <a:rPr lang="en-US" sz="1200" dirty="0" smtClean="0">
+                  <a:solidFill>
+                    <a:srgbClr val="FFFFFF"/>
+                  </a:solidFill>
+                  <a:latin typeface="Arial" pitchFamily="34"/>
+                  <a:ea typeface="Arial Unicode MS" pitchFamily="2"/>
+                  <a:cs typeface="Tahoma" pitchFamily="2"/>
+                </a:rPr>
+                <a:t> I/O, </a:t>
+              </a:r>
+              <a:br>
+                <a:rPr lang="en-US" sz="1200" dirty="0" smtClean="0">
+                  <a:solidFill>
+                    <a:srgbClr val="FFFFFF"/>
+                  </a:solidFill>
+                  <a:latin typeface="Arial" pitchFamily="34"/>
+                  <a:ea typeface="Arial Unicode MS" pitchFamily="2"/>
+                  <a:cs typeface="Tahoma" pitchFamily="2"/>
+                </a:rPr>
+              </a:br>
+              <a:r>
+                <a:rPr lang="en-US" sz="1200" dirty="0" smtClean="0">
+                  <a:solidFill>
+                    <a:srgbClr val="FFFFFF"/>
+                  </a:solidFill>
+                  <a:latin typeface="Arial" pitchFamily="34"/>
+                  <a:ea typeface="Arial Unicode MS" pitchFamily="2"/>
+                  <a:cs typeface="Tahoma" pitchFamily="2"/>
+                </a:rPr>
+                <a:t>MPI-IO)</a:t>
+              </a:r>
+              <a:endParaRPr lang="en-US" sz="1200" dirty="0">
+                <a:solidFill>
+                  <a:srgbClr val="FFFFFF"/>
+                </a:solidFill>
+                <a:latin typeface="Arial" pitchFamily="34"/>
+                <a:ea typeface="Arial Unicode MS" pitchFamily="2"/>
+                <a:cs typeface="Tahoma" pitchFamily="2"/>
+              </a:endParaRPr>
+            </a:p>
+          </p:txBody>
+        </p:sp>
+        <p:sp>
+          <p:nvSpPr>
+            <p:cNvPr id="73" name="Up Arrow 35"/>
+            <p:cNvSpPr/>
+            <p:nvPr/>
+          </p:nvSpPr>
+          <p:spPr bwMode="auto">
+            <a:xfrm>
+              <a:off x="824919" y="4041556"/>
+              <a:ext cx="386513" cy="1015266"/>
+            </a:xfrm>
+            <a:custGeom>
+              <a:avLst>
+                <a:gd name="f0" fmla="val 5400"/>
+                <a:gd name="f1" fmla="val 5400"/>
+              </a:avLst>
+              <a:gdLst>
+                <a:gd name="f2" fmla="val w"/>
+                <a:gd name="f3" fmla="val h"/>
+                <a:gd name="f4" fmla="val 0"/>
+                <a:gd name="f5" fmla="val 21600"/>
+                <a:gd name="f6" fmla="val 10800"/>
+                <a:gd name="f7" fmla="*/ f2 1 21600"/>
+                <a:gd name="f8" fmla="*/ f3 1 21600"/>
+                <a:gd name="f9" fmla="pin 0 f1 10800"/>
+                <a:gd name="f10" fmla="pin 0 f0 21600"/>
+                <a:gd name="f11" fmla="val f9"/>
+                <a:gd name="f12" fmla="val f10"/>
+                <a:gd name="f13" fmla="+- 21600 0 f9"/>
+                <a:gd name="f14" fmla="*/ f9 f7 1"/>
+                <a:gd name="f15" fmla="*/ f10 f8 1"/>
+                <a:gd name="f16" fmla="*/ 21600 f8 1"/>
+                <a:gd name="f17" fmla="*/ f12 f11 1"/>
+                <a:gd name="f18" fmla="*/ f11 f7 1"/>
+                <a:gd name="f19" fmla="*/ f13 f7 1"/>
+                <a:gd name="f20" fmla="*/ f17 1 10800"/>
+                <a:gd name="f21" fmla="+- f12 0 f20"/>
+                <a:gd name="f22" fmla="*/ f21 f8 1"/>
+              </a:gdLst>
+              <a:ahLst>
+                <a:ahXY gdRefX="f1" minX="f4" maxX="f6" gdRefY="f0" minY="f4" maxY="f5">
+                  <a:pos x="f14" y="f15"/>
+                </a:ahXY>
+              </a:ahLst>
+              <a:cxnLst>
+                <a:cxn ang="3cd4">
+                  <a:pos x="hc" y="t"/>
+                </a:cxn>
+                <a:cxn ang="0">
+                  <a:pos x="r" y="vc"/>
+                </a:cxn>
+                <a:cxn ang="cd4">
+                  <a:pos x="hc" y="b"/>
+                </a:cxn>
+                <a:cxn ang="cd2">
+                  <a:pos x="l" y="vc"/>
+                </a:cxn>
+              </a:cxnLst>
+              <a:rect l="f18" t="f22" r="f19" b="f16"/>
+              <a:pathLst>
+                <a:path w="21600" h="21600">
+                  <a:moveTo>
+                    <a:pt x="f11" y="f5"/>
+                  </a:moveTo>
+                  <a:lnTo>
+                    <a:pt x="f11" y="f12"/>
+                  </a:lnTo>
+                  <a:lnTo>
+                    <a:pt x="f4" y="f12"/>
+                  </a:lnTo>
+                  <a:lnTo>
+                    <a:pt x="f6" y="f4"/>
+                  </a:lnTo>
+                  <a:lnTo>
+                    <a:pt x="f5" y="f12"/>
+                  </a:lnTo>
+                  <a:lnTo>
+                    <a:pt x="f13" y="f12"/>
+                  </a:lnTo>
+                  <a:lnTo>
+                    <a:pt x="f13" y="f5"/>
+                  </a:lnTo>
+                  <a:close/>
+                </a:path>
+              </a:pathLst>
+            </a:custGeom>
+            <a:gradFill>
+              <a:gsLst>
+                <a:gs pos="0">
+                  <a:srgbClr val="5E437F"/>
+                </a:gs>
+                <a:gs pos="100000">
+                  <a:srgbClr val="7B57A7"/>
+                </a:gs>
+              </a:gsLst>
+              <a:lin ang="16200000"/>
+            </a:gradFill>
+            <a:ln w="9360">
+              <a:noFill/>
+              <a:prstDash val="solid"/>
+            </a:ln>
+          </p:spPr>
+          <p:txBody>
+            <a:bodyPr lIns="90000" tIns="45000" rIns="90000" bIns="45000" anchor="ctr" compatLnSpc="0"/>
+            <a:lstStyle>
+              <a:defPPr>
+                <a:defRPr lang="en-US"/>
+              </a:defPPr>
+              <a:lvl1pPr algn="l" rtl="0" fontAlgn="base">
+                <a:spcBef>
+                  <a:spcPct val="0"/>
+                </a:spcBef>
+                <a:spcAft>
+                  <a:spcPct val="0"/>
+                </a:spcAft>
+                <a:defRPr kern="1200">
+                  <a:solidFill>
+                    <a:schemeClr val="tx1"/>
+                  </a:solidFill>
+                  <a:latin typeface="Arial" pitchFamily="34" charset="0"/>
+                  <a:ea typeface="ＭＳ Ｐゴシック" pitchFamily="34" charset="-128"/>
+                  <a:cs typeface="+mn-cs"/>
+                </a:defRPr>
+              </a:lvl1pPr>
+              <a:lvl2pPr marL="457200" algn="l" rtl="0" fontAlgn="base">
+                <a:spcBef>
+                  <a:spcPct val="0"/>
+                </a:spcBef>
+                <a:spcAft>
+                  <a:spcPct val="0"/>
+                </a:spcAft>
+                <a:defRPr kern="1200">
+                  <a:solidFill>
+                    <a:schemeClr val="tx1"/>
+                  </a:solidFill>
+                  <a:latin typeface="Arial" pitchFamily="34" charset="0"/>
+                  <a:ea typeface="ＭＳ Ｐゴシック" pitchFamily="34" charset="-128"/>
+                  <a:cs typeface="+mn-cs"/>
+                </a:defRPr>
+              </a:lvl2pPr>
+              <a:lvl3pPr marL="914400" algn="l" rtl="0" fontAlgn="base">
+                <a:spcBef>
+                  <a:spcPct val="0"/>
+                </a:spcBef>
+                <a:spcAft>
+                  <a:spcPct val="0"/>
+                </a:spcAft>
+                <a:defRPr kern="1200">
+                  <a:solidFill>
+                    <a:schemeClr val="tx1"/>
+                  </a:solidFill>
+                  <a:latin typeface="Arial" pitchFamily="34" charset="0"/>
+                  <a:ea typeface="ＭＳ Ｐゴシック" pitchFamily="34" charset="-128"/>
+                  <a:cs typeface="+mn-cs"/>
+                </a:defRPr>
+              </a:lvl3pPr>
+              <a:lvl4pPr marL="1371600" algn="l" rtl="0" fontAlgn="base">
+                <a:spcBef>
+                  <a:spcPct val="0"/>
+                </a:spcBef>
+                <a:spcAft>
+                  <a:spcPct val="0"/>
+                </a:spcAft>
+                <a:defRPr kern="1200">
+                  <a:solidFill>
+                    <a:schemeClr val="tx1"/>
+                  </a:solidFill>
+                  <a:latin typeface="Arial" pitchFamily="34" charset="0"/>
+                  <a:ea typeface="ＭＳ Ｐゴシック" pitchFamily="34" charset="-128"/>
+                  <a:cs typeface="+mn-cs"/>
+                </a:defRPr>
+              </a:lvl4pPr>
+              <a:lvl5pPr marL="1828800" algn="l" rtl="0" fontAlgn="base">
+                <a:spcBef>
+                  <a:spcPct val="0"/>
+                </a:spcBef>
+                <a:spcAft>
+                  <a:spcPct val="0"/>
+                </a:spcAft>
+                <a:defRPr kern="1200">
+                  <a:solidFill>
+                    <a:schemeClr val="tx1"/>
+                  </a:solidFill>
+                  <a:latin typeface="Arial" pitchFamily="34" charset="0"/>
+                  <a:ea typeface="ＭＳ Ｐゴシック" pitchFamily="34" charset="-128"/>
+                  <a:cs typeface="+mn-cs"/>
+                </a:defRPr>
+              </a:lvl5pPr>
+              <a:lvl6pPr marL="2286000" algn="l" defTabSz="914400" rtl="0" eaLnBrk="1" latinLnBrk="0" hangingPunct="1">
+                <a:defRPr kern="1200">
+                  <a:solidFill>
+                    <a:schemeClr val="tx1"/>
+                  </a:solidFill>
+                  <a:latin typeface="Arial" pitchFamily="34" charset="0"/>
+                  <a:ea typeface="ＭＳ Ｐゴシック" pitchFamily="34" charset="-128"/>
+                  <a:cs typeface="+mn-cs"/>
+                </a:defRPr>
+              </a:lvl6pPr>
+              <a:lvl7pPr marL="2743200" algn="l" defTabSz="914400" rtl="0" eaLnBrk="1" latinLnBrk="0" hangingPunct="1">
+                <a:defRPr kern="1200">
+                  <a:solidFill>
+                    <a:schemeClr val="tx1"/>
+                  </a:solidFill>
+                  <a:latin typeface="Arial" pitchFamily="34" charset="0"/>
+                  <a:ea typeface="ＭＳ Ｐゴシック" pitchFamily="34" charset="-128"/>
+                  <a:cs typeface="+mn-cs"/>
+                </a:defRPr>
+              </a:lvl7pPr>
+              <a:lvl8pPr marL="3200400" algn="l" defTabSz="914400" rtl="0" eaLnBrk="1" latinLnBrk="0" hangingPunct="1">
+                <a:defRPr kern="1200">
+                  <a:solidFill>
+                    <a:schemeClr val="tx1"/>
+                  </a:solidFill>
+                  <a:latin typeface="Arial" pitchFamily="34" charset="0"/>
+                  <a:ea typeface="ＭＳ Ｐゴシック" pitchFamily="34" charset="-128"/>
+                  <a:cs typeface="+mn-cs"/>
+                </a:defRPr>
+              </a:lvl8pPr>
+              <a:lvl9pPr marL="3657600" algn="l" defTabSz="914400" rtl="0" eaLnBrk="1" latinLnBrk="0" hangingPunct="1">
+                <a:defRPr kern="1200">
+                  <a:solidFill>
+                    <a:schemeClr val="tx1"/>
+                  </a:solidFill>
+                  <a:latin typeface="Arial" pitchFamily="34" charset="0"/>
+                  <a:ea typeface="ＭＳ Ｐゴシック" pitchFamily="34" charset="-128"/>
+                  <a:cs typeface="+mn-cs"/>
+                </a:defRPr>
+              </a:lvl9pPr>
+            </a:lstStyle>
+            <a:p>
+              <a:pPr hangingPunct="0">
+                <a:spcBef>
+                  <a:spcPts val="0"/>
+                </a:spcBef>
+                <a:spcAft>
+                  <a:spcPts val="0"/>
+                </a:spcAft>
+                <a:defRPr/>
+              </a:pPr>
+              <a:endParaRPr lang="en-US" sz="1200">
+                <a:latin typeface="Arial" pitchFamily="18"/>
+                <a:ea typeface="Arial Unicode MS" pitchFamily="2"/>
+                <a:cs typeface="Tahoma" pitchFamily="2"/>
+              </a:endParaRPr>
+            </a:p>
+          </p:txBody>
+        </p:sp>
+        <p:sp>
+          <p:nvSpPr>
+            <p:cNvPr id="64" name="Rectangle 4"/>
+            <p:cNvSpPr/>
+            <p:nvPr/>
+          </p:nvSpPr>
+          <p:spPr>
+            <a:xfrm>
+              <a:off x="313061" y="4389093"/>
+              <a:ext cx="7203211" cy="454403"/>
+            </a:xfrm>
+            <a:custGeom>
+              <a:avLst/>
+              <a:gdLst>
+                <a:gd name="f0" fmla="val 0"/>
+                <a:gd name="f1" fmla="val 21600"/>
+              </a:gdLst>
+              <a:ahLst/>
+              <a:cxnLst>
+                <a:cxn ang="3cd4">
+                  <a:pos x="hc" y="t"/>
+                </a:cxn>
+                <a:cxn ang="0">
+                  <a:pos x="r" y="vc"/>
+                </a:cxn>
+                <a:cxn ang="cd4">
+                  <a:pos x="hc" y="b"/>
+                </a:cxn>
+                <a:cxn ang="cd2">
+                  <a:pos x="l" y="vc"/>
+                </a:cxn>
+              </a:cxnLst>
+              <a:rect l="l" t="t" r="r" b="b"/>
+              <a:pathLst>
+                <a:path w="21600" h="21600">
+                  <a:moveTo>
+                    <a:pt x="f0" y="f0"/>
+                  </a:moveTo>
+                  <a:lnTo>
+                    <a:pt x="f1" y="f0"/>
+                  </a:lnTo>
+                  <a:lnTo>
+                    <a:pt x="f1" y="f1"/>
+                  </a:lnTo>
+                  <a:lnTo>
+                    <a:pt x="f0" y="f1"/>
+                  </a:lnTo>
+                  <a:lnTo>
+                    <a:pt x="f0" y="f0"/>
+                  </a:lnTo>
+                  <a:close/>
+                </a:path>
+              </a:pathLst>
+            </a:custGeom>
+            <a:solidFill>
+              <a:srgbClr val="8EB4E3">
+                <a:alpha val="75000"/>
+              </a:srgbClr>
+            </a:solidFill>
+            <a:ln w="0">
+              <a:noFill/>
+              <a:prstDash val="solid"/>
+            </a:ln>
+          </p:spPr>
+          <p:txBody>
+            <a:bodyPr lIns="90000" tIns="45000" rIns="90000" bIns="45000" anchor="ctr" anchorCtr="1" compatLnSpc="0"/>
+            <a:lstStyle>
+              <a:defPPr>
+                <a:defRPr lang="en-US"/>
+              </a:defPPr>
+              <a:lvl1pPr algn="l" rtl="0" fontAlgn="base">
+                <a:spcBef>
+                  <a:spcPct val="0"/>
+                </a:spcBef>
+                <a:spcAft>
+                  <a:spcPct val="0"/>
+                </a:spcAft>
+                <a:defRPr kern="1200">
+                  <a:solidFill>
+                    <a:schemeClr val="tx1"/>
+                  </a:solidFill>
+                  <a:latin typeface="Arial" pitchFamily="34" charset="0"/>
+                  <a:ea typeface="ＭＳ Ｐゴシック" pitchFamily="34" charset="-128"/>
+                  <a:cs typeface="+mn-cs"/>
+                </a:defRPr>
+              </a:lvl1pPr>
+              <a:lvl2pPr marL="457200" algn="l" rtl="0" fontAlgn="base">
+                <a:spcBef>
+                  <a:spcPct val="0"/>
+                </a:spcBef>
+                <a:spcAft>
+                  <a:spcPct val="0"/>
+                </a:spcAft>
+                <a:defRPr kern="1200">
+                  <a:solidFill>
+                    <a:schemeClr val="tx1"/>
+                  </a:solidFill>
+                  <a:latin typeface="Arial" pitchFamily="34" charset="0"/>
+                  <a:ea typeface="ＭＳ Ｐゴシック" pitchFamily="34" charset="-128"/>
+                  <a:cs typeface="+mn-cs"/>
+                </a:defRPr>
+              </a:lvl2pPr>
+              <a:lvl3pPr marL="914400" algn="l" rtl="0" fontAlgn="base">
+                <a:spcBef>
+                  <a:spcPct val="0"/>
+                </a:spcBef>
+                <a:spcAft>
+                  <a:spcPct val="0"/>
+                </a:spcAft>
+                <a:defRPr kern="1200">
+                  <a:solidFill>
+                    <a:schemeClr val="tx1"/>
+                  </a:solidFill>
+                  <a:latin typeface="Arial" pitchFamily="34" charset="0"/>
+                  <a:ea typeface="ＭＳ Ｐゴシック" pitchFamily="34" charset="-128"/>
+                  <a:cs typeface="+mn-cs"/>
+                </a:defRPr>
+              </a:lvl3pPr>
+              <a:lvl4pPr marL="1371600" algn="l" rtl="0" fontAlgn="base">
+                <a:spcBef>
+                  <a:spcPct val="0"/>
+                </a:spcBef>
+                <a:spcAft>
+                  <a:spcPct val="0"/>
+                </a:spcAft>
+                <a:defRPr kern="1200">
+                  <a:solidFill>
+                    <a:schemeClr val="tx1"/>
+                  </a:solidFill>
+                  <a:latin typeface="Arial" pitchFamily="34" charset="0"/>
+                  <a:ea typeface="ＭＳ Ｐゴシック" pitchFamily="34" charset="-128"/>
+                  <a:cs typeface="+mn-cs"/>
+                </a:defRPr>
+              </a:lvl4pPr>
+              <a:lvl5pPr marL="1828800" algn="l" rtl="0" fontAlgn="base">
+                <a:spcBef>
+                  <a:spcPct val="0"/>
+                </a:spcBef>
+                <a:spcAft>
+                  <a:spcPct val="0"/>
+                </a:spcAft>
+                <a:defRPr kern="1200">
+                  <a:solidFill>
+                    <a:schemeClr val="tx1"/>
+                  </a:solidFill>
+                  <a:latin typeface="Arial" pitchFamily="34" charset="0"/>
+                  <a:ea typeface="ＭＳ Ｐゴシック" pitchFamily="34" charset="-128"/>
+                  <a:cs typeface="+mn-cs"/>
+                </a:defRPr>
+              </a:lvl5pPr>
+              <a:lvl6pPr marL="2286000" algn="l" defTabSz="914400" rtl="0" eaLnBrk="1" latinLnBrk="0" hangingPunct="1">
+                <a:defRPr kern="1200">
+                  <a:solidFill>
+                    <a:schemeClr val="tx1"/>
+                  </a:solidFill>
+                  <a:latin typeface="Arial" pitchFamily="34" charset="0"/>
+                  <a:ea typeface="ＭＳ Ｐゴシック" pitchFamily="34" charset="-128"/>
+                  <a:cs typeface="+mn-cs"/>
+                </a:defRPr>
+              </a:lvl6pPr>
+              <a:lvl7pPr marL="2743200" algn="l" defTabSz="914400" rtl="0" eaLnBrk="1" latinLnBrk="0" hangingPunct="1">
+                <a:defRPr kern="1200">
+                  <a:solidFill>
+                    <a:schemeClr val="tx1"/>
+                  </a:solidFill>
+                  <a:latin typeface="Arial" pitchFamily="34" charset="0"/>
+                  <a:ea typeface="ＭＳ Ｐゴシック" pitchFamily="34" charset="-128"/>
+                  <a:cs typeface="+mn-cs"/>
+                </a:defRPr>
+              </a:lvl7pPr>
+              <a:lvl8pPr marL="3200400" algn="l" defTabSz="914400" rtl="0" eaLnBrk="1" latinLnBrk="0" hangingPunct="1">
+                <a:defRPr kern="1200">
+                  <a:solidFill>
+                    <a:schemeClr val="tx1"/>
+                  </a:solidFill>
+                  <a:latin typeface="Arial" pitchFamily="34" charset="0"/>
+                  <a:ea typeface="ＭＳ Ｐゴシック" pitchFamily="34" charset="-128"/>
+                  <a:cs typeface="+mn-cs"/>
+                </a:defRPr>
+              </a:lvl8pPr>
+              <a:lvl9pPr marL="3657600" algn="l" defTabSz="914400" rtl="0" eaLnBrk="1" latinLnBrk="0" hangingPunct="1">
+                <a:defRPr kern="1200">
+                  <a:solidFill>
+                    <a:schemeClr val="tx1"/>
+                  </a:solidFill>
+                  <a:latin typeface="Arial" pitchFamily="34" charset="0"/>
+                  <a:ea typeface="ＭＳ Ｐゴシック" pitchFamily="34" charset="-128"/>
+                  <a:cs typeface="+mn-cs"/>
+                </a:defRPr>
+              </a:lvl9pPr>
+            </a:lstStyle>
+            <a:p>
+              <a:pPr algn="ctr">
+                <a:spcBef>
+                  <a:spcPts val="0"/>
+                </a:spcBef>
+                <a:spcAft>
+                  <a:spcPts val="0"/>
+                </a:spcAft>
+                <a:defRPr/>
+              </a:pPr>
+              <a:r>
+                <a:rPr lang="en-US" sz="2000" dirty="0">
+                  <a:solidFill>
+                    <a:srgbClr val="000000"/>
+                  </a:solidFill>
+                  <a:latin typeface="Arial" pitchFamily="34"/>
+                  <a:ea typeface="Arial Unicode MS" pitchFamily="2"/>
+                  <a:cs typeface="Arial" pitchFamily="34"/>
+                </a:rPr>
+                <a:t>Instrumentation wrapper</a:t>
+              </a:r>
             </a:p>
           </p:txBody>
         </p:sp>

--- a/doc/images/score-p-overview.pptx
+++ b/doc/images/score-p-overview.pptx
@@ -1,19 +1,114 @@
 
 <file path=ppt/presentation.xml><?xml version="1.0" encoding="utf-8"?>
-<p:presentation xmlns:a="http://schemas.openxmlformats.org/drawingml/2006/main" xmlns:p="http://schemas.openxmlformats.org/presentationml/2006/main" xmlns:r="http://schemas.openxmlformats.org/officeDocument/2006/relationships" xmlns:p14="http://schemas.microsoft.com/office/powerpoint/2010/main" xmlns:p15="http://schemas.microsoft.com/office/powerpoint/2012/main" xmlns:mc="http://schemas.openxmlformats.org/markup-compatibility/2006">
+<p:presentation xmlns:a="http://schemas.openxmlformats.org/drawingml/2006/main" xmlns:r="http://schemas.openxmlformats.org/officeDocument/2006/relationships" xmlns:p="http://schemas.openxmlformats.org/presentationml/2006/main">
   <p:sldMasterIdLst>
-    <p:sldMasterId id="2147483648" r:id="rId2"/>
+    <p:sldMasterId id="2147483648" r:id="rId1"/>
   </p:sldMasterIdLst>
   <p:sldIdLst>
-    <p:sldId id="256" r:id="rId3"/>
+    <p:sldId id="256" r:id="rId2"/>
   </p:sldIdLst>
-  <p:sldSz cx="9144000" cy="6858000"/>
-  <p:notesSz cx="7559675" cy="10691812"/>
+  <p:sldSz cx="9144000" cy="6858000" type="screen4x3"/>
+  <p:notesSz cx="7559675" cy="10691813"/>
+  <p:defaultTextStyle>
+    <a:defPPr>
+      <a:defRPr lang="de-DE"/>
+    </a:defPPr>
+    <a:lvl1pPr marL="0" algn="l" defTabSz="914400" rtl="0" eaLnBrk="1" latinLnBrk="0" hangingPunct="1">
+      <a:defRPr sz="1800" kern="1200">
+        <a:solidFill>
+          <a:schemeClr val="tx1"/>
+        </a:solidFill>
+        <a:latin typeface="+mn-lt"/>
+        <a:ea typeface="+mn-ea"/>
+        <a:cs typeface="+mn-cs"/>
+      </a:defRPr>
+    </a:lvl1pPr>
+    <a:lvl2pPr marL="457200" algn="l" defTabSz="914400" rtl="0" eaLnBrk="1" latinLnBrk="0" hangingPunct="1">
+      <a:defRPr sz="1800" kern="1200">
+        <a:solidFill>
+          <a:schemeClr val="tx1"/>
+        </a:solidFill>
+        <a:latin typeface="+mn-lt"/>
+        <a:ea typeface="+mn-ea"/>
+        <a:cs typeface="+mn-cs"/>
+      </a:defRPr>
+    </a:lvl2pPr>
+    <a:lvl3pPr marL="914400" algn="l" defTabSz="914400" rtl="0" eaLnBrk="1" latinLnBrk="0" hangingPunct="1">
+      <a:defRPr sz="1800" kern="1200">
+        <a:solidFill>
+          <a:schemeClr val="tx1"/>
+        </a:solidFill>
+        <a:latin typeface="+mn-lt"/>
+        <a:ea typeface="+mn-ea"/>
+        <a:cs typeface="+mn-cs"/>
+      </a:defRPr>
+    </a:lvl3pPr>
+    <a:lvl4pPr marL="1371600" algn="l" defTabSz="914400" rtl="0" eaLnBrk="1" latinLnBrk="0" hangingPunct="1">
+      <a:defRPr sz="1800" kern="1200">
+        <a:solidFill>
+          <a:schemeClr val="tx1"/>
+        </a:solidFill>
+        <a:latin typeface="+mn-lt"/>
+        <a:ea typeface="+mn-ea"/>
+        <a:cs typeface="+mn-cs"/>
+      </a:defRPr>
+    </a:lvl4pPr>
+    <a:lvl5pPr marL="1828800" algn="l" defTabSz="914400" rtl="0" eaLnBrk="1" latinLnBrk="0" hangingPunct="1">
+      <a:defRPr sz="1800" kern="1200">
+        <a:solidFill>
+          <a:schemeClr val="tx1"/>
+        </a:solidFill>
+        <a:latin typeface="+mn-lt"/>
+        <a:ea typeface="+mn-ea"/>
+        <a:cs typeface="+mn-cs"/>
+      </a:defRPr>
+    </a:lvl5pPr>
+    <a:lvl6pPr marL="2286000" algn="l" defTabSz="914400" rtl="0" eaLnBrk="1" latinLnBrk="0" hangingPunct="1">
+      <a:defRPr sz="1800" kern="1200">
+        <a:solidFill>
+          <a:schemeClr val="tx1"/>
+        </a:solidFill>
+        <a:latin typeface="+mn-lt"/>
+        <a:ea typeface="+mn-ea"/>
+        <a:cs typeface="+mn-cs"/>
+      </a:defRPr>
+    </a:lvl6pPr>
+    <a:lvl7pPr marL="2743200" algn="l" defTabSz="914400" rtl="0" eaLnBrk="1" latinLnBrk="0" hangingPunct="1">
+      <a:defRPr sz="1800" kern="1200">
+        <a:solidFill>
+          <a:schemeClr val="tx1"/>
+        </a:solidFill>
+        <a:latin typeface="+mn-lt"/>
+        <a:ea typeface="+mn-ea"/>
+        <a:cs typeface="+mn-cs"/>
+      </a:defRPr>
+    </a:lvl7pPr>
+    <a:lvl8pPr marL="3200400" algn="l" defTabSz="914400" rtl="0" eaLnBrk="1" latinLnBrk="0" hangingPunct="1">
+      <a:defRPr sz="1800" kern="1200">
+        <a:solidFill>
+          <a:schemeClr val="tx1"/>
+        </a:solidFill>
+        <a:latin typeface="+mn-lt"/>
+        <a:ea typeface="+mn-ea"/>
+        <a:cs typeface="+mn-cs"/>
+      </a:defRPr>
+    </a:lvl8pPr>
+    <a:lvl9pPr marL="3657600" algn="l" defTabSz="914400" rtl="0" eaLnBrk="1" latinLnBrk="0" hangingPunct="1">
+      <a:defRPr sz="1800" kern="1200">
+        <a:solidFill>
+          <a:schemeClr val="tx1"/>
+        </a:solidFill>
+        <a:latin typeface="+mn-lt"/>
+        <a:ea typeface="+mn-ea"/>
+        <a:cs typeface="+mn-cs"/>
+      </a:defRPr>
+    </a:lvl9pPr>
+  </p:defaultTextStyle>
 </p:presentation>
 </file>
 
 <file path=ppt/slideLayouts/slideLayout1.xml><?xml version="1.0" encoding="utf-8"?>
-<p:sldLayout xmlns:a="http://schemas.openxmlformats.org/drawingml/2006/main" xmlns:p="http://schemas.openxmlformats.org/presentationml/2006/main" xmlns:r="http://schemas.openxmlformats.org/officeDocument/2006/relationships" xmlns:p14="http://schemas.microsoft.com/office/powerpoint/2010/main" xmlns:p15="http://schemas.microsoft.com/office/powerpoint/2012/main" xmlns:mc="http://schemas.openxmlformats.org/markup-compatibility/2006" type="blank" preserve="1">
+<p:sldLayout xmlns:a="http://schemas.openxmlformats.org/drawingml/2006/main" xmlns:r="http://schemas.openxmlformats.org/officeDocument/2006/relationships" xmlns:p="http://schemas.openxmlformats.org/presentationml/2006/main" type="blank" preserve="1">
   <p:cSld name="Blank Slide">
     <p:spTree>
       <p:nvGrpSpPr>
@@ -31,11 +126,14 @@
       </p:grpSpPr>
     </p:spTree>
   </p:cSld>
+  <p:clrMapOvr>
+    <a:masterClrMapping/>
+  </p:clrMapOvr>
 </p:sldLayout>
 </file>
 
 <file path=ppt/slideLayouts/slideLayout10.xml><?xml version="1.0" encoding="utf-8"?>
-<p:sldLayout xmlns:a="http://schemas.openxmlformats.org/drawingml/2006/main" xmlns:p="http://schemas.openxmlformats.org/presentationml/2006/main" xmlns:r="http://schemas.openxmlformats.org/officeDocument/2006/relationships" xmlns:p14="http://schemas.microsoft.com/office/powerpoint/2010/main" xmlns:p15="http://schemas.microsoft.com/office/powerpoint/2012/main" xmlns:mc="http://schemas.openxmlformats.org/markup-compatibility/2006" type="objOverTx" preserve="1">
+<p:sldLayout xmlns:a="http://schemas.openxmlformats.org/drawingml/2006/main" xmlns:r="http://schemas.openxmlformats.org/officeDocument/2006/relationships" xmlns:p="http://schemas.openxmlformats.org/presentationml/2006/main" type="objOverTx" preserve="1">
   <p:cSld name="Title, Content over Content">
     <p:spTree>
       <p:nvGrpSpPr>
@@ -71,12 +169,13 @@
           </a:prstGeom>
         </p:spPr>
         <p:txBody>
-          <a:bodyPr lIns="0" rIns="0" tIns="0" bIns="0" anchor="ctr">
+          <a:bodyPr lIns="0" tIns="0" rIns="0" bIns="0" anchor="ctr">
             <a:noAutofit/>
           </a:bodyPr>
+          <a:lstStyle/>
           <a:p>
             <a:pPr algn="ctr"/>
-            <a:endParaRPr b="0" lang="en-US" sz="4400" spc="-1" strike="noStrike">
+            <a:endParaRPr lang="en-US" sz="4400" b="0" strike="noStrike" spc="-1">
               <a:latin typeface="Arial"/>
             </a:endParaRPr>
           </a:p>
@@ -102,11 +201,12 @@
           </a:prstGeom>
         </p:spPr>
         <p:txBody>
-          <a:bodyPr lIns="0" rIns="0" tIns="0" bIns="0">
+          <a:bodyPr lIns="0" tIns="0" rIns="0" bIns="0">
             <a:normAutofit/>
           </a:bodyPr>
-          <a:p>
-            <a:endParaRPr b="0" lang="en-US" sz="3200" spc="-1" strike="noStrike">
+          <a:lstStyle/>
+          <a:p>
+            <a:endParaRPr lang="en-US" sz="3200" b="0" strike="noStrike" spc="-1">
               <a:latin typeface="Arial"/>
             </a:endParaRPr>
           </a:p>
@@ -132,11 +232,12 @@
           </a:prstGeom>
         </p:spPr>
         <p:txBody>
-          <a:bodyPr lIns="0" rIns="0" tIns="0" bIns="0">
+          <a:bodyPr lIns="0" tIns="0" rIns="0" bIns="0">
             <a:normAutofit/>
           </a:bodyPr>
-          <a:p>
-            <a:endParaRPr b="0" lang="en-US" sz="3200" spc="-1" strike="noStrike">
+          <a:lstStyle/>
+          <a:p>
+            <a:endParaRPr lang="en-US" sz="3200" b="0" strike="noStrike" spc="-1">
               <a:latin typeface="Arial"/>
             </a:endParaRPr>
           </a:p>
@@ -144,11 +245,14 @@
       </p:sp>
     </p:spTree>
   </p:cSld>
+  <p:clrMapOvr>
+    <a:masterClrMapping/>
+  </p:clrMapOvr>
 </p:sldLayout>
 </file>
 
 <file path=ppt/slideLayouts/slideLayout11.xml><?xml version="1.0" encoding="utf-8"?>
-<p:sldLayout xmlns:a="http://schemas.openxmlformats.org/drawingml/2006/main" xmlns:p="http://schemas.openxmlformats.org/presentationml/2006/main" xmlns:r="http://schemas.openxmlformats.org/officeDocument/2006/relationships" xmlns:p14="http://schemas.microsoft.com/office/powerpoint/2010/main" xmlns:p15="http://schemas.microsoft.com/office/powerpoint/2012/main" xmlns:mc="http://schemas.openxmlformats.org/markup-compatibility/2006" type="fourObj" preserve="1">
+<p:sldLayout xmlns:a="http://schemas.openxmlformats.org/drawingml/2006/main" xmlns:r="http://schemas.openxmlformats.org/officeDocument/2006/relationships" xmlns:p="http://schemas.openxmlformats.org/presentationml/2006/main" type="fourObj" preserve="1">
   <p:cSld name="Title, 4 Content">
     <p:spTree>
       <p:nvGrpSpPr>
@@ -184,12 +288,13 @@
           </a:prstGeom>
         </p:spPr>
         <p:txBody>
-          <a:bodyPr lIns="0" rIns="0" tIns="0" bIns="0" anchor="ctr">
+          <a:bodyPr lIns="0" tIns="0" rIns="0" bIns="0" anchor="ctr">
             <a:noAutofit/>
           </a:bodyPr>
+          <a:lstStyle/>
           <a:p>
             <a:pPr algn="ctr"/>
-            <a:endParaRPr b="0" lang="en-US" sz="4400" spc="-1" strike="noStrike">
+            <a:endParaRPr lang="en-US" sz="4400" b="0" strike="noStrike" spc="-1">
               <a:latin typeface="Arial"/>
             </a:endParaRPr>
           </a:p>
@@ -215,11 +320,12 @@
           </a:prstGeom>
         </p:spPr>
         <p:txBody>
-          <a:bodyPr lIns="0" rIns="0" tIns="0" bIns="0">
+          <a:bodyPr lIns="0" tIns="0" rIns="0" bIns="0">
             <a:normAutofit/>
           </a:bodyPr>
-          <a:p>
-            <a:endParaRPr b="0" lang="en-US" sz="3200" spc="-1" strike="noStrike">
+          <a:lstStyle/>
+          <a:p>
+            <a:endParaRPr lang="en-US" sz="3200" b="0" strike="noStrike" spc="-1">
               <a:latin typeface="Arial"/>
             </a:endParaRPr>
           </a:p>
@@ -245,11 +351,12 @@
           </a:prstGeom>
         </p:spPr>
         <p:txBody>
-          <a:bodyPr lIns="0" rIns="0" tIns="0" bIns="0">
+          <a:bodyPr lIns="0" tIns="0" rIns="0" bIns="0">
             <a:normAutofit/>
           </a:bodyPr>
-          <a:p>
-            <a:endParaRPr b="0" lang="en-US" sz="3200" spc="-1" strike="noStrike">
+          <a:lstStyle/>
+          <a:p>
+            <a:endParaRPr lang="en-US" sz="3200" b="0" strike="noStrike" spc="-1">
               <a:latin typeface="Arial"/>
             </a:endParaRPr>
           </a:p>
@@ -275,11 +382,12 @@
           </a:prstGeom>
         </p:spPr>
         <p:txBody>
-          <a:bodyPr lIns="0" rIns="0" tIns="0" bIns="0">
+          <a:bodyPr lIns="0" tIns="0" rIns="0" bIns="0">
             <a:normAutofit/>
           </a:bodyPr>
-          <a:p>
-            <a:endParaRPr b="0" lang="en-US" sz="3200" spc="-1" strike="noStrike">
+          <a:lstStyle/>
+          <a:p>
+            <a:endParaRPr lang="en-US" sz="3200" b="0" strike="noStrike" spc="-1">
               <a:latin typeface="Arial"/>
             </a:endParaRPr>
           </a:p>
@@ -305,11 +413,12 @@
           </a:prstGeom>
         </p:spPr>
         <p:txBody>
-          <a:bodyPr lIns="0" rIns="0" tIns="0" bIns="0">
+          <a:bodyPr lIns="0" tIns="0" rIns="0" bIns="0">
             <a:normAutofit/>
           </a:bodyPr>
-          <a:p>
-            <a:endParaRPr b="0" lang="en-US" sz="3200" spc="-1" strike="noStrike">
+          <a:lstStyle/>
+          <a:p>
+            <a:endParaRPr lang="en-US" sz="3200" b="0" strike="noStrike" spc="-1">
               <a:latin typeface="Arial"/>
             </a:endParaRPr>
           </a:p>
@@ -317,11 +426,14 @@
       </p:sp>
     </p:spTree>
   </p:cSld>
+  <p:clrMapOvr>
+    <a:masterClrMapping/>
+  </p:clrMapOvr>
 </p:sldLayout>
 </file>
 
 <file path=ppt/slideLayouts/slideLayout12.xml><?xml version="1.0" encoding="utf-8"?>
-<p:sldLayout xmlns:a="http://schemas.openxmlformats.org/drawingml/2006/main" xmlns:p="http://schemas.openxmlformats.org/presentationml/2006/main" xmlns:r="http://schemas.openxmlformats.org/officeDocument/2006/relationships" xmlns:p14="http://schemas.microsoft.com/office/powerpoint/2010/main" xmlns:p15="http://schemas.microsoft.com/office/powerpoint/2012/main" xmlns:mc="http://schemas.openxmlformats.org/markup-compatibility/2006" type="blank" preserve="1">
+<p:sldLayout xmlns:a="http://schemas.openxmlformats.org/drawingml/2006/main" xmlns:r="http://schemas.openxmlformats.org/officeDocument/2006/relationships" xmlns:p="http://schemas.openxmlformats.org/presentationml/2006/main" type="blank" preserve="1">
   <p:cSld name="Title, 6 Content">
     <p:spTree>
       <p:nvGrpSpPr>
@@ -357,12 +469,13 @@
           </a:prstGeom>
         </p:spPr>
         <p:txBody>
-          <a:bodyPr lIns="0" rIns="0" tIns="0" bIns="0" anchor="ctr">
+          <a:bodyPr lIns="0" tIns="0" rIns="0" bIns="0" anchor="ctr">
             <a:noAutofit/>
           </a:bodyPr>
+          <a:lstStyle/>
           <a:p>
             <a:pPr algn="ctr"/>
-            <a:endParaRPr b="0" lang="en-US" sz="4400" spc="-1" strike="noStrike">
+            <a:endParaRPr lang="en-US" sz="4400" b="0" strike="noStrike" spc="-1">
               <a:latin typeface="Arial"/>
             </a:endParaRPr>
           </a:p>
@@ -388,11 +501,12 @@
           </a:prstGeom>
         </p:spPr>
         <p:txBody>
-          <a:bodyPr lIns="0" rIns="0" tIns="0" bIns="0">
+          <a:bodyPr lIns="0" tIns="0" rIns="0" bIns="0">
             <a:normAutofit/>
           </a:bodyPr>
-          <a:p>
-            <a:endParaRPr b="0" lang="en-US" sz="3200" spc="-1" strike="noStrike">
+          <a:lstStyle/>
+          <a:p>
+            <a:endParaRPr lang="en-US" sz="3200" b="0" strike="noStrike" spc="-1">
               <a:latin typeface="Arial"/>
             </a:endParaRPr>
           </a:p>
@@ -418,11 +532,12 @@
           </a:prstGeom>
         </p:spPr>
         <p:txBody>
-          <a:bodyPr lIns="0" rIns="0" tIns="0" bIns="0">
+          <a:bodyPr lIns="0" tIns="0" rIns="0" bIns="0">
             <a:normAutofit/>
           </a:bodyPr>
-          <a:p>
-            <a:endParaRPr b="0" lang="en-US" sz="3200" spc="-1" strike="noStrike">
+          <a:lstStyle/>
+          <a:p>
+            <a:endParaRPr lang="en-US" sz="3200" b="0" strike="noStrike" spc="-1">
               <a:latin typeface="Arial"/>
             </a:endParaRPr>
           </a:p>
@@ -448,11 +563,12 @@
           </a:prstGeom>
         </p:spPr>
         <p:txBody>
-          <a:bodyPr lIns="0" rIns="0" tIns="0" bIns="0">
+          <a:bodyPr lIns="0" tIns="0" rIns="0" bIns="0">
             <a:normAutofit/>
           </a:bodyPr>
-          <a:p>
-            <a:endParaRPr b="0" lang="en-US" sz="3200" spc="-1" strike="noStrike">
+          <a:lstStyle/>
+          <a:p>
+            <a:endParaRPr lang="en-US" sz="3200" b="0" strike="noStrike" spc="-1">
               <a:latin typeface="Arial"/>
             </a:endParaRPr>
           </a:p>
@@ -478,11 +594,12 @@
           </a:prstGeom>
         </p:spPr>
         <p:txBody>
-          <a:bodyPr lIns="0" rIns="0" tIns="0" bIns="0">
+          <a:bodyPr lIns="0" tIns="0" rIns="0" bIns="0">
             <a:normAutofit/>
           </a:bodyPr>
-          <a:p>
-            <a:endParaRPr b="0" lang="en-US" sz="3200" spc="-1" strike="noStrike">
+          <a:lstStyle/>
+          <a:p>
+            <a:endParaRPr lang="en-US" sz="3200" b="0" strike="noStrike" spc="-1">
               <a:latin typeface="Arial"/>
             </a:endParaRPr>
           </a:p>
@@ -508,11 +625,12 @@
           </a:prstGeom>
         </p:spPr>
         <p:txBody>
-          <a:bodyPr lIns="0" rIns="0" tIns="0" bIns="0">
+          <a:bodyPr lIns="0" tIns="0" rIns="0" bIns="0">
             <a:normAutofit/>
           </a:bodyPr>
-          <a:p>
-            <a:endParaRPr b="0" lang="en-US" sz="3200" spc="-1" strike="noStrike">
+          <a:lstStyle/>
+          <a:p>
+            <a:endParaRPr lang="en-US" sz="3200" b="0" strike="noStrike" spc="-1">
               <a:latin typeface="Arial"/>
             </a:endParaRPr>
           </a:p>
@@ -538,11 +656,12 @@
           </a:prstGeom>
         </p:spPr>
         <p:txBody>
-          <a:bodyPr lIns="0" rIns="0" tIns="0" bIns="0">
+          <a:bodyPr lIns="0" tIns="0" rIns="0" bIns="0">
             <a:normAutofit/>
           </a:bodyPr>
-          <a:p>
-            <a:endParaRPr b="0" lang="en-US" sz="3200" spc="-1" strike="noStrike">
+          <a:lstStyle/>
+          <a:p>
+            <a:endParaRPr lang="en-US" sz="3200" b="0" strike="noStrike" spc="-1">
               <a:latin typeface="Arial"/>
             </a:endParaRPr>
           </a:p>
@@ -550,11 +669,14 @@
       </p:sp>
     </p:spTree>
   </p:cSld>
+  <p:clrMapOvr>
+    <a:masterClrMapping/>
+  </p:clrMapOvr>
 </p:sldLayout>
 </file>
 
 <file path=ppt/slideLayouts/slideLayout2.xml><?xml version="1.0" encoding="utf-8"?>
-<p:sldLayout xmlns:a="http://schemas.openxmlformats.org/drawingml/2006/main" xmlns:p="http://schemas.openxmlformats.org/presentationml/2006/main" xmlns:r="http://schemas.openxmlformats.org/officeDocument/2006/relationships" xmlns:p14="http://schemas.microsoft.com/office/powerpoint/2010/main" xmlns:p15="http://schemas.microsoft.com/office/powerpoint/2012/main" xmlns:mc="http://schemas.openxmlformats.org/markup-compatibility/2006" type="tx" preserve="1">
+<p:sldLayout xmlns:a="http://schemas.openxmlformats.org/drawingml/2006/main" xmlns:r="http://schemas.openxmlformats.org/officeDocument/2006/relationships" xmlns:p="http://schemas.openxmlformats.org/presentationml/2006/main" type="tx" preserve="1">
   <p:cSld name="Title Slide">
     <p:spTree>
       <p:nvGrpSpPr>
@@ -590,12 +712,13 @@
           </a:prstGeom>
         </p:spPr>
         <p:txBody>
-          <a:bodyPr lIns="0" rIns="0" tIns="0" bIns="0" anchor="ctr">
+          <a:bodyPr lIns="0" tIns="0" rIns="0" bIns="0" anchor="ctr">
             <a:noAutofit/>
           </a:bodyPr>
+          <a:lstStyle/>
           <a:p>
             <a:pPr algn="ctr"/>
-            <a:endParaRPr b="0" lang="en-US" sz="4400" spc="-1" strike="noStrike">
+            <a:endParaRPr lang="en-US" sz="4400" b="0" strike="noStrike" spc="-1">
               <a:latin typeface="Arial"/>
             </a:endParaRPr>
           </a:p>
@@ -621,12 +744,13 @@
           </a:prstGeom>
         </p:spPr>
         <p:txBody>
-          <a:bodyPr lIns="0" rIns="0" tIns="0" bIns="0" anchor="ctr">
+          <a:bodyPr lIns="0" tIns="0" rIns="0" bIns="0" anchor="ctr">
             <a:noAutofit/>
           </a:bodyPr>
+          <a:lstStyle/>
           <a:p>
             <a:pPr algn="ctr"/>
-            <a:endParaRPr b="0" lang="en-US" sz="3200" spc="-1" strike="noStrike">
+            <a:endParaRPr lang="en-US" sz="3200" b="0" strike="noStrike" spc="-1">
               <a:latin typeface="Arial"/>
             </a:endParaRPr>
           </a:p>
@@ -634,11 +758,14 @@
       </p:sp>
     </p:spTree>
   </p:cSld>
+  <p:clrMapOvr>
+    <a:masterClrMapping/>
+  </p:clrMapOvr>
 </p:sldLayout>
 </file>
 
 <file path=ppt/slideLayouts/slideLayout3.xml><?xml version="1.0" encoding="utf-8"?>
-<p:sldLayout xmlns:a="http://schemas.openxmlformats.org/drawingml/2006/main" xmlns:p="http://schemas.openxmlformats.org/presentationml/2006/main" xmlns:r="http://schemas.openxmlformats.org/officeDocument/2006/relationships" xmlns:p14="http://schemas.microsoft.com/office/powerpoint/2010/main" xmlns:p15="http://schemas.microsoft.com/office/powerpoint/2012/main" xmlns:mc="http://schemas.openxmlformats.org/markup-compatibility/2006" type="obj" preserve="1">
+<p:sldLayout xmlns:a="http://schemas.openxmlformats.org/drawingml/2006/main" xmlns:r="http://schemas.openxmlformats.org/officeDocument/2006/relationships" xmlns:p="http://schemas.openxmlformats.org/presentationml/2006/main" type="obj" preserve="1">
   <p:cSld name="Title, Content">
     <p:spTree>
       <p:nvGrpSpPr>
@@ -674,12 +801,13 @@
           </a:prstGeom>
         </p:spPr>
         <p:txBody>
-          <a:bodyPr lIns="0" rIns="0" tIns="0" bIns="0" anchor="ctr">
+          <a:bodyPr lIns="0" tIns="0" rIns="0" bIns="0" anchor="ctr">
             <a:noAutofit/>
           </a:bodyPr>
+          <a:lstStyle/>
           <a:p>
             <a:pPr algn="ctr"/>
-            <a:endParaRPr b="0" lang="en-US" sz="4400" spc="-1" strike="noStrike">
+            <a:endParaRPr lang="en-US" sz="4400" b="0" strike="noStrike" spc="-1">
               <a:latin typeface="Arial"/>
             </a:endParaRPr>
           </a:p>
@@ -705,11 +833,12 @@
           </a:prstGeom>
         </p:spPr>
         <p:txBody>
-          <a:bodyPr lIns="0" rIns="0" tIns="0" bIns="0">
+          <a:bodyPr lIns="0" tIns="0" rIns="0" bIns="0">
             <a:normAutofit/>
           </a:bodyPr>
-          <a:p>
-            <a:endParaRPr b="0" lang="en-US" sz="3200" spc="-1" strike="noStrike">
+          <a:lstStyle/>
+          <a:p>
+            <a:endParaRPr lang="en-US" sz="3200" b="0" strike="noStrike" spc="-1">
               <a:latin typeface="Arial"/>
             </a:endParaRPr>
           </a:p>
@@ -717,11 +846,14 @@
       </p:sp>
     </p:spTree>
   </p:cSld>
+  <p:clrMapOvr>
+    <a:masterClrMapping/>
+  </p:clrMapOvr>
 </p:sldLayout>
 </file>
 
 <file path=ppt/slideLayouts/slideLayout4.xml><?xml version="1.0" encoding="utf-8"?>
-<p:sldLayout xmlns:a="http://schemas.openxmlformats.org/drawingml/2006/main" xmlns:p="http://schemas.openxmlformats.org/presentationml/2006/main" xmlns:r="http://schemas.openxmlformats.org/officeDocument/2006/relationships" xmlns:p14="http://schemas.microsoft.com/office/powerpoint/2010/main" xmlns:p15="http://schemas.microsoft.com/office/powerpoint/2012/main" xmlns:mc="http://schemas.openxmlformats.org/markup-compatibility/2006" type="twoObj" preserve="1">
+<p:sldLayout xmlns:a="http://schemas.openxmlformats.org/drawingml/2006/main" xmlns:r="http://schemas.openxmlformats.org/officeDocument/2006/relationships" xmlns:p="http://schemas.openxmlformats.org/presentationml/2006/main" type="twoObj" preserve="1">
   <p:cSld name="Title, 2 Content">
     <p:spTree>
       <p:nvGrpSpPr>
@@ -757,12 +889,13 @@
           </a:prstGeom>
         </p:spPr>
         <p:txBody>
-          <a:bodyPr lIns="0" rIns="0" tIns="0" bIns="0" anchor="ctr">
+          <a:bodyPr lIns="0" tIns="0" rIns="0" bIns="0" anchor="ctr">
             <a:noAutofit/>
           </a:bodyPr>
+          <a:lstStyle/>
           <a:p>
             <a:pPr algn="ctr"/>
-            <a:endParaRPr b="0" lang="en-US" sz="4400" spc="-1" strike="noStrike">
+            <a:endParaRPr lang="en-US" sz="4400" b="0" strike="noStrike" spc="-1">
               <a:latin typeface="Arial"/>
             </a:endParaRPr>
           </a:p>
@@ -788,11 +921,12 @@
           </a:prstGeom>
         </p:spPr>
         <p:txBody>
-          <a:bodyPr lIns="0" rIns="0" tIns="0" bIns="0">
+          <a:bodyPr lIns="0" tIns="0" rIns="0" bIns="0">
             <a:normAutofit/>
           </a:bodyPr>
-          <a:p>
-            <a:endParaRPr b="0" lang="en-US" sz="3200" spc="-1" strike="noStrike">
+          <a:lstStyle/>
+          <a:p>
+            <a:endParaRPr lang="en-US" sz="3200" b="0" strike="noStrike" spc="-1">
               <a:latin typeface="Arial"/>
             </a:endParaRPr>
           </a:p>
@@ -818,11 +952,12 @@
           </a:prstGeom>
         </p:spPr>
         <p:txBody>
-          <a:bodyPr lIns="0" rIns="0" tIns="0" bIns="0">
+          <a:bodyPr lIns="0" tIns="0" rIns="0" bIns="0">
             <a:normAutofit/>
           </a:bodyPr>
-          <a:p>
-            <a:endParaRPr b="0" lang="en-US" sz="3200" spc="-1" strike="noStrike">
+          <a:lstStyle/>
+          <a:p>
+            <a:endParaRPr lang="en-US" sz="3200" b="0" strike="noStrike" spc="-1">
               <a:latin typeface="Arial"/>
             </a:endParaRPr>
           </a:p>
@@ -830,11 +965,14 @@
       </p:sp>
     </p:spTree>
   </p:cSld>
+  <p:clrMapOvr>
+    <a:masterClrMapping/>
+  </p:clrMapOvr>
 </p:sldLayout>
 </file>
 
 <file path=ppt/slideLayouts/slideLayout5.xml><?xml version="1.0" encoding="utf-8"?>
-<p:sldLayout xmlns:a="http://schemas.openxmlformats.org/drawingml/2006/main" xmlns:p="http://schemas.openxmlformats.org/presentationml/2006/main" xmlns:r="http://schemas.openxmlformats.org/officeDocument/2006/relationships" xmlns:p14="http://schemas.microsoft.com/office/powerpoint/2010/main" xmlns:p15="http://schemas.microsoft.com/office/powerpoint/2012/main" xmlns:mc="http://schemas.openxmlformats.org/markup-compatibility/2006" type="titleOnly" preserve="1">
+<p:sldLayout xmlns:a="http://schemas.openxmlformats.org/drawingml/2006/main" xmlns:r="http://schemas.openxmlformats.org/officeDocument/2006/relationships" xmlns:p="http://schemas.openxmlformats.org/presentationml/2006/main" type="titleOnly" preserve="1">
   <p:cSld name="Title Only">
     <p:spTree>
       <p:nvGrpSpPr>
@@ -870,12 +1008,13 @@
           </a:prstGeom>
         </p:spPr>
         <p:txBody>
-          <a:bodyPr lIns="0" rIns="0" tIns="0" bIns="0" anchor="ctr">
+          <a:bodyPr lIns="0" tIns="0" rIns="0" bIns="0" anchor="ctr">
             <a:noAutofit/>
           </a:bodyPr>
+          <a:lstStyle/>
           <a:p>
             <a:pPr algn="ctr"/>
-            <a:endParaRPr b="0" lang="en-US" sz="4400" spc="-1" strike="noStrike">
+            <a:endParaRPr lang="en-US" sz="4400" b="0" strike="noStrike" spc="-1">
               <a:latin typeface="Arial"/>
             </a:endParaRPr>
           </a:p>
@@ -883,11 +1022,14 @@
       </p:sp>
     </p:spTree>
   </p:cSld>
+  <p:clrMapOvr>
+    <a:masterClrMapping/>
+  </p:clrMapOvr>
 </p:sldLayout>
 </file>
 
 <file path=ppt/slideLayouts/slideLayout6.xml><?xml version="1.0" encoding="utf-8"?>
-<p:sldLayout xmlns:a="http://schemas.openxmlformats.org/drawingml/2006/main" xmlns:p="http://schemas.openxmlformats.org/presentationml/2006/main" xmlns:r="http://schemas.openxmlformats.org/officeDocument/2006/relationships" xmlns:p14="http://schemas.microsoft.com/office/powerpoint/2010/main" xmlns:p15="http://schemas.microsoft.com/office/powerpoint/2012/main" xmlns:mc="http://schemas.openxmlformats.org/markup-compatibility/2006" type="objOnly" preserve="1">
+<p:sldLayout xmlns:a="http://schemas.openxmlformats.org/drawingml/2006/main" xmlns:r="http://schemas.openxmlformats.org/officeDocument/2006/relationships" xmlns:p="http://schemas.openxmlformats.org/presentationml/2006/main" type="objOnly" preserve="1">
   <p:cSld name="Centered Text">
     <p:spTree>
       <p:nvGrpSpPr>
@@ -923,12 +1065,13 @@
           </a:prstGeom>
         </p:spPr>
         <p:txBody>
-          <a:bodyPr lIns="0" rIns="0" tIns="0" bIns="0" anchor="ctr">
+          <a:bodyPr lIns="0" tIns="0" rIns="0" bIns="0" anchor="ctr">
             <a:noAutofit/>
           </a:bodyPr>
+          <a:lstStyle/>
           <a:p>
             <a:pPr algn="ctr"/>
-            <a:endParaRPr b="0" lang="en-US" sz="3200" spc="-1" strike="noStrike">
+            <a:endParaRPr lang="en-US" sz="3200" b="0" strike="noStrike" spc="-1">
               <a:latin typeface="Arial"/>
             </a:endParaRPr>
           </a:p>
@@ -936,11 +1079,14 @@
       </p:sp>
     </p:spTree>
   </p:cSld>
+  <p:clrMapOvr>
+    <a:masterClrMapping/>
+  </p:clrMapOvr>
 </p:sldLayout>
 </file>
 
 <file path=ppt/slideLayouts/slideLayout7.xml><?xml version="1.0" encoding="utf-8"?>
-<p:sldLayout xmlns:a="http://schemas.openxmlformats.org/drawingml/2006/main" xmlns:p="http://schemas.openxmlformats.org/presentationml/2006/main" xmlns:r="http://schemas.openxmlformats.org/officeDocument/2006/relationships" xmlns:p14="http://schemas.microsoft.com/office/powerpoint/2010/main" xmlns:p15="http://schemas.microsoft.com/office/powerpoint/2012/main" xmlns:mc="http://schemas.openxmlformats.org/markup-compatibility/2006" type="twoObjAndObj" preserve="1">
+<p:sldLayout xmlns:a="http://schemas.openxmlformats.org/drawingml/2006/main" xmlns:r="http://schemas.openxmlformats.org/officeDocument/2006/relationships" xmlns:p="http://schemas.openxmlformats.org/presentationml/2006/main" type="twoObjAndObj" preserve="1">
   <p:cSld name="Title, 2 Content and Content">
     <p:spTree>
       <p:nvGrpSpPr>
@@ -976,12 +1122,13 @@
           </a:prstGeom>
         </p:spPr>
         <p:txBody>
-          <a:bodyPr lIns="0" rIns="0" tIns="0" bIns="0" anchor="ctr">
+          <a:bodyPr lIns="0" tIns="0" rIns="0" bIns="0" anchor="ctr">
             <a:noAutofit/>
           </a:bodyPr>
+          <a:lstStyle/>
           <a:p>
             <a:pPr algn="ctr"/>
-            <a:endParaRPr b="0" lang="en-US" sz="4400" spc="-1" strike="noStrike">
+            <a:endParaRPr lang="en-US" sz="4400" b="0" strike="noStrike" spc="-1">
               <a:latin typeface="Arial"/>
             </a:endParaRPr>
           </a:p>
@@ -1007,11 +1154,12 @@
           </a:prstGeom>
         </p:spPr>
         <p:txBody>
-          <a:bodyPr lIns="0" rIns="0" tIns="0" bIns="0">
+          <a:bodyPr lIns="0" tIns="0" rIns="0" bIns="0">
             <a:normAutofit/>
           </a:bodyPr>
-          <a:p>
-            <a:endParaRPr b="0" lang="en-US" sz="3200" spc="-1" strike="noStrike">
+          <a:lstStyle/>
+          <a:p>
+            <a:endParaRPr lang="en-US" sz="3200" b="0" strike="noStrike" spc="-1">
               <a:latin typeface="Arial"/>
             </a:endParaRPr>
           </a:p>
@@ -1037,11 +1185,12 @@
           </a:prstGeom>
         </p:spPr>
         <p:txBody>
-          <a:bodyPr lIns="0" rIns="0" tIns="0" bIns="0">
+          <a:bodyPr lIns="0" tIns="0" rIns="0" bIns="0">
             <a:normAutofit/>
           </a:bodyPr>
-          <a:p>
-            <a:endParaRPr b="0" lang="en-US" sz="3200" spc="-1" strike="noStrike">
+          <a:lstStyle/>
+          <a:p>
+            <a:endParaRPr lang="en-US" sz="3200" b="0" strike="noStrike" spc="-1">
               <a:latin typeface="Arial"/>
             </a:endParaRPr>
           </a:p>
@@ -1067,11 +1216,12 @@
           </a:prstGeom>
         </p:spPr>
         <p:txBody>
-          <a:bodyPr lIns="0" rIns="0" tIns="0" bIns="0">
+          <a:bodyPr lIns="0" tIns="0" rIns="0" bIns="0">
             <a:normAutofit/>
           </a:bodyPr>
-          <a:p>
-            <a:endParaRPr b="0" lang="en-US" sz="3200" spc="-1" strike="noStrike">
+          <a:lstStyle/>
+          <a:p>
+            <a:endParaRPr lang="en-US" sz="3200" b="0" strike="noStrike" spc="-1">
               <a:latin typeface="Arial"/>
             </a:endParaRPr>
           </a:p>
@@ -1079,11 +1229,14 @@
       </p:sp>
     </p:spTree>
   </p:cSld>
+  <p:clrMapOvr>
+    <a:masterClrMapping/>
+  </p:clrMapOvr>
 </p:sldLayout>
 </file>
 
 <file path=ppt/slideLayouts/slideLayout8.xml><?xml version="1.0" encoding="utf-8"?>
-<p:sldLayout xmlns:a="http://schemas.openxmlformats.org/drawingml/2006/main" xmlns:p="http://schemas.openxmlformats.org/presentationml/2006/main" xmlns:r="http://schemas.openxmlformats.org/officeDocument/2006/relationships" xmlns:p14="http://schemas.microsoft.com/office/powerpoint/2010/main" xmlns:p15="http://schemas.microsoft.com/office/powerpoint/2012/main" xmlns:mc="http://schemas.openxmlformats.org/markup-compatibility/2006" type="objAndTwoObj" preserve="1">
+<p:sldLayout xmlns:a="http://schemas.openxmlformats.org/drawingml/2006/main" xmlns:r="http://schemas.openxmlformats.org/officeDocument/2006/relationships" xmlns:p="http://schemas.openxmlformats.org/presentationml/2006/main" type="objAndTwoObj" preserve="1">
   <p:cSld name="Title Content and 2 Content">
     <p:spTree>
       <p:nvGrpSpPr>
@@ -1119,12 +1272,13 @@
           </a:prstGeom>
         </p:spPr>
         <p:txBody>
-          <a:bodyPr lIns="0" rIns="0" tIns="0" bIns="0" anchor="ctr">
+          <a:bodyPr lIns="0" tIns="0" rIns="0" bIns="0" anchor="ctr">
             <a:noAutofit/>
           </a:bodyPr>
+          <a:lstStyle/>
           <a:p>
             <a:pPr algn="ctr"/>
-            <a:endParaRPr b="0" lang="en-US" sz="4400" spc="-1" strike="noStrike">
+            <a:endParaRPr lang="en-US" sz="4400" b="0" strike="noStrike" spc="-1">
               <a:latin typeface="Arial"/>
             </a:endParaRPr>
           </a:p>
@@ -1150,11 +1304,12 @@
           </a:prstGeom>
         </p:spPr>
         <p:txBody>
-          <a:bodyPr lIns="0" rIns="0" tIns="0" bIns="0">
+          <a:bodyPr lIns="0" tIns="0" rIns="0" bIns="0">
             <a:normAutofit/>
           </a:bodyPr>
-          <a:p>
-            <a:endParaRPr b="0" lang="en-US" sz="3200" spc="-1" strike="noStrike">
+          <a:lstStyle/>
+          <a:p>
+            <a:endParaRPr lang="en-US" sz="3200" b="0" strike="noStrike" spc="-1">
               <a:latin typeface="Arial"/>
             </a:endParaRPr>
           </a:p>
@@ -1180,11 +1335,12 @@
           </a:prstGeom>
         </p:spPr>
         <p:txBody>
-          <a:bodyPr lIns="0" rIns="0" tIns="0" bIns="0">
+          <a:bodyPr lIns="0" tIns="0" rIns="0" bIns="0">
             <a:normAutofit/>
           </a:bodyPr>
-          <a:p>
-            <a:endParaRPr b="0" lang="en-US" sz="3200" spc="-1" strike="noStrike">
+          <a:lstStyle/>
+          <a:p>
+            <a:endParaRPr lang="en-US" sz="3200" b="0" strike="noStrike" spc="-1">
               <a:latin typeface="Arial"/>
             </a:endParaRPr>
           </a:p>
@@ -1210,11 +1366,12 @@
           </a:prstGeom>
         </p:spPr>
         <p:txBody>
-          <a:bodyPr lIns="0" rIns="0" tIns="0" bIns="0">
+          <a:bodyPr lIns="0" tIns="0" rIns="0" bIns="0">
             <a:normAutofit/>
           </a:bodyPr>
-          <a:p>
-            <a:endParaRPr b="0" lang="en-US" sz="3200" spc="-1" strike="noStrike">
+          <a:lstStyle/>
+          <a:p>
+            <a:endParaRPr lang="en-US" sz="3200" b="0" strike="noStrike" spc="-1">
               <a:latin typeface="Arial"/>
             </a:endParaRPr>
           </a:p>
@@ -1222,11 +1379,14 @@
       </p:sp>
     </p:spTree>
   </p:cSld>
+  <p:clrMapOvr>
+    <a:masterClrMapping/>
+  </p:clrMapOvr>
 </p:sldLayout>
 </file>
 
 <file path=ppt/slideLayouts/slideLayout9.xml><?xml version="1.0" encoding="utf-8"?>
-<p:sldLayout xmlns:a="http://schemas.openxmlformats.org/drawingml/2006/main" xmlns:p="http://schemas.openxmlformats.org/presentationml/2006/main" xmlns:r="http://schemas.openxmlformats.org/officeDocument/2006/relationships" xmlns:p14="http://schemas.microsoft.com/office/powerpoint/2010/main" xmlns:p15="http://schemas.microsoft.com/office/powerpoint/2012/main" xmlns:mc="http://schemas.openxmlformats.org/markup-compatibility/2006" type="twoObjOverTx" preserve="1">
+<p:sldLayout xmlns:a="http://schemas.openxmlformats.org/drawingml/2006/main" xmlns:r="http://schemas.openxmlformats.org/officeDocument/2006/relationships" xmlns:p="http://schemas.openxmlformats.org/presentationml/2006/main" type="twoObjOverTx" preserve="1">
   <p:cSld name="Title, 2 Content over Content">
     <p:spTree>
       <p:nvGrpSpPr>
@@ -1262,12 +1422,13 @@
           </a:prstGeom>
         </p:spPr>
         <p:txBody>
-          <a:bodyPr lIns="0" rIns="0" tIns="0" bIns="0" anchor="ctr">
+          <a:bodyPr lIns="0" tIns="0" rIns="0" bIns="0" anchor="ctr">
             <a:noAutofit/>
           </a:bodyPr>
+          <a:lstStyle/>
           <a:p>
             <a:pPr algn="ctr"/>
-            <a:endParaRPr b="0" lang="en-US" sz="4400" spc="-1" strike="noStrike">
+            <a:endParaRPr lang="en-US" sz="4400" b="0" strike="noStrike" spc="-1">
               <a:latin typeface="Arial"/>
             </a:endParaRPr>
           </a:p>
@@ -1293,11 +1454,12 @@
           </a:prstGeom>
         </p:spPr>
         <p:txBody>
-          <a:bodyPr lIns="0" rIns="0" tIns="0" bIns="0">
+          <a:bodyPr lIns="0" tIns="0" rIns="0" bIns="0">
             <a:normAutofit/>
           </a:bodyPr>
-          <a:p>
-            <a:endParaRPr b="0" lang="en-US" sz="3200" spc="-1" strike="noStrike">
+          <a:lstStyle/>
+          <a:p>
+            <a:endParaRPr lang="en-US" sz="3200" b="0" strike="noStrike" spc="-1">
               <a:latin typeface="Arial"/>
             </a:endParaRPr>
           </a:p>
@@ -1323,11 +1485,12 @@
           </a:prstGeom>
         </p:spPr>
         <p:txBody>
-          <a:bodyPr lIns="0" rIns="0" tIns="0" bIns="0">
+          <a:bodyPr lIns="0" tIns="0" rIns="0" bIns="0">
             <a:normAutofit/>
           </a:bodyPr>
-          <a:p>
-            <a:endParaRPr b="0" lang="en-US" sz="3200" spc="-1" strike="noStrike">
+          <a:lstStyle/>
+          <a:p>
+            <a:endParaRPr lang="en-US" sz="3200" b="0" strike="noStrike" spc="-1">
               <a:latin typeface="Arial"/>
             </a:endParaRPr>
           </a:p>
@@ -1353,11 +1516,12 @@
           </a:prstGeom>
         </p:spPr>
         <p:txBody>
-          <a:bodyPr lIns="0" rIns="0" tIns="0" bIns="0">
+          <a:bodyPr lIns="0" tIns="0" rIns="0" bIns="0">
             <a:normAutofit/>
           </a:bodyPr>
-          <a:p>
-            <a:endParaRPr b="0" lang="en-US" sz="3200" spc="-1" strike="noStrike">
+          <a:lstStyle/>
+          <a:p>
+            <a:endParaRPr lang="en-US" sz="3200" b="0" strike="noStrike" spc="-1">
               <a:latin typeface="Arial"/>
             </a:endParaRPr>
           </a:p>
@@ -1365,17 +1529,21 @@
       </p:sp>
     </p:spTree>
   </p:cSld>
+  <p:clrMapOvr>
+    <a:masterClrMapping/>
+  </p:clrMapOvr>
 </p:sldLayout>
 </file>
 
 <file path=ppt/slideMasters/slideMaster1.xml><?xml version="1.0" encoding="utf-8"?>
-<p:sldMaster xmlns:a="http://schemas.openxmlformats.org/drawingml/2006/main" xmlns:p="http://schemas.openxmlformats.org/presentationml/2006/main" xmlns:r="http://schemas.openxmlformats.org/officeDocument/2006/relationships" xmlns:p14="http://schemas.microsoft.com/office/powerpoint/2010/main" xmlns:p15="http://schemas.microsoft.com/office/powerpoint/2012/main" xmlns:mc="http://schemas.openxmlformats.org/markup-compatibility/2006">
+<p:sldMaster xmlns:a="http://schemas.openxmlformats.org/drawingml/2006/main" xmlns:r="http://schemas.openxmlformats.org/officeDocument/2006/relationships" xmlns:p="http://schemas.openxmlformats.org/presentationml/2006/main">
   <p:cSld>
     <p:bg>
       <p:bgPr>
         <a:solidFill>
-          <a:srgbClr val="ffffff"/>
+          <a:srgbClr val="FFFFFF"/>
         </a:solidFill>
+        <a:effectLst/>
       </p:bgPr>
     </p:bg>
     <p:spTree>
@@ -1394,7 +1562,7 @@
       </p:grpSpPr>
       <p:sp>
         <p:nvSpPr>
-          <p:cNvPr id="0" name="PlaceHolder 1"/>
+          <p:cNvPr id="2" name="PlaceHolder 1"/>
           <p:cNvSpPr>
             <a:spLocks noGrp="1"/>
           </p:cNvSpPr>
@@ -1412,25 +1580,23 @@
           </a:prstGeom>
         </p:spPr>
         <p:txBody>
-          <a:bodyPr lIns="0" rIns="0" tIns="0" bIns="0" anchor="ctr">
+          <a:bodyPr lIns="0" tIns="0" rIns="0" bIns="0" anchor="ctr">
             <a:noAutofit/>
           </a:bodyPr>
+          <a:lstStyle/>
           <a:p>
             <a:r>
-              <a:rPr b="0" lang="en-US" sz="1800" spc="-1" strike="noStrike">
+              <a:rPr lang="en-US" sz="1800" b="0" strike="noStrike" spc="-1">
                 <a:latin typeface="Arial"/>
               </a:rPr>
               <a:t>Click to edit the title text format</a:t>
             </a:r>
-            <a:endParaRPr b="0" lang="en-US" sz="1800" spc="-1" strike="noStrike">
-              <a:latin typeface="Arial"/>
-            </a:endParaRPr>
-          </a:p>
-        </p:txBody>
-      </p:sp>
-      <p:sp>
-        <p:nvSpPr>
-          <p:cNvPr id="1" name="PlaceHolder 2"/>
+          </a:p>
+        </p:txBody>
+      </p:sp>
+      <p:sp>
+        <p:nvSpPr>
+          <p:cNvPr id="3" name="PlaceHolder 2"/>
           <p:cNvSpPr>
             <a:spLocks noGrp="1"/>
           </p:cNvSpPr>
@@ -1448,9 +1614,10 @@
           </a:prstGeom>
         </p:spPr>
         <p:txBody>
-          <a:bodyPr lIns="0" rIns="0" tIns="0" bIns="0">
+          <a:bodyPr lIns="0" tIns="0" rIns="0" bIns="0">
             <a:normAutofit/>
           </a:bodyPr>
+          <a:lstStyle/>
           <a:p>
             <a:pPr marL="432000" indent="-324000">
               <a:spcBef>
@@ -1464,17 +1631,14 @@
               <a:buChar char=""/>
             </a:pPr>
             <a:r>
-              <a:rPr b="0" lang="en-US" sz="1800" spc="-1" strike="noStrike">
+              <a:rPr lang="en-US" sz="1800" b="0" strike="noStrike" spc="-1">
                 <a:latin typeface="Arial"/>
               </a:rPr>
               <a:t>Click to edit the outline text format</a:t>
             </a:r>
-            <a:endParaRPr b="0" lang="en-US" sz="1800" spc="-1" strike="noStrike">
-              <a:latin typeface="Arial"/>
-            </a:endParaRPr>
-          </a:p>
-          <a:p>
-            <a:pPr lvl="1" marL="864000" indent="-324000">
+          </a:p>
+          <a:p>
+            <a:pPr marL="864000" lvl="1" indent="-324000">
               <a:spcBef>
                 <a:spcPts val="1134"/>
               </a:spcBef>
@@ -1486,17 +1650,14 @@
               <a:buChar char=""/>
             </a:pPr>
             <a:r>
-              <a:rPr b="0" lang="en-US" sz="1800" spc="-1" strike="noStrike">
+              <a:rPr lang="en-US" sz="1800" b="0" strike="noStrike" spc="-1">
                 <a:latin typeface="Arial"/>
               </a:rPr>
               <a:t>Second Outline Level</a:t>
             </a:r>
-            <a:endParaRPr b="0" lang="en-US" sz="1800" spc="-1" strike="noStrike">
-              <a:latin typeface="Arial"/>
-            </a:endParaRPr>
-          </a:p>
-          <a:p>
-            <a:pPr lvl="2" marL="1296000" indent="-288000">
+          </a:p>
+          <a:p>
+            <a:pPr marL="1296000" lvl="2" indent="-288000">
               <a:spcBef>
                 <a:spcPts val="850"/>
               </a:spcBef>
@@ -1508,17 +1669,14 @@
               <a:buChar char=""/>
             </a:pPr>
             <a:r>
-              <a:rPr b="0" lang="en-US" sz="1800" spc="-1" strike="noStrike">
+              <a:rPr lang="en-US" sz="1800" b="0" strike="noStrike" spc="-1">
                 <a:latin typeface="Arial"/>
               </a:rPr>
               <a:t>Third Outline Level</a:t>
             </a:r>
-            <a:endParaRPr b="0" lang="en-US" sz="1800" spc="-1" strike="noStrike">
-              <a:latin typeface="Arial"/>
-            </a:endParaRPr>
-          </a:p>
-          <a:p>
-            <a:pPr lvl="3" marL="1728000" indent="-216000">
+          </a:p>
+          <a:p>
+            <a:pPr marL="1728000" lvl="3" indent="-216000">
               <a:spcBef>
                 <a:spcPts val="567"/>
               </a:spcBef>
@@ -1530,17 +1688,14 @@
               <a:buChar char=""/>
             </a:pPr>
             <a:r>
-              <a:rPr b="0" lang="en-US" sz="1800" spc="-1" strike="noStrike">
+              <a:rPr lang="en-US" sz="1800" b="0" strike="noStrike" spc="-1">
                 <a:latin typeface="Arial"/>
               </a:rPr>
               <a:t>Fourth Outline Level</a:t>
             </a:r>
-            <a:endParaRPr b="0" lang="en-US" sz="1800" spc="-1" strike="noStrike">
-              <a:latin typeface="Arial"/>
-            </a:endParaRPr>
-          </a:p>
-          <a:p>
-            <a:pPr lvl="4" marL="2160000" indent="-216000">
+          </a:p>
+          <a:p>
+            <a:pPr marL="2160000" lvl="4" indent="-216000">
               <a:spcBef>
                 <a:spcPts val="283"/>
               </a:spcBef>
@@ -1552,17 +1707,14 @@
               <a:buChar char=""/>
             </a:pPr>
             <a:r>
-              <a:rPr b="0" lang="en-US" sz="1800" spc="-1" strike="noStrike">
+              <a:rPr lang="en-US" sz="1800" b="0" strike="noStrike" spc="-1">
                 <a:latin typeface="Arial"/>
               </a:rPr>
               <a:t>Fifth Outline Level</a:t>
             </a:r>
-            <a:endParaRPr b="0" lang="en-US" sz="1800" spc="-1" strike="noStrike">
-              <a:latin typeface="Arial"/>
-            </a:endParaRPr>
-          </a:p>
-          <a:p>
-            <a:pPr lvl="5" marL="2592000" indent="-216000">
+          </a:p>
+          <a:p>
+            <a:pPr marL="2592000" lvl="5" indent="-216000">
               <a:spcBef>
                 <a:spcPts val="283"/>
               </a:spcBef>
@@ -1574,17 +1726,14 @@
               <a:buChar char=""/>
             </a:pPr>
             <a:r>
-              <a:rPr b="0" lang="en-US" sz="1800" spc="-1" strike="noStrike">
+              <a:rPr lang="en-US" sz="1800" b="0" strike="noStrike" spc="-1">
                 <a:latin typeface="Arial"/>
               </a:rPr>
               <a:t>Sixth Outline Level</a:t>
             </a:r>
-            <a:endParaRPr b="0" lang="en-US" sz="1800" spc="-1" strike="noStrike">
-              <a:latin typeface="Arial"/>
-            </a:endParaRPr>
-          </a:p>
-          <a:p>
-            <a:pPr lvl="6" marL="3024000" indent="-216000">
+          </a:p>
+          <a:p>
+            <a:pPr marL="3024000" lvl="6" indent="-216000">
               <a:spcBef>
                 <a:spcPts val="283"/>
               </a:spcBef>
@@ -1596,39 +1745,316 @@
               <a:buChar char=""/>
             </a:pPr>
             <a:r>
-              <a:rPr b="0" lang="en-US" sz="1800" spc="-1" strike="noStrike">
+              <a:rPr lang="en-US" sz="1800" b="0" strike="noStrike" spc="-1">
                 <a:latin typeface="Arial"/>
               </a:rPr>
               <a:t>Seventh Outline Level</a:t>
             </a:r>
-            <a:endParaRPr b="0" lang="en-US" sz="1800" spc="-1" strike="noStrike">
-              <a:latin typeface="Arial"/>
-            </a:endParaRPr>
           </a:p>
         </p:txBody>
       </p:sp>
     </p:spTree>
   </p:cSld>
-  <p:clrMap bg1="lt1" bg2="lt2" tx1="dk1" tx2="dk2" accent1="accent1" accent2="accent2" accent3="accent3" accent4="accent4" accent5="accent5" accent6="accent6" hlink="hlink" folHlink="folHlink"/>
+  <p:clrMap bg1="lt1" tx1="dk1" bg2="lt2" tx2="dk2" accent1="accent1" accent2="accent2" accent3="accent3" accent4="accent4" accent5="accent5" accent6="accent6" hlink="hlink" folHlink="folHlink"/>
   <p:sldLayoutIdLst>
-    <p:sldLayoutId id="2147483649" r:id="rId2"/>
-    <p:sldLayoutId id="2147483650" r:id="rId3"/>
-    <p:sldLayoutId id="2147483651" r:id="rId4"/>
-    <p:sldLayoutId id="2147483652" r:id="rId5"/>
-    <p:sldLayoutId id="2147483653" r:id="rId6"/>
-    <p:sldLayoutId id="2147483654" r:id="rId7"/>
-    <p:sldLayoutId id="2147483655" r:id="rId8"/>
-    <p:sldLayoutId id="2147483656" r:id="rId9"/>
-    <p:sldLayoutId id="2147483657" r:id="rId10"/>
-    <p:sldLayoutId id="2147483658" r:id="rId11"/>
-    <p:sldLayoutId id="2147483659" r:id="rId12"/>
-    <p:sldLayoutId id="2147483660" r:id="rId13"/>
+    <p:sldLayoutId id="2147483649" r:id="rId1"/>
+    <p:sldLayoutId id="2147483650" r:id="rId2"/>
+    <p:sldLayoutId id="2147483651" r:id="rId3"/>
+    <p:sldLayoutId id="2147483652" r:id="rId4"/>
+    <p:sldLayoutId id="2147483653" r:id="rId5"/>
+    <p:sldLayoutId id="2147483654" r:id="rId6"/>
+    <p:sldLayoutId id="2147483655" r:id="rId7"/>
+    <p:sldLayoutId id="2147483656" r:id="rId8"/>
+    <p:sldLayoutId id="2147483657" r:id="rId9"/>
+    <p:sldLayoutId id="2147483658" r:id="rId10"/>
+    <p:sldLayoutId id="2147483659" r:id="rId11"/>
+    <p:sldLayoutId id="2147483660" r:id="rId12"/>
   </p:sldLayoutIdLst>
+  <p:txStyles>
+    <p:titleStyle>
+      <a:lvl1pPr algn="l" defTabSz="914400" rtl="0" eaLnBrk="1" latinLnBrk="0" hangingPunct="1">
+        <a:lnSpc>
+          <a:spcPct val="90000"/>
+        </a:lnSpc>
+        <a:spcBef>
+          <a:spcPct val="0"/>
+        </a:spcBef>
+        <a:buNone/>
+        <a:defRPr sz="4400" kern="1200">
+          <a:solidFill>
+            <a:schemeClr val="tx1"/>
+          </a:solidFill>
+          <a:latin typeface="+mj-lt"/>
+          <a:ea typeface="+mj-ea"/>
+          <a:cs typeface="+mj-cs"/>
+        </a:defRPr>
+      </a:lvl1pPr>
+    </p:titleStyle>
+    <p:bodyStyle>
+      <a:lvl1pPr marL="228600" indent="-228600" algn="l" defTabSz="914400" rtl="0" eaLnBrk="1" latinLnBrk="0" hangingPunct="1">
+        <a:lnSpc>
+          <a:spcPct val="90000"/>
+        </a:lnSpc>
+        <a:spcBef>
+          <a:spcPts val="1000"/>
+        </a:spcBef>
+        <a:buFont typeface="Arial" panose="020B0604020202020204" pitchFamily="34" charset="0"/>
+        <a:buChar char="•"/>
+        <a:defRPr sz="2800" kern="1200">
+          <a:solidFill>
+            <a:schemeClr val="tx1"/>
+          </a:solidFill>
+          <a:latin typeface="+mn-lt"/>
+          <a:ea typeface="+mn-ea"/>
+          <a:cs typeface="+mn-cs"/>
+        </a:defRPr>
+      </a:lvl1pPr>
+      <a:lvl2pPr marL="685800" indent="-228600" algn="l" defTabSz="914400" rtl="0" eaLnBrk="1" latinLnBrk="0" hangingPunct="1">
+        <a:lnSpc>
+          <a:spcPct val="90000"/>
+        </a:lnSpc>
+        <a:spcBef>
+          <a:spcPts val="500"/>
+        </a:spcBef>
+        <a:buFont typeface="Arial" panose="020B0604020202020204" pitchFamily="34" charset="0"/>
+        <a:buChar char="•"/>
+        <a:defRPr sz="2400" kern="1200">
+          <a:solidFill>
+            <a:schemeClr val="tx1"/>
+          </a:solidFill>
+          <a:latin typeface="+mn-lt"/>
+          <a:ea typeface="+mn-ea"/>
+          <a:cs typeface="+mn-cs"/>
+        </a:defRPr>
+      </a:lvl2pPr>
+      <a:lvl3pPr marL="1143000" indent="-228600" algn="l" defTabSz="914400" rtl="0" eaLnBrk="1" latinLnBrk="0" hangingPunct="1">
+        <a:lnSpc>
+          <a:spcPct val="90000"/>
+        </a:lnSpc>
+        <a:spcBef>
+          <a:spcPts val="500"/>
+        </a:spcBef>
+        <a:buFont typeface="Arial" panose="020B0604020202020204" pitchFamily="34" charset="0"/>
+        <a:buChar char="•"/>
+        <a:defRPr sz="2000" kern="1200">
+          <a:solidFill>
+            <a:schemeClr val="tx1"/>
+          </a:solidFill>
+          <a:latin typeface="+mn-lt"/>
+          <a:ea typeface="+mn-ea"/>
+          <a:cs typeface="+mn-cs"/>
+        </a:defRPr>
+      </a:lvl3pPr>
+      <a:lvl4pPr marL="1600200" indent="-228600" algn="l" defTabSz="914400" rtl="0" eaLnBrk="1" latinLnBrk="0" hangingPunct="1">
+        <a:lnSpc>
+          <a:spcPct val="90000"/>
+        </a:lnSpc>
+        <a:spcBef>
+          <a:spcPts val="500"/>
+        </a:spcBef>
+        <a:buFont typeface="Arial" panose="020B0604020202020204" pitchFamily="34" charset="0"/>
+        <a:buChar char="•"/>
+        <a:defRPr sz="1800" kern="1200">
+          <a:solidFill>
+            <a:schemeClr val="tx1"/>
+          </a:solidFill>
+          <a:latin typeface="+mn-lt"/>
+          <a:ea typeface="+mn-ea"/>
+          <a:cs typeface="+mn-cs"/>
+        </a:defRPr>
+      </a:lvl4pPr>
+      <a:lvl5pPr marL="2057400" indent="-228600" algn="l" defTabSz="914400" rtl="0" eaLnBrk="1" latinLnBrk="0" hangingPunct="1">
+        <a:lnSpc>
+          <a:spcPct val="90000"/>
+        </a:lnSpc>
+        <a:spcBef>
+          <a:spcPts val="500"/>
+        </a:spcBef>
+        <a:buFont typeface="Arial" panose="020B0604020202020204" pitchFamily="34" charset="0"/>
+        <a:buChar char="•"/>
+        <a:defRPr sz="1800" kern="1200">
+          <a:solidFill>
+            <a:schemeClr val="tx1"/>
+          </a:solidFill>
+          <a:latin typeface="+mn-lt"/>
+          <a:ea typeface="+mn-ea"/>
+          <a:cs typeface="+mn-cs"/>
+        </a:defRPr>
+      </a:lvl5pPr>
+      <a:lvl6pPr marL="2514600" indent="-228600" algn="l" defTabSz="914400" rtl="0" eaLnBrk="1" latinLnBrk="0" hangingPunct="1">
+        <a:lnSpc>
+          <a:spcPct val="90000"/>
+        </a:lnSpc>
+        <a:spcBef>
+          <a:spcPts val="500"/>
+        </a:spcBef>
+        <a:buFont typeface="Arial" panose="020B0604020202020204" pitchFamily="34" charset="0"/>
+        <a:buChar char="•"/>
+        <a:defRPr sz="1800" kern="1200">
+          <a:solidFill>
+            <a:schemeClr val="tx1"/>
+          </a:solidFill>
+          <a:latin typeface="+mn-lt"/>
+          <a:ea typeface="+mn-ea"/>
+          <a:cs typeface="+mn-cs"/>
+        </a:defRPr>
+      </a:lvl6pPr>
+      <a:lvl7pPr marL="2971800" indent="-228600" algn="l" defTabSz="914400" rtl="0" eaLnBrk="1" latinLnBrk="0" hangingPunct="1">
+        <a:lnSpc>
+          <a:spcPct val="90000"/>
+        </a:lnSpc>
+        <a:spcBef>
+          <a:spcPts val="500"/>
+        </a:spcBef>
+        <a:buFont typeface="Arial" panose="020B0604020202020204" pitchFamily="34" charset="0"/>
+        <a:buChar char="•"/>
+        <a:defRPr sz="1800" kern="1200">
+          <a:solidFill>
+            <a:schemeClr val="tx1"/>
+          </a:solidFill>
+          <a:latin typeface="+mn-lt"/>
+          <a:ea typeface="+mn-ea"/>
+          <a:cs typeface="+mn-cs"/>
+        </a:defRPr>
+      </a:lvl7pPr>
+      <a:lvl8pPr marL="3429000" indent="-228600" algn="l" defTabSz="914400" rtl="0" eaLnBrk="1" latinLnBrk="0" hangingPunct="1">
+        <a:lnSpc>
+          <a:spcPct val="90000"/>
+        </a:lnSpc>
+        <a:spcBef>
+          <a:spcPts val="500"/>
+        </a:spcBef>
+        <a:buFont typeface="Arial" panose="020B0604020202020204" pitchFamily="34" charset="0"/>
+        <a:buChar char="•"/>
+        <a:defRPr sz="1800" kern="1200">
+          <a:solidFill>
+            <a:schemeClr val="tx1"/>
+          </a:solidFill>
+          <a:latin typeface="+mn-lt"/>
+          <a:ea typeface="+mn-ea"/>
+          <a:cs typeface="+mn-cs"/>
+        </a:defRPr>
+      </a:lvl8pPr>
+      <a:lvl9pPr marL="3886200" indent="-228600" algn="l" defTabSz="914400" rtl="0" eaLnBrk="1" latinLnBrk="0" hangingPunct="1">
+        <a:lnSpc>
+          <a:spcPct val="90000"/>
+        </a:lnSpc>
+        <a:spcBef>
+          <a:spcPts val="500"/>
+        </a:spcBef>
+        <a:buFont typeface="Arial" panose="020B0604020202020204" pitchFamily="34" charset="0"/>
+        <a:buChar char="•"/>
+        <a:defRPr sz="1800" kern="1200">
+          <a:solidFill>
+            <a:schemeClr val="tx1"/>
+          </a:solidFill>
+          <a:latin typeface="+mn-lt"/>
+          <a:ea typeface="+mn-ea"/>
+          <a:cs typeface="+mn-cs"/>
+        </a:defRPr>
+      </a:lvl9pPr>
+    </p:bodyStyle>
+    <p:otherStyle>
+      <a:defPPr>
+        <a:defRPr lang="de-DE"/>
+      </a:defPPr>
+      <a:lvl1pPr marL="0" algn="l" defTabSz="914400" rtl="0" eaLnBrk="1" latinLnBrk="0" hangingPunct="1">
+        <a:defRPr sz="1800" kern="1200">
+          <a:solidFill>
+            <a:schemeClr val="tx1"/>
+          </a:solidFill>
+          <a:latin typeface="+mn-lt"/>
+          <a:ea typeface="+mn-ea"/>
+          <a:cs typeface="+mn-cs"/>
+        </a:defRPr>
+      </a:lvl1pPr>
+      <a:lvl2pPr marL="457200" algn="l" defTabSz="914400" rtl="0" eaLnBrk="1" latinLnBrk="0" hangingPunct="1">
+        <a:defRPr sz="1800" kern="1200">
+          <a:solidFill>
+            <a:schemeClr val="tx1"/>
+          </a:solidFill>
+          <a:latin typeface="+mn-lt"/>
+          <a:ea typeface="+mn-ea"/>
+          <a:cs typeface="+mn-cs"/>
+        </a:defRPr>
+      </a:lvl2pPr>
+      <a:lvl3pPr marL="914400" algn="l" defTabSz="914400" rtl="0" eaLnBrk="1" latinLnBrk="0" hangingPunct="1">
+        <a:defRPr sz="1800" kern="1200">
+          <a:solidFill>
+            <a:schemeClr val="tx1"/>
+          </a:solidFill>
+          <a:latin typeface="+mn-lt"/>
+          <a:ea typeface="+mn-ea"/>
+          <a:cs typeface="+mn-cs"/>
+        </a:defRPr>
+      </a:lvl3pPr>
+      <a:lvl4pPr marL="1371600" algn="l" defTabSz="914400" rtl="0" eaLnBrk="1" latinLnBrk="0" hangingPunct="1">
+        <a:defRPr sz="1800" kern="1200">
+          <a:solidFill>
+            <a:schemeClr val="tx1"/>
+          </a:solidFill>
+          <a:latin typeface="+mn-lt"/>
+          <a:ea typeface="+mn-ea"/>
+          <a:cs typeface="+mn-cs"/>
+        </a:defRPr>
+      </a:lvl4pPr>
+      <a:lvl5pPr marL="1828800" algn="l" defTabSz="914400" rtl="0" eaLnBrk="1" latinLnBrk="0" hangingPunct="1">
+        <a:defRPr sz="1800" kern="1200">
+          <a:solidFill>
+            <a:schemeClr val="tx1"/>
+          </a:solidFill>
+          <a:latin typeface="+mn-lt"/>
+          <a:ea typeface="+mn-ea"/>
+          <a:cs typeface="+mn-cs"/>
+        </a:defRPr>
+      </a:lvl5pPr>
+      <a:lvl6pPr marL="2286000" algn="l" defTabSz="914400" rtl="0" eaLnBrk="1" latinLnBrk="0" hangingPunct="1">
+        <a:defRPr sz="1800" kern="1200">
+          <a:solidFill>
+            <a:schemeClr val="tx1"/>
+          </a:solidFill>
+          <a:latin typeface="+mn-lt"/>
+          <a:ea typeface="+mn-ea"/>
+          <a:cs typeface="+mn-cs"/>
+        </a:defRPr>
+      </a:lvl6pPr>
+      <a:lvl7pPr marL="2743200" algn="l" defTabSz="914400" rtl="0" eaLnBrk="1" latinLnBrk="0" hangingPunct="1">
+        <a:defRPr sz="1800" kern="1200">
+          <a:solidFill>
+            <a:schemeClr val="tx1"/>
+          </a:solidFill>
+          <a:latin typeface="+mn-lt"/>
+          <a:ea typeface="+mn-ea"/>
+          <a:cs typeface="+mn-cs"/>
+        </a:defRPr>
+      </a:lvl7pPr>
+      <a:lvl8pPr marL="3200400" algn="l" defTabSz="914400" rtl="0" eaLnBrk="1" latinLnBrk="0" hangingPunct="1">
+        <a:defRPr sz="1800" kern="1200">
+          <a:solidFill>
+            <a:schemeClr val="tx1"/>
+          </a:solidFill>
+          <a:latin typeface="+mn-lt"/>
+          <a:ea typeface="+mn-ea"/>
+          <a:cs typeface="+mn-cs"/>
+        </a:defRPr>
+      </a:lvl8pPr>
+      <a:lvl9pPr marL="3657600" algn="l" defTabSz="914400" rtl="0" eaLnBrk="1" latinLnBrk="0" hangingPunct="1">
+        <a:defRPr sz="1800" kern="1200">
+          <a:solidFill>
+            <a:schemeClr val="tx1"/>
+          </a:solidFill>
+          <a:latin typeface="+mn-lt"/>
+          <a:ea typeface="+mn-ea"/>
+          <a:cs typeface="+mn-cs"/>
+        </a:defRPr>
+      </a:lvl9pPr>
+    </p:otherStyle>
+  </p:txStyles>
 </p:sldMaster>
 </file>
 
 <file path=ppt/slides/slide1.xml><?xml version="1.0" encoding="utf-8"?>
-<p:sld xmlns:a="http://schemas.openxmlformats.org/drawingml/2006/main" xmlns:p="http://schemas.openxmlformats.org/presentationml/2006/main" xmlns:r="http://schemas.openxmlformats.org/officeDocument/2006/relationships" xmlns:p14="http://schemas.microsoft.com/office/powerpoint/2010/main" xmlns:p15="http://schemas.microsoft.com/office/powerpoint/2012/main" xmlns:mc="http://schemas.openxmlformats.org/markup-compatibility/2006">
+<p:sld xmlns:a="http://schemas.openxmlformats.org/drawingml/2006/main" xmlns:r="http://schemas.openxmlformats.org/officeDocument/2006/relationships" xmlns:p="http://schemas.openxmlformats.org/presentationml/2006/main">
   <p:cSld>
     <p:spTree>
       <p:nvGrpSpPr>
@@ -1659,6 +2085,7 @@
             <a:avLst/>
             <a:gdLst/>
             <a:ahLst/>
+            <a:cxnLst/>
             <a:rect l="l" t="t" r="r" b="b"/>
             <a:pathLst>
               <a:path w="21600" h="21600">
@@ -1682,7 +2109,7 @@
             </a:pathLst>
           </a:custGeom>
           <a:solidFill>
-            <a:srgbClr val="00ff00">
+            <a:srgbClr val="00FF00">
               <a:alpha val="64000"/>
             </a:srgbClr>
           </a:solidFill>
@@ -1691,15 +2118,22 @@
           </a:ln>
         </p:spPr>
         <p:style>
-          <a:lnRef idx="0"/>
-          <a:fillRef idx="0"/>
-          <a:effectRef idx="0"/>
+          <a:lnRef idx="0">
+            <a:scrgbClr r="0" g="0" b="0"/>
+          </a:lnRef>
+          <a:fillRef idx="0">
+            <a:scrgbClr r="0" g="0" b="0"/>
+          </a:fillRef>
+          <a:effectRef idx="0">
+            <a:scrgbClr r="0" g="0" b="0"/>
+          </a:effectRef>
           <a:fontRef idx="minor"/>
         </p:style>
         <p:txBody>
-          <a:bodyPr lIns="90000" rIns="90000" tIns="45000" bIns="45000" anchor="b">
+          <a:bodyPr lIns="90000" tIns="45000" rIns="90000" bIns="45000" anchor="b">
             <a:noAutofit/>
           </a:bodyPr>
+          <a:lstStyle/>
           <a:p>
             <a:pPr algn="ctr">
               <a:lnSpc>
@@ -1707,7 +2141,7 @@
               </a:lnSpc>
             </a:pPr>
             <a:r>
-              <a:rPr b="0" lang="en-US" sz="2000" spc="-1" strike="noStrike">
+              <a:rPr lang="en-US" sz="2000" b="0" strike="noStrike" spc="-1">
                 <a:solidFill>
                   <a:srgbClr val="000000"/>
                 </a:solidFill>
@@ -1716,7 +2150,7 @@
               </a:rPr>
               <a:t>Application</a:t>
             </a:r>
-            <a:endParaRPr b="0" lang="en-US" sz="2000" spc="-1" strike="noStrike">
+            <a:endParaRPr lang="en-US" sz="2000" b="0" strike="noStrike" spc="-1">
               <a:latin typeface="Arial"/>
             </a:endParaRPr>
           </a:p>
@@ -1737,6 +2171,7 @@
             <a:avLst/>
             <a:gdLst/>
             <a:ahLst/>
+            <a:cxnLst/>
             <a:rect l="l" t="t" r="r" b="b"/>
             <a:pathLst>
               <a:path w="21600" h="21600">
@@ -1760,22 +2195,29 @@
             </a:pathLst>
           </a:custGeom>
           <a:solidFill>
-            <a:srgbClr val="005b82"/>
+            <a:srgbClr val="005B82"/>
           </a:solidFill>
           <a:ln w="9360">
             <a:noFill/>
           </a:ln>
         </p:spPr>
         <p:style>
-          <a:lnRef idx="0"/>
-          <a:fillRef idx="0"/>
-          <a:effectRef idx="0"/>
+          <a:lnRef idx="0">
+            <a:scrgbClr r="0" g="0" b="0"/>
+          </a:lnRef>
+          <a:fillRef idx="0">
+            <a:scrgbClr r="0" g="0" b="0"/>
+          </a:fillRef>
+          <a:effectRef idx="0">
+            <a:scrgbClr r="0" g="0" b="0"/>
+          </a:effectRef>
           <a:fontRef idx="minor"/>
         </p:style>
         <p:txBody>
-          <a:bodyPr lIns="90000" rIns="90000" tIns="45000" bIns="45000" anchor="ctr">
+          <a:bodyPr lIns="90000" tIns="45000" rIns="90000" bIns="45000" anchor="ctr">
             <a:noAutofit/>
           </a:bodyPr>
+          <a:lstStyle/>
           <a:p>
             <a:pPr algn="ctr">
               <a:lnSpc>
@@ -1783,16 +2225,16 @@
               </a:lnSpc>
             </a:pPr>
             <a:r>
-              <a:rPr b="0" lang="en-US" sz="1800" spc="-1" strike="noStrike">
+              <a:rPr lang="en-US" sz="1800" b="0" strike="noStrike" spc="-1">
                 <a:solidFill>
-                  <a:srgbClr val="ffffff"/>
+                  <a:srgbClr val="FFFFFF"/>
                 </a:solidFill>
                 <a:latin typeface="Arial"/>
                 <a:ea typeface="Arial Unicode MS"/>
               </a:rPr>
               <a:t>Vampir</a:t>
             </a:r>
-            <a:endParaRPr b="0" lang="en-US" sz="1800" spc="-1" strike="noStrike">
+            <a:endParaRPr lang="en-US" sz="1800" b="0" strike="noStrike" spc="-1">
               <a:latin typeface="Arial"/>
             </a:endParaRPr>
           </a:p>
@@ -1813,6 +2255,7 @@
             <a:avLst/>
             <a:gdLst/>
             <a:ahLst/>
+            <a:cxnLst/>
             <a:rect l="l" t="t" r="r" b="b"/>
             <a:pathLst>
               <a:path w="21600" h="21600">
@@ -1836,22 +2279,29 @@
             </a:pathLst>
           </a:custGeom>
           <a:solidFill>
-            <a:srgbClr val="005b82"/>
+            <a:srgbClr val="005B82"/>
           </a:solidFill>
           <a:ln w="9360">
             <a:noFill/>
           </a:ln>
         </p:spPr>
         <p:style>
-          <a:lnRef idx="0"/>
-          <a:fillRef idx="0"/>
-          <a:effectRef idx="0"/>
+          <a:lnRef idx="0">
+            <a:scrgbClr r="0" g="0" b="0"/>
+          </a:lnRef>
+          <a:fillRef idx="0">
+            <a:scrgbClr r="0" g="0" b="0"/>
+          </a:fillRef>
+          <a:effectRef idx="0">
+            <a:scrgbClr r="0" g="0" b="0"/>
+          </a:effectRef>
           <a:fontRef idx="minor"/>
         </p:style>
         <p:txBody>
-          <a:bodyPr lIns="90000" rIns="90000" tIns="45000" bIns="45000" anchor="ctr">
+          <a:bodyPr lIns="90000" tIns="45000" rIns="90000" bIns="45000" anchor="ctr">
             <a:noAutofit/>
           </a:bodyPr>
+          <a:lstStyle/>
           <a:p>
             <a:pPr algn="ctr">
               <a:lnSpc>
@@ -1859,16 +2309,16 @@
               </a:lnSpc>
             </a:pPr>
             <a:r>
-              <a:rPr b="0" lang="en-US" sz="1800" spc="-1" strike="noStrike">
+              <a:rPr lang="en-US" sz="1800" b="0" strike="noStrike" spc="-1">
                 <a:solidFill>
-                  <a:srgbClr val="ffffff"/>
+                  <a:srgbClr val="FFFFFF"/>
                 </a:solidFill>
                 <a:latin typeface="Arial"/>
                 <a:ea typeface="Arial Unicode MS"/>
               </a:rPr>
               <a:t>Scalasca</a:t>
             </a:r>
-            <a:endParaRPr b="0" lang="en-US" sz="1800" spc="-1" strike="noStrike">
+            <a:endParaRPr lang="en-US" sz="1800" b="0" strike="noStrike" spc="-1">
               <a:latin typeface="Arial"/>
             </a:endParaRPr>
           </a:p>
@@ -1889,6 +2339,7 @@
             <a:avLst/>
             <a:gdLst/>
             <a:ahLst/>
+            <a:cxnLst/>
             <a:rect l="l" t="t" r="r" b="b"/>
             <a:pathLst>
               <a:path w="21600" h="21600">
@@ -1912,22 +2363,29 @@
             </a:pathLst>
           </a:custGeom>
           <a:solidFill>
-            <a:srgbClr val="005b82"/>
+            <a:srgbClr val="005B82"/>
           </a:solidFill>
           <a:ln w="9360">
             <a:noFill/>
           </a:ln>
         </p:spPr>
         <p:style>
-          <a:lnRef idx="0"/>
-          <a:fillRef idx="0"/>
-          <a:effectRef idx="0"/>
+          <a:lnRef idx="0">
+            <a:scrgbClr r="0" g="0" b="0"/>
+          </a:lnRef>
+          <a:fillRef idx="0">
+            <a:scrgbClr r="0" g="0" b="0"/>
+          </a:fillRef>
+          <a:effectRef idx="0">
+            <a:scrgbClr r="0" g="0" b="0"/>
+          </a:effectRef>
           <a:fontRef idx="minor"/>
         </p:style>
         <p:txBody>
-          <a:bodyPr lIns="90000" rIns="90000" tIns="45000" bIns="45000" anchor="ctr">
+          <a:bodyPr lIns="90000" tIns="45000" rIns="90000" bIns="45000" anchor="ctr">
             <a:noAutofit/>
           </a:bodyPr>
+          <a:lstStyle/>
           <a:p>
             <a:pPr algn="ctr">
               <a:lnSpc>
@@ -1935,16 +2393,16 @@
               </a:lnSpc>
             </a:pPr>
             <a:r>
-              <a:rPr b="0" lang="en-US" sz="1800" spc="-1" strike="noStrike">
+              <a:rPr lang="en-US" sz="1800" b="0" strike="noStrike" spc="-1">
                 <a:solidFill>
-                  <a:srgbClr val="ffffff"/>
+                  <a:srgbClr val="FFFFFF"/>
                 </a:solidFill>
                 <a:latin typeface="Arial"/>
                 <a:ea typeface="Arial Unicode MS"/>
               </a:rPr>
               <a:t>TAU</a:t>
             </a:r>
-            <a:endParaRPr b="0" lang="en-US" sz="1800" spc="-1" strike="noStrike">
+            <a:endParaRPr lang="en-US" sz="1800" b="0" strike="noStrike" spc="-1">
               <a:latin typeface="Arial"/>
             </a:endParaRPr>
           </a:p>
@@ -1965,6 +2423,7 @@
             <a:avLst/>
             <a:gdLst/>
             <a:ahLst/>
+            <a:cxnLst/>
             <a:rect l="l" t="t" r="r" b="b"/>
             <a:pathLst>
               <a:path w="1374" h="1608">
@@ -1996,16 +2455,22 @@
             </a:pathLst>
           </a:custGeom>
           <a:solidFill>
-            <a:srgbClr val="dce6f2"/>
+            <a:srgbClr val="DCE6F2"/>
           </a:solidFill>
           <a:ln w="9360">
             <a:noFill/>
           </a:ln>
         </p:spPr>
         <p:style>
-          <a:lnRef idx="0"/>
-          <a:fillRef idx="0"/>
-          <a:effectRef idx="0"/>
+          <a:lnRef idx="0">
+            <a:scrgbClr r="0" g="0" b="0"/>
+          </a:lnRef>
+          <a:fillRef idx="0">
+            <a:scrgbClr r="0" g="0" b="0"/>
+          </a:fillRef>
+          <a:effectRef idx="0">
+            <a:scrgbClr r="0" g="0" b="0"/>
+          </a:effectRef>
           <a:fontRef idx="minor"/>
         </p:style>
       </p:sp>
@@ -2024,6 +2489,7 @@
             <a:avLst/>
             <a:gdLst/>
             <a:ahLst/>
+            <a:cxnLst/>
             <a:rect l="l" t="t" r="r" b="b"/>
             <a:pathLst>
               <a:path w="1378" h="1608">
@@ -2055,16 +2521,22 @@
             </a:pathLst>
           </a:custGeom>
           <a:solidFill>
-            <a:srgbClr val="dce6f2"/>
+            <a:srgbClr val="DCE6F2"/>
           </a:solidFill>
           <a:ln w="9360">
             <a:noFill/>
           </a:ln>
         </p:spPr>
         <p:style>
-          <a:lnRef idx="0"/>
-          <a:fillRef idx="0"/>
-          <a:effectRef idx="0"/>
+          <a:lnRef idx="0">
+            <a:scrgbClr r="0" g="0" b="0"/>
+          </a:lnRef>
+          <a:fillRef idx="0">
+            <a:scrgbClr r="0" g="0" b="0"/>
+          </a:fillRef>
+          <a:effectRef idx="0">
+            <a:scrgbClr r="0" g="0" b="0"/>
+          </a:effectRef>
           <a:fontRef idx="minor"/>
         </p:style>
       </p:sp>
@@ -2083,6 +2555,7 @@
             <a:avLst/>
             <a:gdLst/>
             <a:ahLst/>
+            <a:cxnLst/>
             <a:rect l="l" t="t" r="r" b="b"/>
             <a:pathLst>
               <a:path w="1378" h="1608">
@@ -2114,16 +2587,22 @@
             </a:pathLst>
           </a:custGeom>
           <a:solidFill>
-            <a:srgbClr val="558ed5"/>
+            <a:srgbClr val="558ED5"/>
           </a:solidFill>
           <a:ln w="9360">
             <a:noFill/>
           </a:ln>
         </p:spPr>
         <p:style>
-          <a:lnRef idx="0"/>
-          <a:fillRef idx="0"/>
-          <a:effectRef idx="0"/>
+          <a:lnRef idx="0">
+            <a:scrgbClr r="0" g="0" b="0"/>
+          </a:lnRef>
+          <a:fillRef idx="0">
+            <a:scrgbClr r="0" g="0" b="0"/>
+          </a:fillRef>
+          <a:effectRef idx="0">
+            <a:scrgbClr r="0" g="0" b="0"/>
+          </a:effectRef>
           <a:fontRef idx="minor"/>
         </p:style>
       </p:sp>
@@ -2142,6 +2621,7 @@
             <a:avLst/>
             <a:gdLst/>
             <a:ahLst/>
+            <a:cxnLst/>
             <a:rect l="l" t="t" r="r" b="b"/>
             <a:pathLst>
               <a:path w="1374" h="1608">
@@ -2173,16 +2653,22 @@
             </a:pathLst>
           </a:custGeom>
           <a:solidFill>
-            <a:srgbClr val="558ed5"/>
+            <a:srgbClr val="558ED5"/>
           </a:solidFill>
           <a:ln w="9360">
             <a:noFill/>
           </a:ln>
         </p:spPr>
         <p:style>
-          <a:lnRef idx="0"/>
-          <a:fillRef idx="0"/>
-          <a:effectRef idx="0"/>
+          <a:lnRef idx="0">
+            <a:scrgbClr r="0" g="0" b="0"/>
+          </a:lnRef>
+          <a:fillRef idx="0">
+            <a:scrgbClr r="0" g="0" b="0"/>
+          </a:fillRef>
+          <a:effectRef idx="0">
+            <a:scrgbClr r="0" g="0" b="0"/>
+          </a:effectRef>
           <a:fontRef idx="minor"/>
         </p:style>
       </p:sp>
@@ -2201,6 +2687,7 @@
             <a:avLst/>
             <a:gdLst/>
             <a:ahLst/>
+            <a:cxnLst/>
             <a:rect l="l" t="t" r="r" b="b"/>
             <a:pathLst>
               <a:path w="1075" h="2812">
@@ -2234,10 +2721,10 @@
           <a:gradFill rotWithShape="0">
             <a:gsLst>
               <a:gs pos="0">
-                <a:srgbClr val="5e437f"/>
+                <a:srgbClr val="5E437F"/>
               </a:gs>
               <a:gs pos="100000">
-                <a:srgbClr val="7b57a7"/>
+                <a:srgbClr val="7B57A7"/>
               </a:gs>
             </a:gsLst>
             <a:lin ang="16200000"/>
@@ -2247,9 +2734,15 @@
           </a:ln>
         </p:spPr>
         <p:style>
-          <a:lnRef idx="0"/>
-          <a:fillRef idx="0"/>
-          <a:effectRef idx="0"/>
+          <a:lnRef idx="0">
+            <a:scrgbClr r="0" g="0" b="0"/>
+          </a:lnRef>
+          <a:fillRef idx="0">
+            <a:scrgbClr r="0" g="0" b="0"/>
+          </a:fillRef>
+          <a:effectRef idx="0">
+            <a:scrgbClr r="0" g="0" b="0"/>
+          </a:effectRef>
           <a:fontRef idx="minor"/>
         </p:style>
       </p:sp>
@@ -2268,6 +2761,7 @@
             <a:avLst/>
             <a:gdLst/>
             <a:ahLst/>
+            <a:cxnLst/>
             <a:rect l="l" t="t" r="r" b="b"/>
             <a:pathLst>
               <a:path w="1075" h="2812">
@@ -2301,10 +2795,10 @@
           <a:gradFill rotWithShape="0">
             <a:gsLst>
               <a:gs pos="0">
-                <a:srgbClr val="5e437f"/>
+                <a:srgbClr val="5E437F"/>
               </a:gs>
               <a:gs pos="100000">
-                <a:srgbClr val="7b57a7"/>
+                <a:srgbClr val="7B57A7"/>
               </a:gs>
             </a:gsLst>
             <a:lin ang="16200000"/>
@@ -2314,9 +2808,15 @@
           </a:ln>
         </p:spPr>
         <p:style>
-          <a:lnRef idx="0"/>
-          <a:fillRef idx="0"/>
-          <a:effectRef idx="0"/>
+          <a:lnRef idx="0">
+            <a:scrgbClr r="0" g="0" b="0"/>
+          </a:lnRef>
+          <a:fillRef idx="0">
+            <a:scrgbClr r="0" g="0" b="0"/>
+          </a:fillRef>
+          <a:effectRef idx="0">
+            <a:scrgbClr r="0" g="0" b="0"/>
+          </a:effectRef>
           <a:fontRef idx="minor"/>
         </p:style>
       </p:sp>
@@ -2335,6 +2835,7 @@
             <a:avLst/>
             <a:gdLst/>
             <a:ahLst/>
+            <a:cxnLst/>
             <a:rect l="l" t="t" r="r" b="b"/>
             <a:pathLst>
               <a:path w="21600" h="21600">
@@ -2365,15 +2866,22 @@
           </a:ln>
         </p:spPr>
         <p:style>
-          <a:lnRef idx="0"/>
-          <a:fillRef idx="0"/>
-          <a:effectRef idx="0"/>
+          <a:lnRef idx="0">
+            <a:scrgbClr r="0" g="0" b="0"/>
+          </a:lnRef>
+          <a:fillRef idx="0">
+            <a:scrgbClr r="0" g="0" b="0"/>
+          </a:fillRef>
+          <a:effectRef idx="0">
+            <a:scrgbClr r="0" g="0" b="0"/>
+          </a:effectRef>
           <a:fontRef idx="minor"/>
         </p:style>
         <p:txBody>
-          <a:bodyPr lIns="90000" rIns="90000" tIns="45000" bIns="45000" anchor="ctr">
+          <a:bodyPr lIns="90000" tIns="45000" rIns="90000" bIns="45000" anchor="ctr">
             <a:noAutofit/>
           </a:bodyPr>
+          <a:lstStyle/>
           <a:p>
             <a:pPr algn="ctr">
               <a:lnSpc>
@@ -2381,27 +2889,103 @@
               </a:lnSpc>
             </a:pPr>
             <a:r>
-              <a:rPr b="0" lang="en-US" sz="1100" spc="-1" strike="noStrike">
+              <a:rPr lang="en-US" sz="1100" b="0" strike="noStrike" spc="-1" dirty="0">
                 <a:solidFill>
-                  <a:srgbClr val="ffffff"/>
+                  <a:srgbClr val="FFFFFF"/>
                 </a:solidFill>
                 <a:latin typeface="Arial"/>
                 <a:ea typeface="Arial Unicode MS"/>
               </a:rPr>
               <a:t>Accelerator-based parallelism</a:t>
             </a:r>
-            <a:br/>
             <a:r>
-              <a:rPr b="0" lang="en-US" sz="1100" spc="-1" strike="noStrike">
+              <a:rPr dirty="0"/>
+              <a:t/>
+            </a:r>
+            <a:br>
+              <a:rPr dirty="0"/>
+            </a:br>
+            <a:r>
+              <a:rPr lang="en-US" sz="900" b="0" strike="noStrike" spc="-1" dirty="0">
                 <a:solidFill>
-                  <a:srgbClr val="ffffff"/>
+                  <a:srgbClr val="FFFFFF"/>
                 </a:solidFill>
                 <a:latin typeface="Arial"/>
                 <a:ea typeface="Arial Unicode MS"/>
               </a:rPr>
-              <a:t>(CUDA, OpenACC, OpenCL, Kokkos)</a:t>
+              <a:t>(CUDA, </a:t>
             </a:r>
-            <a:endParaRPr b="0" lang="en-US" sz="1100" spc="-1" strike="noStrike">
+            <a:r>
+              <a:rPr lang="en-US" sz="900" b="0" strike="noStrike" spc="-1" dirty="0" smtClean="0">
+                <a:solidFill>
+                  <a:srgbClr val="FFFFFF"/>
+                </a:solidFill>
+                <a:latin typeface="Arial"/>
+                <a:ea typeface="Arial Unicode MS"/>
+              </a:rPr>
+              <a:t>HIP, </a:t>
+            </a:r>
+            <a:r>
+              <a:rPr lang="en-US" sz="900" b="0" strike="noStrike" spc="-1" dirty="0" err="1" smtClean="0">
+                <a:solidFill>
+                  <a:srgbClr val="FFFFFF"/>
+                </a:solidFill>
+                <a:latin typeface="Arial"/>
+                <a:ea typeface="Arial Unicode MS"/>
+              </a:rPr>
+              <a:t>OpenACC</a:t>
+            </a:r>
+            <a:r>
+              <a:rPr lang="en-US" sz="900" b="0" strike="noStrike" spc="-1" dirty="0">
+                <a:solidFill>
+                  <a:srgbClr val="FFFFFF"/>
+                </a:solidFill>
+                <a:latin typeface="Arial"/>
+                <a:ea typeface="Arial Unicode MS"/>
+              </a:rPr>
+              <a:t>, </a:t>
+            </a:r>
+            <a:r>
+              <a:rPr lang="en-US" sz="900" b="0" strike="noStrike" spc="-1" dirty="0" err="1">
+                <a:solidFill>
+                  <a:srgbClr val="FFFFFF"/>
+                </a:solidFill>
+                <a:latin typeface="Arial"/>
+                <a:ea typeface="Arial Unicode MS"/>
+              </a:rPr>
+              <a:t>OpenCL</a:t>
+            </a:r>
+            <a:r>
+              <a:rPr lang="en-US" sz="900" b="0" strike="noStrike" spc="-1" dirty="0">
+                <a:solidFill>
+                  <a:srgbClr val="FFFFFF"/>
+                </a:solidFill>
+                <a:latin typeface="Arial"/>
+                <a:ea typeface="Arial Unicode MS"/>
+              </a:rPr>
+              <a:t>, </a:t>
+            </a:r>
+            <a:r>
+              <a:rPr lang="en-US" sz="900" b="0" strike="noStrike" spc="-1" dirty="0" err="1">
+                <a:solidFill>
+                  <a:srgbClr val="FFFFFF"/>
+                </a:solidFill>
+                <a:latin typeface="Arial"/>
+                <a:ea typeface="Arial Unicode MS"/>
+              </a:rPr>
+              <a:t>Kokkos</a:t>
+            </a:r>
+            <a:r>
+              <a:rPr lang="en-US" sz="900" b="0" strike="noStrike" spc="-1" dirty="0">
+                <a:solidFill>
+                  <a:srgbClr val="FFFFFF"/>
+                </a:solidFill>
+                <a:latin typeface="Arial"/>
+                <a:ea typeface="Arial Unicode MS"/>
+              </a:rPr>
+              <a:t>)</a:t>
+            </a:r>
+            <a:endParaRPr lang="en-US" sz="1100" b="0" strike="noStrike" spc="-1" dirty="0">
               <a:latin typeface="Arial"/>
             </a:endParaRPr>
           </a:p>
@@ -2422,6 +3006,7 @@
             <a:avLst/>
             <a:gdLst/>
             <a:ahLst/>
+            <a:cxnLst/>
             <a:rect l="l" t="t" r="r" b="b"/>
             <a:pathLst>
               <a:path w="21600" h="21600">
@@ -2445,22 +3030,29 @@
             </a:pathLst>
           </a:custGeom>
           <a:solidFill>
-            <a:srgbClr val="b9cde5"/>
+            <a:srgbClr val="B9CDE5"/>
           </a:solidFill>
           <a:ln>
             <a:noFill/>
           </a:ln>
         </p:spPr>
         <p:style>
-          <a:lnRef idx="0"/>
-          <a:fillRef idx="0"/>
-          <a:effectRef idx="0"/>
+          <a:lnRef idx="0">
+            <a:scrgbClr r="0" g="0" b="0"/>
+          </a:lnRef>
+          <a:fillRef idx="0">
+            <a:scrgbClr r="0" g="0" b="0"/>
+          </a:fillRef>
+          <a:effectRef idx="0">
+            <a:scrgbClr r="0" g="0" b="0"/>
+          </a:effectRef>
           <a:fontRef idx="minor"/>
         </p:style>
         <p:txBody>
-          <a:bodyPr lIns="90000" rIns="90000" tIns="45000" bIns="45000" anchor="ctr">
+          <a:bodyPr lIns="90000" tIns="45000" rIns="90000" bIns="45000" anchor="ctr">
             <a:noAutofit/>
           </a:bodyPr>
+          <a:lstStyle/>
           <a:p>
             <a:pPr algn="ctr">
               <a:lnSpc>
@@ -2468,102 +3060,139 @@
               </a:lnSpc>
             </a:pPr>
             <a:r>
-              <a:rPr b="0" lang="en-US" sz="1900" spc="-1" strike="noStrike">
+              <a:rPr lang="en-US" sz="1900" b="0" strike="noStrike" spc="-1">
                 <a:solidFill>
                   <a:srgbClr val="000000"/>
                 </a:solidFill>
                 <a:latin typeface="Arial"/>
                 <a:ea typeface="Arial Unicode MS"/>
               </a:rPr>
-              <a:t>                       </a:t>
+              <a:t>                       Score-P measurement infrastructure</a:t>
             </a:r>
+            <a:endParaRPr lang="en-US" sz="1900" b="0" strike="noStrike" spc="-1">
+              <a:latin typeface="Arial"/>
+            </a:endParaRPr>
+          </a:p>
+        </p:txBody>
+      </p:sp>
+      <p:sp>
+        <p:nvSpPr>
+          <p:cNvPr id="50" name="CustomShape 13"/>
+          <p:cNvSpPr/>
+          <p:nvPr/>
+        </p:nvSpPr>
+        <p:spPr>
+          <a:xfrm>
+            <a:off x="78480" y="1914840"/>
+            <a:ext cx="2736000" cy="577440"/>
+          </a:xfrm>
+          <a:custGeom>
+            <a:avLst/>
+            <a:gdLst/>
+            <a:ahLst/>
+            <a:cxnLst/>
+            <a:rect l="l" t="t" r="r" b="b"/>
+            <a:pathLst>
+              <a:path w="21600" h="21600">
+                <a:moveTo>
+                  <a:pt x="0" y="0"/>
+                </a:moveTo>
+                <a:lnTo>
+                  <a:pt x="21600" y="0"/>
+                </a:lnTo>
+                <a:lnTo>
+                  <a:pt x="21600" y="21600"/>
+                </a:lnTo>
+                <a:lnTo>
+                  <a:pt x="0" y="21600"/>
+                </a:lnTo>
+                <a:lnTo>
+                  <a:pt x="0" y="0"/>
+                </a:lnTo>
+                <a:close/>
+              </a:path>
+            </a:pathLst>
+          </a:custGeom>
+          <a:solidFill>
+            <a:srgbClr val="DCE6F2"/>
+          </a:solidFill>
+          <a:ln w="9360">
+            <a:noFill/>
+          </a:ln>
+        </p:spPr>
+        <p:style>
+          <a:lnRef idx="0">
+            <a:scrgbClr r="0" g="0" b="0"/>
+          </a:lnRef>
+          <a:fillRef idx="0">
+            <a:scrgbClr r="0" g="0" b="0"/>
+          </a:fillRef>
+          <a:effectRef idx="0">
+            <a:scrgbClr r="0" g="0" b="0"/>
+          </a:effectRef>
+          <a:fontRef idx="minor"/>
+        </p:style>
+        <p:txBody>
+          <a:bodyPr lIns="90000" tIns="45000" rIns="90000" bIns="45000" anchor="ctr">
+            <a:noAutofit/>
+          </a:bodyPr>
+          <a:lstStyle/>
+          <a:p>
+            <a:pPr algn="ctr">
+              <a:lnSpc>
+                <a:spcPct val="100000"/>
+              </a:lnSpc>
+            </a:pPr>
             <a:r>
-              <a:rPr b="0" lang="en-US" sz="1900" spc="-1" strike="noStrike">
+              <a:rPr lang="en-US" sz="1600" b="0" strike="noStrike" spc="-1" dirty="0">
                 <a:solidFill>
                   <a:srgbClr val="000000"/>
                 </a:solidFill>
                 <a:latin typeface="Arial"/>
                 <a:ea typeface="Arial Unicode MS"/>
               </a:rPr>
-              <a:t>Score-P measurement infrastructure</a:t>
+              <a:t>Event </a:t>
             </a:r>
-            <a:endParaRPr b="0" lang="en-US" sz="1900" spc="-1" strike="noStrike">
-              <a:latin typeface="Arial"/>
-            </a:endParaRPr>
-          </a:p>
-        </p:txBody>
-      </p:sp>
-      <p:sp>
-        <p:nvSpPr>
-          <p:cNvPr id="50" name="CustomShape 13"/>
-          <p:cNvSpPr/>
-          <p:nvPr/>
-        </p:nvSpPr>
-        <p:spPr>
-          <a:xfrm>
-            <a:off x="78480" y="1914840"/>
-            <a:ext cx="2736000" cy="577440"/>
-          </a:xfrm>
-          <a:custGeom>
-            <a:avLst/>
-            <a:gdLst/>
-            <a:ahLst/>
-            <a:rect l="l" t="t" r="r" b="b"/>
-            <a:pathLst>
-              <a:path w="21600" h="21600">
-                <a:moveTo>
-                  <a:pt x="0" y="0"/>
-                </a:moveTo>
-                <a:lnTo>
-                  <a:pt x="21600" y="0"/>
-                </a:lnTo>
-                <a:lnTo>
-                  <a:pt x="21600" y="21600"/>
-                </a:lnTo>
-                <a:lnTo>
-                  <a:pt x="0" y="21600"/>
-                </a:lnTo>
-                <a:lnTo>
-                  <a:pt x="0" y="0"/>
-                </a:lnTo>
-                <a:close/>
-              </a:path>
-            </a:pathLst>
-          </a:custGeom>
-          <a:solidFill>
-            <a:srgbClr val="dce6f2"/>
-          </a:solidFill>
-          <a:ln w="9360">
-            <a:noFill/>
-          </a:ln>
-        </p:spPr>
-        <p:style>
-          <a:lnRef idx="0"/>
-          <a:fillRef idx="0"/>
-          <a:effectRef idx="0"/>
-          <a:fontRef idx="minor"/>
-        </p:style>
-        <p:txBody>
-          <a:bodyPr lIns="90000" rIns="90000" tIns="45000" bIns="45000" anchor="ctr">
-            <a:noAutofit/>
-          </a:bodyPr>
-          <a:p>
-            <a:pPr algn="ctr">
-              <a:lnSpc>
-                <a:spcPct val="100000"/>
-              </a:lnSpc>
-            </a:pPr>
             <a:r>
-              <a:rPr b="0" lang="en-US" sz="1600" spc="-1" strike="noStrike">
+              <a:rPr lang="en-US" sz="1600" b="0" strike="noStrike" spc="-1" dirty="0" smtClean="0">
                 <a:solidFill>
                   <a:srgbClr val="000000"/>
                 </a:solidFill>
                 <a:latin typeface="Arial"/>
                 <a:ea typeface="Arial Unicode MS"/>
               </a:rPr>
-              <a:t>Event traces (OTF2)</a:t>
+              <a:t>traces</a:t>
             </a:r>
-            <a:endParaRPr b="0" lang="en-US" sz="1600" spc="-1" strike="noStrike">
+            <a:br>
+              <a:rPr lang="en-US" sz="1600" b="0" strike="noStrike" spc="-1" dirty="0" smtClean="0">
+                <a:solidFill>
+                  <a:srgbClr val="000000"/>
+                </a:solidFill>
+                <a:latin typeface="Arial"/>
+                <a:ea typeface="Arial Unicode MS"/>
+              </a:rPr>
+            </a:br>
+            <a:r>
+              <a:rPr lang="en-US" sz="1600" b="0" strike="noStrike" spc="-1" dirty="0" smtClean="0">
+                <a:solidFill>
+                  <a:srgbClr val="000000"/>
+                </a:solidFill>
+                <a:latin typeface="Arial"/>
+                <a:ea typeface="Arial Unicode MS"/>
+              </a:rPr>
+              <a:t> (</a:t>
+            </a:r>
+            <a:r>
+              <a:rPr lang="en-US" sz="1600" b="0" strike="noStrike" spc="-1" dirty="0">
+                <a:solidFill>
+                  <a:srgbClr val="000000"/>
+                </a:solidFill>
+                <a:latin typeface="Arial"/>
+                <a:ea typeface="Arial Unicode MS"/>
+              </a:rPr>
+              <a:t>OTF2)</a:t>
+            </a:r>
+            <a:endParaRPr lang="en-US" sz="1600" b="0" strike="noStrike" spc="-1" dirty="0">
               <a:latin typeface="Arial"/>
             </a:endParaRPr>
           </a:p>
@@ -2584,6 +3213,7 @@
             <a:avLst/>
             <a:gdLst/>
             <a:ahLst/>
+            <a:cxnLst/>
             <a:rect l="l" t="t" r="r" b="b"/>
             <a:pathLst>
               <a:path w="21600" h="21600">
@@ -2614,15 +3244,22 @@
           </a:ln>
         </p:spPr>
         <p:style>
-          <a:lnRef idx="0"/>
-          <a:fillRef idx="0"/>
-          <a:effectRef idx="0"/>
+          <a:lnRef idx="0">
+            <a:scrgbClr r="0" g="0" b="0"/>
+          </a:lnRef>
+          <a:fillRef idx="0">
+            <a:scrgbClr r="0" g="0" b="0"/>
+          </a:fillRef>
+          <a:effectRef idx="0">
+            <a:scrgbClr r="0" g="0" b="0"/>
+          </a:effectRef>
           <a:fontRef idx="minor"/>
         </p:style>
         <p:txBody>
-          <a:bodyPr lIns="90000" rIns="90000" tIns="45000" bIns="45000" anchor="ctr">
+          <a:bodyPr lIns="90000" tIns="45000" rIns="90000" bIns="45000" anchor="ctr">
             <a:noAutofit/>
           </a:bodyPr>
+          <a:lstStyle/>
           <a:p>
             <a:pPr algn="ctr">
               <a:lnSpc>
@@ -2630,16 +3267,16 @@
               </a:lnSpc>
             </a:pPr>
             <a:r>
-              <a:rPr b="0" lang="en-US" sz="1100" spc="-1" strike="noStrike">
+              <a:rPr lang="en-US" sz="1100" b="0" strike="noStrike" spc="-1">
                 <a:solidFill>
-                  <a:srgbClr val="ffffff"/>
+                  <a:srgbClr val="FFFFFF"/>
                 </a:solidFill>
                 <a:latin typeface="Arial"/>
                 <a:ea typeface="Arial Unicode MS"/>
               </a:rPr>
               <a:t>Sampling</a:t>
             </a:r>
-            <a:endParaRPr b="0" lang="en-US" sz="1100" spc="-1" strike="noStrike">
+            <a:endParaRPr lang="en-US" sz="1100" b="0" strike="noStrike" spc="-1">
               <a:latin typeface="Arial"/>
             </a:endParaRPr>
           </a:p>
@@ -2650,16 +3287,16 @@
               </a:lnSpc>
             </a:pPr>
             <a:r>
-              <a:rPr b="0" lang="en-US" sz="1100" spc="-1" strike="noStrike">
+              <a:rPr lang="en-US" sz="1100" b="0" strike="noStrike" spc="-1">
                 <a:solidFill>
-                  <a:srgbClr val="ffffff"/>
+                  <a:srgbClr val="FFFFFF"/>
                 </a:solidFill>
                 <a:latin typeface="Arial"/>
                 <a:ea typeface="Arial Unicode MS"/>
               </a:rPr>
               <a:t>interrupts</a:t>
             </a:r>
-            <a:endParaRPr b="0" lang="en-US" sz="1100" spc="-1" strike="noStrike">
+            <a:endParaRPr lang="en-US" sz="1100" b="0" strike="noStrike" spc="-1">
               <a:latin typeface="Arial"/>
             </a:endParaRPr>
           </a:p>
@@ -2670,16 +3307,16 @@
               </a:lnSpc>
             </a:pPr>
             <a:r>
-              <a:rPr b="0" lang="en-US" sz="1100" spc="-1" strike="noStrike">
+              <a:rPr lang="en-US" sz="1100" b="0" strike="noStrike" spc="-1">
                 <a:solidFill>
-                  <a:srgbClr val="ffffff"/>
+                  <a:srgbClr val="FFFFFF"/>
                 </a:solidFill>
                 <a:latin typeface="Arial"/>
                 <a:ea typeface="Arial Unicode MS"/>
               </a:rPr>
               <a:t>(PAPI, PERF)</a:t>
             </a:r>
-            <a:endParaRPr b="0" lang="en-US" sz="1100" spc="-1" strike="noStrike">
+            <a:endParaRPr lang="en-US" sz="1100" b="0" strike="noStrike" spc="-1">
               <a:latin typeface="Arial"/>
             </a:endParaRPr>
           </a:p>
@@ -2700,6 +3337,7 @@
             <a:avLst/>
             <a:gdLst/>
             <a:ahLst/>
+            <a:cxnLst/>
             <a:rect l="l" t="t" r="r" b="b"/>
             <a:pathLst>
               <a:path w="21600" h="21600">
@@ -2723,22 +3361,29 @@
             </a:pathLst>
           </a:custGeom>
           <a:solidFill>
-            <a:srgbClr val="558ed5"/>
+            <a:srgbClr val="558ED5"/>
           </a:solidFill>
           <a:ln w="9360">
             <a:noFill/>
           </a:ln>
         </p:spPr>
         <p:style>
-          <a:lnRef idx="0"/>
-          <a:fillRef idx="0"/>
-          <a:effectRef idx="0"/>
+          <a:lnRef idx="0">
+            <a:scrgbClr r="0" g="0" b="0"/>
+          </a:lnRef>
+          <a:fillRef idx="0">
+            <a:scrgbClr r="0" g="0" b="0"/>
+          </a:fillRef>
+          <a:effectRef idx="0">
+            <a:scrgbClr r="0" g="0" b="0"/>
+          </a:effectRef>
           <a:fontRef idx="minor"/>
         </p:style>
         <p:txBody>
-          <a:bodyPr lIns="90000" rIns="90000" tIns="45000" bIns="45000" anchor="ctr">
+          <a:bodyPr lIns="90000" tIns="45000" rIns="90000" bIns="45000" anchor="ctr">
             <a:noAutofit/>
           </a:bodyPr>
+          <a:lstStyle/>
           <a:p>
             <a:pPr algn="ctr">
               <a:lnSpc>
@@ -2746,27 +3391,33 @@
               </a:lnSpc>
             </a:pPr>
             <a:r>
-              <a:rPr b="0" lang="en-US" sz="1600" spc="-1" strike="noStrike">
+              <a:rPr lang="en-US" sz="1600" b="0" strike="noStrike" spc="-1" dirty="0">
                 <a:solidFill>
-                  <a:srgbClr val="ffffff"/>
+                  <a:srgbClr val="FFFFFF"/>
                 </a:solidFill>
                 <a:latin typeface="Arial"/>
                 <a:ea typeface="Arial Unicode MS"/>
               </a:rPr>
               <a:t>Call-path profiles</a:t>
             </a:r>
-            <a:br/>
             <a:r>
-              <a:rPr b="0" lang="en-US" sz="1600" spc="-1" strike="noStrike">
+              <a:rPr dirty="0"/>
+              <a:t/>
+            </a:r>
+            <a:br>
+              <a:rPr dirty="0"/>
+            </a:br>
+            <a:r>
+              <a:rPr lang="en-US" sz="1600" b="0" strike="noStrike" spc="-1" dirty="0">
                 <a:solidFill>
-                  <a:srgbClr val="ffffff"/>
+                  <a:srgbClr val="FFFFFF"/>
                 </a:solidFill>
                 <a:latin typeface="Arial"/>
                 <a:ea typeface="Arial Unicode MS"/>
               </a:rPr>
               <a:t>(CUBE4, TAU)</a:t>
             </a:r>
-            <a:endParaRPr b="0" lang="en-US" sz="1600" spc="-1" strike="noStrike">
+            <a:endParaRPr lang="en-US" sz="1600" b="0" strike="noStrike" spc="-1" dirty="0">
               <a:latin typeface="Arial"/>
             </a:endParaRPr>
           </a:p>
@@ -2787,6 +3438,7 @@
             <a:avLst/>
             <a:gdLst/>
             <a:ahLst/>
+            <a:cxnLst/>
             <a:rect l="l" t="t" r="r" b="b"/>
             <a:pathLst>
               <a:path w="1374" h="1431">
@@ -2818,16 +3470,22 @@
             </a:pathLst>
           </a:custGeom>
           <a:solidFill>
-            <a:srgbClr val="dce6f2"/>
+            <a:srgbClr val="DCE6F2"/>
           </a:solidFill>
           <a:ln w="9360">
             <a:noFill/>
           </a:ln>
         </p:spPr>
         <p:style>
-          <a:lnRef idx="0"/>
-          <a:fillRef idx="0"/>
-          <a:effectRef idx="0"/>
+          <a:lnRef idx="0">
+            <a:scrgbClr r="0" g="0" b="0"/>
+          </a:lnRef>
+          <a:fillRef idx="0">
+            <a:scrgbClr r="0" g="0" b="0"/>
+          </a:fillRef>
+          <a:effectRef idx="0">
+            <a:scrgbClr r="0" g="0" b="0"/>
+          </a:effectRef>
           <a:fontRef idx="minor"/>
         </p:style>
       </p:sp>
@@ -2846,6 +3504,7 @@
             <a:avLst/>
             <a:gdLst/>
             <a:ahLst/>
+            <a:cxnLst/>
             <a:rect l="l" t="t" r="r" b="b"/>
             <a:pathLst>
               <a:path w="1369" h="1431">
@@ -2877,16 +3536,22 @@
             </a:pathLst>
           </a:custGeom>
           <a:solidFill>
-            <a:srgbClr val="558ed5"/>
+            <a:srgbClr val="558ED5"/>
           </a:solidFill>
           <a:ln w="9360">
             <a:noFill/>
           </a:ln>
         </p:spPr>
         <p:style>
-          <a:lnRef idx="0"/>
-          <a:fillRef idx="0"/>
-          <a:effectRef idx="0"/>
+          <a:lnRef idx="0">
+            <a:scrgbClr r="0" g="0" b="0"/>
+          </a:lnRef>
+          <a:fillRef idx="0">
+            <a:scrgbClr r="0" g="0" b="0"/>
+          </a:fillRef>
+          <a:effectRef idx="0">
+            <a:scrgbClr r="0" g="0" b="0"/>
+          </a:effectRef>
           <a:fontRef idx="minor"/>
         </p:style>
       </p:sp>
@@ -2905,6 +3570,7 @@
             <a:avLst/>
             <a:gdLst/>
             <a:ahLst/>
+            <a:cxnLst/>
             <a:rect l="l" t="t" r="r" b="b"/>
             <a:pathLst>
               <a:path w="1075" h="2821">
@@ -2938,10 +3604,10 @@
           <a:gradFill rotWithShape="0">
             <a:gsLst>
               <a:gs pos="0">
-                <a:srgbClr val="5e437f"/>
+                <a:srgbClr val="5E437F"/>
               </a:gs>
               <a:gs pos="100000">
-                <a:srgbClr val="7b57a7"/>
+                <a:srgbClr val="7B57A7"/>
               </a:gs>
             </a:gsLst>
             <a:lin ang="16200000"/>
@@ -2951,9 +3617,15 @@
           </a:ln>
         </p:spPr>
         <p:style>
-          <a:lnRef idx="0"/>
-          <a:fillRef idx="0"/>
-          <a:effectRef idx="0"/>
+          <a:lnRef idx="0">
+            <a:scrgbClr r="0" g="0" b="0"/>
+          </a:lnRef>
+          <a:fillRef idx="0">
+            <a:scrgbClr r="0" g="0" b="0"/>
+          </a:fillRef>
+          <a:effectRef idx="0">
+            <a:scrgbClr r="0" g="0" b="0"/>
+          </a:effectRef>
           <a:fontRef idx="minor"/>
         </p:style>
       </p:sp>
@@ -2972,6 +3644,7 @@
             <a:avLst/>
             <a:gdLst/>
             <a:ahLst/>
+            <a:cxnLst/>
             <a:rect l="l" t="t" r="r" b="b"/>
             <a:pathLst>
               <a:path w="1075" h="2817">
@@ -3005,10 +3678,10 @@
           <a:gradFill rotWithShape="0">
             <a:gsLst>
               <a:gs pos="0">
-                <a:srgbClr val="5e437f"/>
+                <a:srgbClr val="5E437F"/>
               </a:gs>
               <a:gs pos="100000">
-                <a:srgbClr val="7b57a7"/>
+                <a:srgbClr val="7B57A7"/>
               </a:gs>
             </a:gsLst>
             <a:lin ang="16200000"/>
@@ -3018,9 +3691,15 @@
           </a:ln>
         </p:spPr>
         <p:style>
-          <a:lnRef idx="0"/>
-          <a:fillRef idx="0"/>
-          <a:effectRef idx="0"/>
+          <a:lnRef idx="0">
+            <a:scrgbClr r="0" g="0" b="0"/>
+          </a:lnRef>
+          <a:fillRef idx="0">
+            <a:scrgbClr r="0" g="0" b="0"/>
+          </a:fillRef>
+          <a:effectRef idx="0">
+            <a:scrgbClr r="0" g="0" b="0"/>
+          </a:effectRef>
           <a:fontRef idx="minor"/>
         </p:style>
       </p:sp>
@@ -3039,6 +3718,7 @@
             <a:avLst/>
             <a:gdLst/>
             <a:ahLst/>
+            <a:cxnLst/>
             <a:rect l="l" t="t" r="r" b="b"/>
             <a:pathLst>
               <a:path w="21600" h="21600">
@@ -3069,15 +3749,22 @@
           </a:ln>
         </p:spPr>
         <p:style>
-          <a:lnRef idx="0"/>
-          <a:fillRef idx="0"/>
-          <a:effectRef idx="0"/>
+          <a:lnRef idx="0">
+            <a:scrgbClr r="0" g="0" b="0"/>
+          </a:lnRef>
+          <a:fillRef idx="0">
+            <a:scrgbClr r="0" g="0" b="0"/>
+          </a:fillRef>
+          <a:effectRef idx="0">
+            <a:scrgbClr r="0" g="0" b="0"/>
+          </a:effectRef>
           <a:fontRef idx="minor"/>
         </p:style>
         <p:txBody>
-          <a:bodyPr lIns="90000" rIns="90000" tIns="45000" bIns="45000" anchor="ctr">
+          <a:bodyPr lIns="90000" tIns="45000" rIns="90000" bIns="45000" anchor="ctr">
             <a:noAutofit/>
           </a:bodyPr>
+          <a:lstStyle/>
           <a:p>
             <a:pPr algn="ctr">
               <a:lnSpc>
@@ -3085,27 +3772,30 @@
               </a:lnSpc>
             </a:pPr>
             <a:r>
-              <a:rPr b="0" lang="en-US" sz="1100" spc="-1" strike="noStrike">
+              <a:rPr lang="en-US" sz="1100" b="0" strike="noStrike" spc="-1">
                 <a:solidFill>
-                  <a:srgbClr val="ffffff"/>
+                  <a:srgbClr val="FFFFFF"/>
                 </a:solidFill>
                 <a:latin typeface="Arial"/>
                 <a:ea typeface="Arial Unicode MS"/>
               </a:rPr>
               <a:t>Process-level parallelism</a:t>
             </a:r>
+            <a:r>
+              <a:t/>
+            </a:r>
             <a:br/>
             <a:r>
-              <a:rPr b="0" lang="en-US" sz="1100" spc="-1" strike="noStrike">
+              <a:rPr lang="en-US" sz="1100" b="0" strike="noStrike" spc="-1">
                 <a:solidFill>
-                  <a:srgbClr val="ffffff"/>
+                  <a:srgbClr val="FFFFFF"/>
                 </a:solidFill>
                 <a:latin typeface="Arial"/>
                 <a:ea typeface="Arial Unicode MS"/>
               </a:rPr>
               <a:t>(MPI, SHMEM)</a:t>
             </a:r>
-            <a:endParaRPr b="0" lang="en-US" sz="1100" spc="-1" strike="noStrike">
+            <a:endParaRPr lang="en-US" sz="1100" b="0" strike="noStrike" spc="-1">
               <a:latin typeface="Arial"/>
             </a:endParaRPr>
           </a:p>
@@ -3126,6 +3816,7 @@
             <a:avLst/>
             <a:gdLst/>
             <a:ahLst/>
+            <a:cxnLst/>
             <a:rect l="l" t="t" r="r" b="b"/>
             <a:pathLst>
               <a:path w="1075" h="2812">
@@ -3159,10 +3850,10 @@
           <a:gradFill rotWithShape="0">
             <a:gsLst>
               <a:gs pos="0">
-                <a:srgbClr val="5e437f"/>
+                <a:srgbClr val="5E437F"/>
               </a:gs>
               <a:gs pos="100000">
-                <a:srgbClr val="7b57a7"/>
+                <a:srgbClr val="7B57A7"/>
               </a:gs>
             </a:gsLst>
             <a:lin ang="16200000"/>
@@ -3172,9 +3863,15 @@
           </a:ln>
         </p:spPr>
         <p:style>
-          <a:lnRef idx="0"/>
-          <a:fillRef idx="0"/>
-          <a:effectRef idx="0"/>
+          <a:lnRef idx="0">
+            <a:scrgbClr r="0" g="0" b="0"/>
+          </a:lnRef>
+          <a:fillRef idx="0">
+            <a:scrgbClr r="0" g="0" b="0"/>
+          </a:fillRef>
+          <a:effectRef idx="0">
+            <a:scrgbClr r="0" g="0" b="0"/>
+          </a:effectRef>
           <a:fontRef idx="minor"/>
         </p:style>
       </p:sp>
@@ -3193,6 +3890,7 @@
             <a:avLst/>
             <a:gdLst/>
             <a:ahLst/>
+            <a:cxnLst/>
             <a:rect l="l" t="t" r="r" b="b"/>
             <a:pathLst>
               <a:path w="21600" h="21600">
@@ -3223,15 +3921,22 @@
           </a:ln>
         </p:spPr>
         <p:style>
-          <a:lnRef idx="0"/>
-          <a:fillRef idx="0"/>
-          <a:effectRef idx="0"/>
+          <a:lnRef idx="0">
+            <a:scrgbClr r="0" g="0" b="0"/>
+          </a:lnRef>
+          <a:fillRef idx="0">
+            <a:scrgbClr r="0" g="0" b="0"/>
+          </a:fillRef>
+          <a:effectRef idx="0">
+            <a:scrgbClr r="0" g="0" b="0"/>
+          </a:effectRef>
           <a:fontRef idx="minor"/>
         </p:style>
         <p:txBody>
-          <a:bodyPr lIns="90000" rIns="90000" tIns="45000" bIns="45000" anchor="ctr">
+          <a:bodyPr lIns="90000" tIns="45000" rIns="90000" bIns="45000" anchor="ctr">
             <a:noAutofit/>
           </a:bodyPr>
+          <a:lstStyle/>
           <a:p>
             <a:pPr algn="ctr">
               <a:lnSpc>
@@ -3239,27 +3944,30 @@
               </a:lnSpc>
             </a:pPr>
             <a:r>
-              <a:rPr b="0" lang="en-US" sz="1100" spc="-1" strike="noStrike">
+              <a:rPr lang="en-US" sz="1100" b="0" strike="noStrike" spc="-1">
                 <a:solidFill>
-                  <a:srgbClr val="ffffff"/>
+                  <a:srgbClr val="FFFFFF"/>
                 </a:solidFill>
                 <a:latin typeface="Arial"/>
                 <a:ea typeface="Arial Unicode MS"/>
               </a:rPr>
               <a:t>Thread-level parallelism</a:t>
             </a:r>
+            <a:r>
+              <a:t/>
+            </a:r>
             <a:br/>
             <a:r>
-              <a:rPr b="0" lang="en-US" sz="1100" spc="-1" strike="noStrike">
+              <a:rPr lang="en-US" sz="1100" b="0" strike="noStrike" spc="-1">
                 <a:solidFill>
-                  <a:srgbClr val="ffffff"/>
+                  <a:srgbClr val="FFFFFF"/>
                 </a:solidFill>
                 <a:latin typeface="Arial"/>
                 <a:ea typeface="Arial Unicode MS"/>
               </a:rPr>
               <a:t>(OpenMP, Pthreads)</a:t>
             </a:r>
-            <a:endParaRPr b="0" lang="en-US" sz="1100" spc="-1" strike="noStrike">
+            <a:endParaRPr lang="en-US" sz="1100" b="0" strike="noStrike" spc="-1">
               <a:latin typeface="Arial"/>
             </a:endParaRPr>
           </a:p>
@@ -3280,6 +3988,7 @@
             <a:avLst/>
             <a:gdLst/>
             <a:ahLst/>
+            <a:cxnLst/>
             <a:rect l="l" t="t" r="r" b="b"/>
             <a:pathLst>
               <a:path w="21600" h="21600">
@@ -3310,15 +4019,22 @@
           </a:ln>
         </p:spPr>
         <p:style>
-          <a:lnRef idx="0"/>
-          <a:fillRef idx="0"/>
-          <a:effectRef idx="0"/>
+          <a:lnRef idx="0">
+            <a:scrgbClr r="0" g="0" b="0"/>
+          </a:lnRef>
+          <a:fillRef idx="0">
+            <a:scrgbClr r="0" g="0" b="0"/>
+          </a:fillRef>
+          <a:effectRef idx="0">
+            <a:scrgbClr r="0" g="0" b="0"/>
+          </a:effectRef>
           <a:fontRef idx="minor"/>
         </p:style>
         <p:txBody>
-          <a:bodyPr lIns="90000" rIns="90000" tIns="45000" bIns="45000" anchor="ctr">
+          <a:bodyPr lIns="90000" tIns="45000" rIns="90000" bIns="45000" anchor="ctr">
             <a:noAutofit/>
           </a:bodyPr>
+          <a:lstStyle/>
           <a:p>
             <a:pPr algn="ctr">
               <a:lnSpc>
@@ -3326,16 +4042,16 @@
               </a:lnSpc>
             </a:pPr>
             <a:r>
-              <a:rPr b="0" lang="en-US" sz="1100" spc="-1" strike="noStrike">
+              <a:rPr lang="en-US" sz="1100" b="0" strike="noStrike" spc="-1">
                 <a:solidFill>
-                  <a:srgbClr val="ffffff"/>
+                  <a:srgbClr val="FFFFFF"/>
                 </a:solidFill>
                 <a:latin typeface="Arial"/>
                 <a:ea typeface="Arial Unicode MS"/>
               </a:rPr>
               <a:t>Source code instrumentation</a:t>
             </a:r>
-            <a:endParaRPr b="0" lang="en-US" sz="1100" spc="-1" strike="noStrike">
+            <a:endParaRPr lang="en-US" sz="1100" b="0" strike="noStrike" spc="-1">
               <a:latin typeface="Arial"/>
             </a:endParaRPr>
           </a:p>
@@ -3346,16 +4062,16 @@
               </a:lnSpc>
             </a:pPr>
             <a:r>
-              <a:rPr b="0" lang="en-US" sz="1100" spc="-1" strike="noStrike">
+              <a:rPr lang="en-US" sz="1100" b="0" strike="noStrike" spc="-1">
                 <a:solidFill>
-                  <a:srgbClr val="ffffff"/>
+                  <a:srgbClr val="FFFFFF"/>
                 </a:solidFill>
                 <a:latin typeface="Arial"/>
                 <a:ea typeface="Arial Unicode MS"/>
               </a:rPr>
               <a:t>(Compiler, PDT, User)</a:t>
             </a:r>
-            <a:endParaRPr b="0" lang="en-US" sz="1100" spc="-1" strike="noStrike">
+            <a:endParaRPr lang="en-US" sz="1100" b="0" strike="noStrike" spc="-1">
               <a:latin typeface="Arial"/>
             </a:endParaRPr>
           </a:p>
@@ -3376,6 +4092,7 @@
             <a:avLst/>
             <a:gdLst/>
             <a:ahLst/>
+            <a:cxnLst/>
             <a:rect l="l" t="t" r="r" b="b"/>
             <a:pathLst>
               <a:path w="21600" h="21600">
@@ -3399,22 +4116,29 @@
             </a:pathLst>
           </a:custGeom>
           <a:solidFill>
-            <a:srgbClr val="005b82"/>
+            <a:srgbClr val="005B82"/>
           </a:solidFill>
           <a:ln w="9360">
             <a:noFill/>
           </a:ln>
         </p:spPr>
         <p:style>
-          <a:lnRef idx="0"/>
-          <a:fillRef idx="0"/>
-          <a:effectRef idx="0"/>
+          <a:lnRef idx="0">
+            <a:scrgbClr r="0" g="0" b="0"/>
+          </a:lnRef>
+          <a:fillRef idx="0">
+            <a:scrgbClr r="0" g="0" b="0"/>
+          </a:fillRef>
+          <a:effectRef idx="0">
+            <a:scrgbClr r="0" g="0" b="0"/>
+          </a:effectRef>
           <a:fontRef idx="minor"/>
         </p:style>
         <p:txBody>
-          <a:bodyPr lIns="90000" rIns="90000" tIns="45000" bIns="45000" anchor="ctr">
+          <a:bodyPr lIns="90000" tIns="45000" rIns="90000" bIns="45000" anchor="ctr">
             <a:noAutofit/>
           </a:bodyPr>
+          <a:lstStyle/>
           <a:p>
             <a:pPr algn="ctr">
               <a:lnSpc>
@@ -3422,16 +4146,16 @@
               </a:lnSpc>
             </a:pPr>
             <a:r>
-              <a:rPr b="0" lang="en-US" sz="1800" spc="-1" strike="noStrike">
+              <a:rPr lang="en-US" sz="1800" b="0" strike="noStrike" spc="-1">
                 <a:solidFill>
-                  <a:srgbClr val="ffffff"/>
+                  <a:srgbClr val="FFFFFF"/>
                 </a:solidFill>
                 <a:latin typeface="Arial"/>
                 <a:ea typeface="Arial Unicode MS"/>
               </a:rPr>
               <a:t>CUBE</a:t>
             </a:r>
-            <a:endParaRPr b="0" lang="en-US" sz="1800" spc="-1" strike="noStrike">
+            <a:endParaRPr lang="en-US" sz="1800" b="0" strike="noStrike" spc="-1">
               <a:latin typeface="Arial"/>
             </a:endParaRPr>
           </a:p>
@@ -3468,16 +4192,22 @@
               </a:avLst>
             </a:prstGeom>
             <a:solidFill>
-              <a:srgbClr val="005b82"/>
+              <a:srgbClr val="005B82"/>
             </a:solidFill>
             <a:ln w="25560">
               <a:noFill/>
             </a:ln>
           </p:spPr>
           <p:style>
-            <a:lnRef idx="0"/>
-            <a:fillRef idx="0"/>
-            <a:effectRef idx="0"/>
+            <a:lnRef idx="0">
+              <a:scrgbClr r="0" g="0" b="0"/>
+            </a:lnRef>
+            <a:fillRef idx="0">
+              <a:scrgbClr r="0" g="0" b="0"/>
+            </a:fillRef>
+            <a:effectRef idx="0">
+              <a:scrgbClr r="0" g="0" b="0"/>
+            </a:effectRef>
             <a:fontRef idx="minor"/>
           </p:style>
         </p:sp>
@@ -3496,6 +4226,7 @@
               <a:avLst/>
               <a:gdLst/>
               <a:ahLst/>
+              <a:cxnLst/>
               <a:rect l="l" t="t" r="r" b="b"/>
               <a:pathLst>
                 <a:path w="21600" h="21600">
@@ -3524,15 +4255,22 @@
             </a:ln>
           </p:spPr>
           <p:style>
-            <a:lnRef idx="0"/>
-            <a:fillRef idx="0"/>
-            <a:effectRef idx="0"/>
+            <a:lnRef idx="0">
+              <a:scrgbClr r="0" g="0" b="0"/>
+            </a:lnRef>
+            <a:fillRef idx="0">
+              <a:scrgbClr r="0" g="0" b="0"/>
+            </a:fillRef>
+            <a:effectRef idx="0">
+              <a:scrgbClr r="0" g="0" b="0"/>
+            </a:effectRef>
             <a:fontRef idx="minor"/>
           </p:style>
           <p:txBody>
-            <a:bodyPr lIns="90000" rIns="90000" tIns="45000" bIns="45000" anchor="ctr">
+            <a:bodyPr lIns="90000" tIns="45000" rIns="90000" bIns="45000" anchor="ctr">
               <a:noAutofit/>
             </a:bodyPr>
+            <a:lstStyle/>
             <a:p>
               <a:pPr algn="ctr">
                 <a:lnSpc>
@@ -3540,16 +4278,16 @@
                 </a:lnSpc>
               </a:pPr>
               <a:r>
-                <a:rPr b="0" lang="en-US" sz="1800" spc="-1" strike="noStrike">
+                <a:rPr lang="en-US" sz="1800" b="0" strike="noStrike" spc="-1">
                   <a:solidFill>
-                    <a:srgbClr val="ffffff"/>
+                    <a:srgbClr val="FFFFFF"/>
                   </a:solidFill>
                   <a:latin typeface="Arial"/>
                   <a:ea typeface="Arial Unicode MS"/>
                 </a:rPr>
                 <a:t>TAUdb</a:t>
               </a:r>
-              <a:endParaRPr b="0" lang="en-US" sz="1800" spc="-1" strike="noStrike">
+              <a:endParaRPr lang="en-US" sz="1800" b="0" strike="noStrike" spc="-1">
                 <a:latin typeface="Arial"/>
               </a:endParaRPr>
             </a:p>
@@ -3571,6 +4309,7 @@
             <a:avLst/>
             <a:gdLst/>
             <a:ahLst/>
+            <a:cxnLst/>
             <a:rect l="l" t="t" r="r" b="b"/>
             <a:pathLst>
               <a:path w="1378" h="2052">
@@ -3602,16 +4341,22 @@
             </a:pathLst>
           </a:custGeom>
           <a:solidFill>
-            <a:srgbClr val="558ed5"/>
+            <a:srgbClr val="558ED5"/>
           </a:solidFill>
           <a:ln w="9360">
             <a:noFill/>
           </a:ln>
         </p:spPr>
         <p:style>
-          <a:lnRef idx="0"/>
-          <a:fillRef idx="0"/>
-          <a:effectRef idx="0"/>
+          <a:lnRef idx="0">
+            <a:scrgbClr r="0" g="0" b="0"/>
+          </a:lnRef>
+          <a:fillRef idx="0">
+            <a:scrgbClr r="0" g="0" b="0"/>
+          </a:fillRef>
+          <a:effectRef idx="0">
+            <a:scrgbClr r="0" g="0" b="0"/>
+          </a:effectRef>
           <a:fontRef idx="minor"/>
         </p:style>
       </p:sp>
@@ -3630,6 +4375,7 @@
             <a:avLst/>
             <a:gdLst/>
             <a:ahLst/>
+            <a:cxnLst/>
             <a:rect l="l" t="t" r="r" b="b"/>
             <a:pathLst>
               <a:path w="1374" h="1608">
@@ -3661,16 +4407,22 @@
             </a:pathLst>
           </a:custGeom>
           <a:solidFill>
-            <a:srgbClr val="558ed5"/>
+            <a:srgbClr val="558ED5"/>
           </a:solidFill>
           <a:ln w="9360">
             <a:noFill/>
           </a:ln>
         </p:spPr>
         <p:style>
-          <a:lnRef idx="0"/>
-          <a:fillRef idx="0"/>
-          <a:effectRef idx="0"/>
+          <a:lnRef idx="0">
+            <a:scrgbClr r="0" g="0" b="0"/>
+          </a:lnRef>
+          <a:fillRef idx="0">
+            <a:scrgbClr r="0" g="0" b="0"/>
+          </a:fillRef>
+          <a:effectRef idx="0">
+            <a:scrgbClr r="0" g="0" b="0"/>
+          </a:effectRef>
           <a:fontRef idx="minor"/>
         </p:style>
       </p:sp>
@@ -3698,15 +4450,22 @@
           </a:ln>
         </p:spPr>
         <p:style>
-          <a:lnRef idx="0"/>
-          <a:fillRef idx="0"/>
-          <a:effectRef idx="0"/>
+          <a:lnRef idx="0">
+            <a:scrgbClr r="0" g="0" b="0"/>
+          </a:lnRef>
+          <a:fillRef idx="0">
+            <a:scrgbClr r="0" g="0" b="0"/>
+          </a:fillRef>
+          <a:effectRef idx="0">
+            <a:scrgbClr r="0" g="0" b="0"/>
+          </a:effectRef>
           <a:fontRef idx="minor"/>
         </p:style>
         <p:txBody>
-          <a:bodyPr lIns="90000" rIns="90000" tIns="45000" bIns="45000" anchor="ctr">
+          <a:bodyPr lIns="90000" tIns="45000" rIns="90000" bIns="45000" anchor="ctr">
             <a:noAutofit/>
           </a:bodyPr>
+          <a:lstStyle/>
           <a:p>
             <a:pPr algn="ctr">
               <a:lnSpc>
@@ -3714,16 +4473,16 @@
               </a:lnSpc>
             </a:pPr>
             <a:r>
-              <a:rPr b="0" lang="en-US" sz="1200" spc="-1" strike="noStrike">
+              <a:rPr lang="en-US" sz="1200" b="0" strike="noStrike" spc="-1">
                 <a:solidFill>
-                  <a:srgbClr val="ffffff"/>
+                  <a:srgbClr val="FFFFFF"/>
                 </a:solidFill>
                 <a:latin typeface="Arial"/>
                 <a:ea typeface="Arial Unicode MS"/>
               </a:rPr>
               <a:t>Hardware counter</a:t>
             </a:r>
-            <a:endParaRPr b="0" lang="en-US" sz="1200" spc="-1" strike="noStrike">
+            <a:endParaRPr lang="en-US" sz="1200" b="0" strike="noStrike" spc="-1">
               <a:latin typeface="Arial"/>
             </a:endParaRPr>
           </a:p>
@@ -3734,16 +4493,16 @@
               </a:lnSpc>
             </a:pPr>
             <a:r>
-              <a:rPr b="0" lang="en-US" sz="1200" spc="-1" strike="noStrike">
+              <a:rPr lang="en-US" sz="1200" b="0" strike="noStrike" spc="-1">
                 <a:solidFill>
-                  <a:srgbClr val="ffffff"/>
+                  <a:srgbClr val="FFFFFF"/>
                 </a:solidFill>
                 <a:latin typeface="Arial"/>
                 <a:ea typeface="Arial Unicode MS"/>
               </a:rPr>
               <a:t>(PAPI, rusage, PERF, plugins)</a:t>
             </a:r>
-            <a:endParaRPr b="0" lang="en-US" sz="1200" spc="-1" strike="noStrike">
+            <a:endParaRPr lang="en-US" sz="1200" b="0" strike="noStrike" spc="-1">
               <a:latin typeface="Arial"/>
             </a:endParaRPr>
           </a:p>
@@ -3764,6 +4523,7 @@
             <a:avLst/>
             <a:gdLst/>
             <a:ahLst/>
+            <a:cxnLst/>
             <a:rect l="l" t="t" r="r" b="b"/>
             <a:pathLst>
               <a:path w="21600" h="21600">
@@ -3794,15 +4554,22 @@
           </a:ln>
         </p:spPr>
         <p:style>
-          <a:lnRef idx="0"/>
-          <a:fillRef idx="0"/>
-          <a:effectRef idx="0"/>
+          <a:lnRef idx="0">
+            <a:scrgbClr r="0" g="0" b="0"/>
+          </a:lnRef>
+          <a:fillRef idx="0">
+            <a:scrgbClr r="0" g="0" b="0"/>
+          </a:fillRef>
+          <a:effectRef idx="0">
+            <a:scrgbClr r="0" g="0" b="0"/>
+          </a:effectRef>
           <a:fontRef idx="minor"/>
         </p:style>
         <p:txBody>
-          <a:bodyPr lIns="90000" rIns="90000" tIns="45000" bIns="45000" anchor="ctr">
+          <a:bodyPr lIns="90000" tIns="45000" rIns="90000" bIns="45000" anchor="ctr">
             <a:noAutofit/>
           </a:bodyPr>
+          <a:lstStyle/>
           <a:p>
             <a:pPr algn="ctr">
               <a:lnSpc>
@@ -3810,38 +4577,70 @@
               </a:lnSpc>
             </a:pPr>
             <a:r>
-              <a:rPr b="0" lang="en-US" sz="1100" spc="-1" strike="noStrike">
+              <a:rPr lang="en-US" sz="1100" b="0" strike="noStrike" spc="-1" dirty="0">
                 <a:solidFill>
-                  <a:srgbClr val="ffffff"/>
+                  <a:srgbClr val="FFFFFF"/>
                 </a:solidFill>
                 <a:latin typeface="Arial"/>
                 <a:ea typeface="Arial Unicode MS"/>
               </a:rPr>
               <a:t>I/O Activity Recording</a:t>
             </a:r>
-            <a:br/>
             <a:r>
-              <a:rPr b="0" lang="en-US" sz="1100" spc="-1" strike="noStrike">
+              <a:rPr dirty="0"/>
+              <a:t/>
+            </a:r>
+            <a:br>
+              <a:rPr dirty="0"/>
+            </a:br>
+            <a:r>
+              <a:rPr lang="en-US" sz="1100" b="0" strike="noStrike" spc="-1" dirty="0">
                 <a:solidFill>
-                  <a:srgbClr val="ffffff"/>
+                  <a:srgbClr val="FFFFFF"/>
                 </a:solidFill>
                 <a:latin typeface="Arial"/>
                 <a:ea typeface="Arial Unicode MS"/>
               </a:rPr>
-              <a:t>(Posix I/O, </a:t>
+              <a:t>(</a:t>
             </a:r>
-            <a:br/>
             <a:r>
-              <a:rPr b="0" lang="en-US" sz="1100" spc="-1" strike="noStrike">
+              <a:rPr lang="en-US" sz="1100" b="0" strike="noStrike" spc="-1" dirty="0" err="1">
                 <a:solidFill>
-                  <a:srgbClr val="ffffff"/>
+                  <a:srgbClr val="FFFFFF"/>
+                </a:solidFill>
+                <a:latin typeface="Arial"/>
+                <a:ea typeface="Arial Unicode MS"/>
+              </a:rPr>
+              <a:t>Posix</a:t>
+            </a:r>
+            <a:r>
+              <a:rPr lang="en-US" sz="1100" b="0" strike="noStrike" spc="-1" dirty="0">
+                <a:solidFill>
+                  <a:srgbClr val="FFFFFF"/>
+                </a:solidFill>
+                <a:latin typeface="Arial"/>
+                <a:ea typeface="Arial Unicode MS"/>
+              </a:rPr>
+              <a:t> I/O, </a:t>
+            </a:r>
+            <a:r>
+              <a:rPr dirty="0"/>
+              <a:t/>
+            </a:r>
+            <a:br>
+              <a:rPr dirty="0"/>
+            </a:br>
+            <a:r>
+              <a:rPr lang="en-US" sz="1100" b="0" strike="noStrike" spc="-1" dirty="0">
+                <a:solidFill>
+                  <a:srgbClr val="FFFFFF"/>
                 </a:solidFill>
                 <a:latin typeface="Arial"/>
                 <a:ea typeface="Arial Unicode MS"/>
               </a:rPr>
               <a:t>MPI-IO)</a:t>
             </a:r>
-            <a:endParaRPr b="0" lang="en-US" sz="1100" spc="-1" strike="noStrike">
+            <a:endParaRPr lang="en-US" sz="1100" b="0" strike="noStrike" spc="-1" dirty="0">
               <a:latin typeface="Arial"/>
             </a:endParaRPr>
           </a:p>
@@ -3862,6 +4661,7 @@
             <a:avLst/>
             <a:gdLst/>
             <a:ahLst/>
+            <a:cxnLst/>
             <a:rect l="l" t="t" r="r" b="b"/>
             <a:pathLst>
               <a:path w="1075" h="2821">
@@ -3895,10 +4695,10 @@
           <a:gradFill rotWithShape="0">
             <a:gsLst>
               <a:gs pos="0">
-                <a:srgbClr val="5e437f"/>
+                <a:srgbClr val="5E437F"/>
               </a:gs>
               <a:gs pos="100000">
-                <a:srgbClr val="7b57a7"/>
+                <a:srgbClr val="7B57A7"/>
               </a:gs>
             </a:gsLst>
             <a:lin ang="16200000"/>
@@ -3908,9 +4708,15 @@
           </a:ln>
         </p:spPr>
         <p:style>
-          <a:lnRef idx="0"/>
-          <a:fillRef idx="0"/>
-          <a:effectRef idx="0"/>
+          <a:lnRef idx="0">
+            <a:scrgbClr r="0" g="0" b="0"/>
+          </a:lnRef>
+          <a:fillRef idx="0">
+            <a:scrgbClr r="0" g="0" b="0"/>
+          </a:fillRef>
+          <a:effectRef idx="0">
+            <a:scrgbClr r="0" g="0" b="0"/>
+          </a:effectRef>
           <a:fontRef idx="minor"/>
         </p:style>
       </p:sp>
@@ -3929,6 +4735,7 @@
             <a:avLst/>
             <a:gdLst/>
             <a:ahLst/>
+            <a:cxnLst/>
             <a:rect l="l" t="t" r="r" b="b"/>
             <a:pathLst>
               <a:path w="21600" h="21600">
@@ -3952,7 +4759,7 @@
             </a:pathLst>
           </a:custGeom>
           <a:solidFill>
-            <a:srgbClr val="8eb4e3">
+            <a:srgbClr val="8EB4E3">
               <a:alpha val="75000"/>
             </a:srgbClr>
           </a:solidFill>
@@ -3961,15 +4768,22 @@
           </a:ln>
         </p:spPr>
         <p:style>
-          <a:lnRef idx="0"/>
-          <a:fillRef idx="0"/>
-          <a:effectRef idx="0"/>
+          <a:lnRef idx="0">
+            <a:scrgbClr r="0" g="0" b="0"/>
+          </a:lnRef>
+          <a:fillRef idx="0">
+            <a:scrgbClr r="0" g="0" b="0"/>
+          </a:fillRef>
+          <a:effectRef idx="0">
+            <a:scrgbClr r="0" g="0" b="0"/>
+          </a:effectRef>
           <a:fontRef idx="minor"/>
         </p:style>
         <p:txBody>
-          <a:bodyPr lIns="90000" rIns="90000" tIns="45000" bIns="45000" anchor="ctr" anchorCtr="1">
+          <a:bodyPr lIns="90000" tIns="45000" rIns="90000" bIns="45000" anchor="ctr" anchorCtr="1">
             <a:noAutofit/>
           </a:bodyPr>
+          <a:lstStyle/>
           <a:p>
             <a:pPr algn="ctr">
               <a:lnSpc>
@@ -3977,7 +4791,7 @@
               </a:lnSpc>
             </a:pPr>
             <a:r>
-              <a:rPr b="0" lang="en-US" sz="1900" spc="-1" strike="noStrike">
+              <a:rPr lang="en-US" sz="1900" b="0" strike="noStrike" spc="-1">
                 <a:solidFill>
                   <a:srgbClr val="000000"/>
                 </a:solidFill>
@@ -3986,7 +4800,7 @@
               </a:rPr>
               <a:t>Instrumentation wrapper</a:t>
             </a:r>
-            <a:endParaRPr b="0" lang="en-US" sz="1900" spc="-1" strike="noStrike">
+            <a:endParaRPr lang="en-US" sz="1900" b="0" strike="noStrike" spc="-1">
               <a:latin typeface="Arial"/>
             </a:endParaRPr>
           </a:p>
@@ -4007,6 +4821,7 @@
             <a:avLst/>
             <a:gdLst/>
             <a:ahLst/>
+            <a:cxnLst/>
             <a:rect l="l" t="t" r="r" b="b"/>
             <a:pathLst>
               <a:path w="21600" h="21600">
@@ -4030,22 +4845,29 @@
             </a:pathLst>
           </a:custGeom>
           <a:solidFill>
-            <a:srgbClr val="005b82"/>
+            <a:srgbClr val="005B82"/>
           </a:solidFill>
           <a:ln w="9360">
             <a:noFill/>
           </a:ln>
         </p:spPr>
         <p:style>
-          <a:lnRef idx="0"/>
-          <a:fillRef idx="0"/>
-          <a:effectRef idx="0"/>
+          <a:lnRef idx="0">
+            <a:scrgbClr r="0" g="0" b="0"/>
+          </a:lnRef>
+          <a:fillRef idx="0">
+            <a:scrgbClr r="0" g="0" b="0"/>
+          </a:fillRef>
+          <a:effectRef idx="0">
+            <a:scrgbClr r="0" g="0" b="0"/>
+          </a:effectRef>
           <a:fontRef idx="minor"/>
         </p:style>
         <p:txBody>
-          <a:bodyPr lIns="90000" rIns="90000" tIns="45000" bIns="45000" anchor="ctr">
+          <a:bodyPr lIns="90000" tIns="45000" rIns="90000" bIns="45000" anchor="ctr">
             <a:noAutofit/>
           </a:bodyPr>
+          <a:lstStyle/>
           <a:p>
             <a:pPr algn="ctr">
               <a:lnSpc>
@@ -4053,16 +4875,16 @@
               </a:lnSpc>
             </a:pPr>
             <a:r>
-              <a:rPr b="0" lang="en-US" sz="1800" spc="-1" strike="noStrike">
+              <a:rPr lang="en-US" sz="1800" b="0" strike="noStrike" spc="-1">
                 <a:solidFill>
-                  <a:srgbClr val="ffffff"/>
+                  <a:srgbClr val="FFFFFF"/>
                 </a:solidFill>
                 <a:latin typeface="Arial"/>
                 <a:ea typeface="Arial Unicode MS"/>
               </a:rPr>
               <a:t>Extra-P</a:t>
             </a:r>
-            <a:endParaRPr b="0" lang="en-US" sz="1800" spc="-1" strike="noStrike">
+            <a:endParaRPr lang="en-US" sz="1800" b="0" strike="noStrike" spc="-1">
               <a:latin typeface="Arial"/>
             </a:endParaRPr>
           </a:p>
@@ -4083,6 +4905,7 @@
             <a:avLst/>
             <a:gdLst/>
             <a:ahLst/>
+            <a:cxnLst/>
             <a:rect l="l" t="t" r="r" b="b"/>
             <a:pathLst>
               <a:path w="1378" h="1608">
@@ -4114,26 +4937,35 @@
             </a:pathLst>
           </a:custGeom>
           <a:solidFill>
-            <a:srgbClr val="558ed5"/>
+            <a:srgbClr val="558ED5"/>
           </a:solidFill>
           <a:ln w="9360">
             <a:noFill/>
           </a:ln>
         </p:spPr>
         <p:style>
-          <a:lnRef idx="0"/>
-          <a:fillRef idx="0"/>
-          <a:effectRef idx="0"/>
+          <a:lnRef idx="0">
+            <a:scrgbClr r="0" g="0" b="0"/>
+          </a:lnRef>
+          <a:fillRef idx="0">
+            <a:scrgbClr r="0" g="0" b="0"/>
+          </a:fillRef>
+          <a:effectRef idx="0">
+            <a:scrgbClr r="0" g="0" b="0"/>
+          </a:effectRef>
           <a:fontRef idx="minor"/>
         </p:style>
       </p:sp>
     </p:spTree>
   </p:cSld>
-  <mc:AlternateContent>
+  <p:clrMapOvr>
+    <a:masterClrMapping/>
+  </p:clrMapOvr>
+  <mc:AlternateContent xmlns:mc="http://schemas.openxmlformats.org/markup-compatibility/2006" xmlns:p14="http://schemas.microsoft.com/office/powerpoint/2010/main">
     <mc:Choice Requires="p14">
       <p:transition spd="slow" p14:dur="2000"/>
     </mc:Choice>
-    <mc:Fallback>
+    <mc:Fallback xmlns:p15="http://schemas.microsoft.com/office/powerpoint/2012/main" xmlns="">
       <p:transition spd="slow"/>
     </mc:Fallback>
   </mc:AlternateContent>
@@ -4151,34 +4983,34 @@
         <a:sysClr val="window" lastClr="FFFFFF"/>
       </a:lt1>
       <a:dk2>
-        <a:srgbClr val="44546a"/>
+        <a:srgbClr val="44546A"/>
       </a:dk2>
       <a:lt2>
-        <a:srgbClr val="e7e6e6"/>
+        <a:srgbClr val="E7E6E6"/>
       </a:lt2>
       <a:accent1>
-        <a:srgbClr val="5b9bd5"/>
+        <a:srgbClr val="5B9BD5"/>
       </a:accent1>
       <a:accent2>
-        <a:srgbClr val="ed7d31"/>
+        <a:srgbClr val="ED7D31"/>
       </a:accent2>
       <a:accent3>
-        <a:srgbClr val="a5a5a5"/>
+        <a:srgbClr val="A5A5A5"/>
       </a:accent3>
       <a:accent4>
-        <a:srgbClr val="ffc000"/>
+        <a:srgbClr val="FFC000"/>
       </a:accent4>
       <a:accent5>
-        <a:srgbClr val="4472c4"/>
+        <a:srgbClr val="4472C4"/>
       </a:accent5>
       <a:accent6>
-        <a:srgbClr val="70ad47"/>
+        <a:srgbClr val="70AD47"/>
       </a:accent6>
       <a:hlink>
-        <a:srgbClr val="0563c1"/>
+        <a:srgbClr val="0563C1"/>
       </a:hlink>
       <a:folHlink>
-        <a:srgbClr val="954f72"/>
+        <a:srgbClr val="954F72"/>
       </a:folHlink>
     </a:clrScheme>
     <a:fontScheme name="Office">
@@ -4363,5 +5195,7 @@
       </a:bgFillStyleLst>
     </a:fmtScheme>
   </a:themeElements>
+  <a:objectDefaults/>
+  <a:extraClrSchemeLst/>
 </a:theme>
 </file>